--- a/Calendario/Presentaciones/1_IntroduccionRedes.pptx
+++ b/Calendario/Presentaciones/1_IntroduccionRedes.pptx
@@ -5,28 +5,21 @@
     <p:sldMasterId id="2147483648" r:id="rId1"/>
   </p:sldMasterIdLst>
   <p:notesMasterIdLst>
-    <p:notesMasterId r:id="rId21"/>
+    <p:notesMasterId r:id="rId14"/>
   </p:notesMasterIdLst>
   <p:sldIdLst>
     <p:sldId id="379" r:id="rId2"/>
     <p:sldId id="291" r:id="rId3"/>
     <p:sldId id="338" r:id="rId4"/>
-    <p:sldId id="332" r:id="rId5"/>
-    <p:sldId id="349" r:id="rId6"/>
-    <p:sldId id="350" r:id="rId7"/>
-    <p:sldId id="822" r:id="rId8"/>
-    <p:sldId id="298" r:id="rId9"/>
-    <p:sldId id="297" r:id="rId10"/>
-    <p:sldId id="824" r:id="rId11"/>
-    <p:sldId id="826" r:id="rId12"/>
-    <p:sldId id="318" r:id="rId13"/>
-    <p:sldId id="319" r:id="rId14"/>
-    <p:sldId id="344" r:id="rId15"/>
-    <p:sldId id="320" r:id="rId16"/>
-    <p:sldId id="321" r:id="rId17"/>
-    <p:sldId id="346" r:id="rId18"/>
-    <p:sldId id="347" r:id="rId19"/>
-    <p:sldId id="825" r:id="rId20"/>
+    <p:sldId id="349" r:id="rId5"/>
+    <p:sldId id="826" r:id="rId6"/>
+    <p:sldId id="318" r:id="rId7"/>
+    <p:sldId id="319" r:id="rId8"/>
+    <p:sldId id="344" r:id="rId9"/>
+    <p:sldId id="320" r:id="rId10"/>
+    <p:sldId id="321" r:id="rId11"/>
+    <p:sldId id="346" r:id="rId12"/>
+    <p:sldId id="347" r:id="rId13"/>
   </p:sldIdLst>
   <p:sldSz cx="9144000" cy="6858000" type="screen4x3"/>
   <p:notesSz cx="6858000" cy="9144000"/>
@@ -226,7 +219,7 @@
           <a:p>
             <a:fld id="{2D445F07-8756-451B-A938-0248325FC7BB}" type="datetimeFigureOut">
               <a:rPr lang="es-MX" smtClean="0"/>
-              <a:t>24/03/2023</a:t>
+              <a:t>27/03/2023</a:t>
             </a:fld>
             <a:endParaRPr lang="es-MX" dirty="0"/>
           </a:p>
@@ -578,192 +571,6 @@
 </p:notes>
 </file>
 
-<file path=ppt/notesSlides/notesSlide10.xml><?xml version="1.0" encoding="utf-8"?>
-<p:notes xmlns:a="http://schemas.openxmlformats.org/drawingml/2006/main" xmlns:r="http://schemas.openxmlformats.org/officeDocument/2006/relationships" xmlns:p="http://schemas.openxmlformats.org/presentationml/2006/main">
-  <p:cSld>
-    <p:spTree>
-      <p:nvGrpSpPr>
-        <p:cNvPr id="1" name=""/>
-        <p:cNvGrpSpPr/>
-        <p:nvPr/>
-      </p:nvGrpSpPr>
-      <p:grpSpPr>
-        <a:xfrm>
-          <a:off x="0" y="0"/>
-          <a:ext cx="0" cy="0"/>
-          <a:chOff x="0" y="0"/>
-          <a:chExt cx="0" cy="0"/>
-        </a:xfrm>
-      </p:grpSpPr>
-      <p:sp>
-        <p:nvSpPr>
-          <p:cNvPr id="2" name="Notes Placeholder"/>
-          <p:cNvSpPr>
-            <a:spLocks noGrp="1"/>
-          </p:cNvSpPr>
-          <p:nvPr>
-            <p:ph type="body" idx="1"/>
-          </p:nvPr>
-        </p:nvSpPr>
-        <p:spPr/>
-        <p:txBody>
-          <a:bodyPr>
-            <a:normAutofit/>
-          </a:bodyPr>
-          <a:lstStyle/>
-          <a:p>
-            <a:endParaRPr dirty="0"/>
-          </a:p>
-        </p:txBody>
-      </p:sp>
-    </p:spTree>
-    <p:extLst>
-      <p:ext uri="{BB962C8B-B14F-4D97-AF65-F5344CB8AC3E}">
-        <p14:creationId xmlns:p14="http://schemas.microsoft.com/office/powerpoint/2010/main" val="1203122434"/>
-      </p:ext>
-    </p:extLst>
-  </p:cSld>
-  <p:clrMapOvr>
-    <a:masterClrMapping/>
-  </p:clrMapOvr>
-</p:notes>
-</file>
-
-<file path=ppt/notesSlides/notesSlide11.xml><?xml version="1.0" encoding="utf-8"?>
-<p:notes xmlns:a="http://schemas.openxmlformats.org/drawingml/2006/main" xmlns:r="http://schemas.openxmlformats.org/officeDocument/2006/relationships" xmlns:p="http://schemas.openxmlformats.org/presentationml/2006/main">
-  <p:cSld>
-    <p:spTree>
-      <p:nvGrpSpPr>
-        <p:cNvPr id="1" name=""/>
-        <p:cNvGrpSpPr/>
-        <p:nvPr/>
-      </p:nvGrpSpPr>
-      <p:grpSpPr>
-        <a:xfrm>
-          <a:off x="0" y="0"/>
-          <a:ext cx="0" cy="0"/>
-          <a:chOff x="0" y="0"/>
-          <a:chExt cx="0" cy="0"/>
-        </a:xfrm>
-      </p:grpSpPr>
-      <p:sp>
-        <p:nvSpPr>
-          <p:cNvPr id="2" name="Marcador de imagen de diapositiva 1"/>
-          <p:cNvSpPr>
-            <a:spLocks noGrp="1" noRot="1" noChangeAspect="1"/>
-          </p:cNvSpPr>
-          <p:nvPr>
-            <p:ph type="sldImg"/>
-          </p:nvPr>
-        </p:nvSpPr>
-        <p:spPr/>
-      </p:sp>
-      <p:sp>
-        <p:nvSpPr>
-          <p:cNvPr id="3" name="Marcador de notas 2"/>
-          <p:cNvSpPr>
-            <a:spLocks noGrp="1"/>
-          </p:cNvSpPr>
-          <p:nvPr>
-            <p:ph type="body" idx="1"/>
-          </p:nvPr>
-        </p:nvSpPr>
-        <p:spPr/>
-        <p:txBody>
-          <a:bodyPr/>
-          <a:lstStyle/>
-          <a:p>
-            <a:endParaRPr lang="es-MX" dirty="0"/>
-          </a:p>
-        </p:txBody>
-      </p:sp>
-      <p:sp>
-        <p:nvSpPr>
-          <p:cNvPr id="4" name="Marcador de número de diapositiva 3"/>
-          <p:cNvSpPr>
-            <a:spLocks noGrp="1"/>
-          </p:cNvSpPr>
-          <p:nvPr>
-            <p:ph type="sldNum" sz="quarter" idx="5"/>
-          </p:nvPr>
-        </p:nvSpPr>
-        <p:spPr/>
-        <p:txBody>
-          <a:bodyPr/>
-          <a:lstStyle/>
-          <a:p>
-            <a:fld id="{5993AEC0-242E-4FA7-9D3C-51E1036AC3CB}" type="slidenum">
-              <a:rPr lang="es-MX" smtClean="0"/>
-              <a:t>12</a:t>
-            </a:fld>
-            <a:endParaRPr lang="es-MX" dirty="0"/>
-          </a:p>
-        </p:txBody>
-      </p:sp>
-    </p:spTree>
-    <p:extLst>
-      <p:ext uri="{BB962C8B-B14F-4D97-AF65-F5344CB8AC3E}">
-        <p14:creationId xmlns:p14="http://schemas.microsoft.com/office/powerpoint/2010/main" val="1832415870"/>
-      </p:ext>
-    </p:extLst>
-  </p:cSld>
-  <p:clrMapOvr>
-    <a:masterClrMapping/>
-  </p:clrMapOvr>
-</p:notes>
-</file>
-
-<file path=ppt/notesSlides/notesSlide12.xml><?xml version="1.0" encoding="utf-8"?>
-<p:notes xmlns:a="http://schemas.openxmlformats.org/drawingml/2006/main" xmlns:r="http://schemas.openxmlformats.org/officeDocument/2006/relationships" xmlns:p="http://schemas.openxmlformats.org/presentationml/2006/main">
-  <p:cSld>
-    <p:spTree>
-      <p:nvGrpSpPr>
-        <p:cNvPr id="1" name=""/>
-        <p:cNvGrpSpPr/>
-        <p:nvPr/>
-      </p:nvGrpSpPr>
-      <p:grpSpPr>
-        <a:xfrm>
-          <a:off x="0" y="0"/>
-          <a:ext cx="0" cy="0"/>
-          <a:chOff x="0" y="0"/>
-          <a:chExt cx="0" cy="0"/>
-        </a:xfrm>
-      </p:grpSpPr>
-      <p:sp>
-        <p:nvSpPr>
-          <p:cNvPr id="2" name="Notes Placeholder"/>
-          <p:cNvSpPr>
-            <a:spLocks noGrp="1"/>
-          </p:cNvSpPr>
-          <p:nvPr>
-            <p:ph type="body" idx="1"/>
-          </p:nvPr>
-        </p:nvSpPr>
-        <p:spPr/>
-        <p:txBody>
-          <a:bodyPr>
-            <a:normAutofit/>
-          </a:bodyPr>
-          <a:lstStyle/>
-          <a:p>
-            <a:endParaRPr dirty="0"/>
-          </a:p>
-        </p:txBody>
-      </p:sp>
-    </p:spTree>
-    <p:extLst>
-      <p:ext uri="{BB962C8B-B14F-4D97-AF65-F5344CB8AC3E}">
-        <p14:creationId xmlns:p14="http://schemas.microsoft.com/office/powerpoint/2010/main" val="347174109"/>
-      </p:ext>
-    </p:extLst>
-  </p:cSld>
-  <p:clrMapOvr>
-    <a:masterClrMapping/>
-  </p:clrMapOvr>
-</p:notes>
-</file>
-
 <file path=ppt/notesSlides/notesSlide2.xml><?xml version="1.0" encoding="utf-8"?>
 <p:notes xmlns:a="http://schemas.openxmlformats.org/drawingml/2006/main" xmlns:r="http://schemas.openxmlformats.org/officeDocument/2006/relationships" xmlns:p="http://schemas.openxmlformats.org/presentationml/2006/main">
   <p:cSld>
@@ -922,7 +729,7 @@
     </p:spTree>
     <p:extLst>
       <p:ext uri="{BB962C8B-B14F-4D97-AF65-F5344CB8AC3E}">
-        <p14:creationId xmlns:p14="http://schemas.microsoft.com/office/powerpoint/2010/main" val="3292043648"/>
+        <p14:creationId xmlns:p14="http://schemas.microsoft.com/office/powerpoint/2010/main" val="2441882345"/>
       </p:ext>
     </p:extLst>
   </p:cSld>
@@ -951,19 +758,7 @@
       </p:grpSpPr>
       <p:sp>
         <p:nvSpPr>
-          <p:cNvPr id="2" name="Marcador de imagen de diapositiva 1"/>
-          <p:cNvSpPr>
-            <a:spLocks noGrp="1" noRot="1" noChangeAspect="1"/>
-          </p:cNvSpPr>
-          <p:nvPr>
-            <p:ph type="sldImg"/>
-          </p:nvPr>
-        </p:nvSpPr>
-        <p:spPr/>
-      </p:sp>
-      <p:sp>
-        <p:nvSpPr>
-          <p:cNvPr id="3" name="Marcador de notas 2"/>
+          <p:cNvPr id="2" name="Notes Placeholder"/>
           <p:cNvSpPr>
             <a:spLocks noGrp="1"/>
           </p:cNvSpPr>
@@ -973,40 +768,19 @@
         </p:nvSpPr>
         <p:spPr/>
         <p:txBody>
-          <a:bodyPr/>
+          <a:bodyPr>
+            <a:normAutofit/>
+          </a:bodyPr>
           <a:lstStyle/>
           <a:p>
-            <a:endParaRPr lang="es-MX" dirty="0"/>
-          </a:p>
-        </p:txBody>
-      </p:sp>
-      <p:sp>
-        <p:nvSpPr>
-          <p:cNvPr id="4" name="Marcador de número de diapositiva 3"/>
-          <p:cNvSpPr>
-            <a:spLocks noGrp="1"/>
-          </p:cNvSpPr>
-          <p:nvPr>
-            <p:ph type="sldNum" sz="quarter" idx="10"/>
-          </p:nvPr>
-        </p:nvSpPr>
-        <p:spPr/>
-        <p:txBody>
-          <a:bodyPr/>
-          <a:lstStyle/>
-          <a:p>
-            <a:fld id="{5993AEC0-242E-4FA7-9D3C-51E1036AC3CB}" type="slidenum">
-              <a:rPr lang="es-MX" smtClean="0"/>
-              <a:t>5</a:t>
-            </a:fld>
-            <a:endParaRPr lang="es-MX" dirty="0"/>
+            <a:endParaRPr dirty="0"/>
           </a:p>
         </p:txBody>
       </p:sp>
     </p:spTree>
     <p:extLst>
       <p:ext uri="{BB962C8B-B14F-4D97-AF65-F5344CB8AC3E}">
-        <p14:creationId xmlns:p14="http://schemas.microsoft.com/office/powerpoint/2010/main" val="2441882345"/>
+        <p14:creationId xmlns:p14="http://schemas.microsoft.com/office/powerpoint/2010/main" val="1203122434"/>
       </p:ext>
     </p:extLst>
   </p:cSld>
@@ -1071,7 +845,7 @@
             <a:spLocks noGrp="1"/>
           </p:cNvSpPr>
           <p:nvPr>
-            <p:ph type="sldNum" sz="quarter" idx="10"/>
+            <p:ph type="sldNum" sz="quarter" idx="5"/>
           </p:nvPr>
         </p:nvSpPr>
         <p:spPr/>
@@ -1090,201 +864,7 @@
     </p:spTree>
     <p:extLst>
       <p:ext uri="{BB962C8B-B14F-4D97-AF65-F5344CB8AC3E}">
-        <p14:creationId xmlns:p14="http://schemas.microsoft.com/office/powerpoint/2010/main" val="524404430"/>
-      </p:ext>
-    </p:extLst>
-  </p:cSld>
-  <p:clrMapOvr>
-    <a:masterClrMapping/>
-  </p:clrMapOvr>
-</p:notes>
-</file>
-
-<file path=ppt/notesSlides/notesSlide6.xml><?xml version="1.0" encoding="utf-8"?>
-<p:notes xmlns:a="http://schemas.openxmlformats.org/drawingml/2006/main" xmlns:r="http://schemas.openxmlformats.org/officeDocument/2006/relationships" xmlns:p="http://schemas.openxmlformats.org/presentationml/2006/main">
-  <p:cSld>
-    <p:spTree>
-      <p:nvGrpSpPr>
-        <p:cNvPr id="1" name=""/>
-        <p:cNvGrpSpPr/>
-        <p:nvPr/>
-      </p:nvGrpSpPr>
-      <p:grpSpPr>
-        <a:xfrm>
-          <a:off x="0" y="0"/>
-          <a:ext cx="0" cy="0"/>
-          <a:chOff x="0" y="0"/>
-          <a:chExt cx="0" cy="0"/>
-        </a:xfrm>
-      </p:grpSpPr>
-      <p:sp>
-        <p:nvSpPr>
-          <p:cNvPr id="2" name="Notes Placeholder"/>
-          <p:cNvSpPr>
-            <a:spLocks noGrp="1"/>
-          </p:cNvSpPr>
-          <p:nvPr>
-            <p:ph type="body" idx="1"/>
-          </p:nvPr>
-        </p:nvSpPr>
-        <p:spPr/>
-        <p:txBody>
-          <a:bodyPr>
-            <a:normAutofit/>
-          </a:bodyPr>
-          <a:lstStyle/>
-          <a:p>
-            <a:endParaRPr dirty="0"/>
-          </a:p>
-        </p:txBody>
-      </p:sp>
-    </p:spTree>
-    <p:extLst>
-      <p:ext uri="{BB962C8B-B14F-4D97-AF65-F5344CB8AC3E}">
-        <p14:creationId xmlns:p14="http://schemas.microsoft.com/office/powerpoint/2010/main" val="3858140246"/>
-      </p:ext>
-    </p:extLst>
-  </p:cSld>
-  <p:clrMapOvr>
-    <a:masterClrMapping/>
-  </p:clrMapOvr>
-</p:notes>
-</file>
-
-<file path=ppt/notesSlides/notesSlide7.xml><?xml version="1.0" encoding="utf-8"?>
-<p:notes xmlns:a="http://schemas.openxmlformats.org/drawingml/2006/main" xmlns:r="http://schemas.openxmlformats.org/officeDocument/2006/relationships" xmlns:p="http://schemas.openxmlformats.org/presentationml/2006/main">
-  <p:cSld>
-    <p:spTree>
-      <p:nvGrpSpPr>
-        <p:cNvPr id="1" name=""/>
-        <p:cNvGrpSpPr/>
-        <p:nvPr/>
-      </p:nvGrpSpPr>
-      <p:grpSpPr>
-        <a:xfrm>
-          <a:off x="0" y="0"/>
-          <a:ext cx="0" cy="0"/>
-          <a:chOff x="0" y="0"/>
-          <a:chExt cx="0" cy="0"/>
-        </a:xfrm>
-      </p:grpSpPr>
-      <p:sp>
-        <p:nvSpPr>
-          <p:cNvPr id="2" name="Notes Placeholder"/>
-          <p:cNvSpPr>
-            <a:spLocks noGrp="1"/>
-          </p:cNvSpPr>
-          <p:nvPr>
-            <p:ph type="body" idx="1"/>
-          </p:nvPr>
-        </p:nvSpPr>
-        <p:spPr/>
-        <p:txBody>
-          <a:bodyPr>
-            <a:normAutofit/>
-          </a:bodyPr>
-          <a:lstStyle/>
-          <a:p>
-            <a:endParaRPr dirty="0"/>
-          </a:p>
-        </p:txBody>
-      </p:sp>
-    </p:spTree>
-  </p:cSld>
-  <p:clrMapOvr>
-    <a:masterClrMapping/>
-  </p:clrMapOvr>
-</p:notes>
-</file>
-
-<file path=ppt/notesSlides/notesSlide8.xml><?xml version="1.0" encoding="utf-8"?>
-<p:notes xmlns:a="http://schemas.openxmlformats.org/drawingml/2006/main" xmlns:r="http://schemas.openxmlformats.org/officeDocument/2006/relationships" xmlns:p="http://schemas.openxmlformats.org/presentationml/2006/main">
-  <p:cSld>
-    <p:spTree>
-      <p:nvGrpSpPr>
-        <p:cNvPr id="1" name=""/>
-        <p:cNvGrpSpPr/>
-        <p:nvPr/>
-      </p:nvGrpSpPr>
-      <p:grpSpPr>
-        <a:xfrm>
-          <a:off x="0" y="0"/>
-          <a:ext cx="0" cy="0"/>
-          <a:chOff x="0" y="0"/>
-          <a:chExt cx="0" cy="0"/>
-        </a:xfrm>
-      </p:grpSpPr>
-      <p:sp>
-        <p:nvSpPr>
-          <p:cNvPr id="2" name="Notes Placeholder"/>
-          <p:cNvSpPr>
-            <a:spLocks noGrp="1"/>
-          </p:cNvSpPr>
-          <p:nvPr>
-            <p:ph type="body" idx="1"/>
-          </p:nvPr>
-        </p:nvSpPr>
-        <p:spPr/>
-        <p:txBody>
-          <a:bodyPr>
-            <a:normAutofit/>
-          </a:bodyPr>
-          <a:lstStyle/>
-          <a:p>
-            <a:endParaRPr dirty="0"/>
-          </a:p>
-        </p:txBody>
-      </p:sp>
-    </p:spTree>
-  </p:cSld>
-  <p:clrMapOvr>
-    <a:masterClrMapping/>
-  </p:clrMapOvr>
-</p:notes>
-</file>
-
-<file path=ppt/notesSlides/notesSlide9.xml><?xml version="1.0" encoding="utf-8"?>
-<p:notes xmlns:a="http://schemas.openxmlformats.org/drawingml/2006/main" xmlns:r="http://schemas.openxmlformats.org/officeDocument/2006/relationships" xmlns:p="http://schemas.openxmlformats.org/presentationml/2006/main">
-  <p:cSld>
-    <p:spTree>
-      <p:nvGrpSpPr>
-        <p:cNvPr id="1" name=""/>
-        <p:cNvGrpSpPr/>
-        <p:nvPr/>
-      </p:nvGrpSpPr>
-      <p:grpSpPr>
-        <a:xfrm>
-          <a:off x="0" y="0"/>
-          <a:ext cx="0" cy="0"/>
-          <a:chOff x="0" y="0"/>
-          <a:chExt cx="0" cy="0"/>
-        </a:xfrm>
-      </p:grpSpPr>
-      <p:sp>
-        <p:nvSpPr>
-          <p:cNvPr id="2" name="Notes Placeholder"/>
-          <p:cNvSpPr>
-            <a:spLocks noGrp="1"/>
-          </p:cNvSpPr>
-          <p:nvPr>
-            <p:ph type="body" idx="1"/>
-          </p:nvPr>
-        </p:nvSpPr>
-        <p:spPr/>
-        <p:txBody>
-          <a:bodyPr>
-            <a:normAutofit/>
-          </a:bodyPr>
-          <a:lstStyle/>
-          <a:p>
-            <a:endParaRPr dirty="0"/>
-          </a:p>
-        </p:txBody>
-      </p:sp>
-    </p:spTree>
-    <p:extLst>
-      <p:ext uri="{BB962C8B-B14F-4D97-AF65-F5344CB8AC3E}">
-        <p14:creationId xmlns:p14="http://schemas.microsoft.com/office/powerpoint/2010/main" val="3322637859"/>
+        <p14:creationId xmlns:p14="http://schemas.microsoft.com/office/powerpoint/2010/main" val="1832415870"/>
       </p:ext>
     </p:extLst>
   </p:cSld>
@@ -1475,7 +1055,7 @@
           <a:p>
             <a:fld id="{5E75A0DC-66C6-4CEC-A5EB-F8C97CEC3796}" type="datetimeFigureOut">
               <a:rPr lang="es-MX" smtClean="0"/>
-              <a:t>24/03/2023</a:t>
+              <a:t>27/03/2023</a:t>
             </a:fld>
             <a:endParaRPr lang="es-MX" dirty="0"/>
           </a:p>
@@ -1645,7 +1225,7 @@
           <a:p>
             <a:fld id="{5E75A0DC-66C6-4CEC-A5EB-F8C97CEC3796}" type="datetimeFigureOut">
               <a:rPr lang="es-MX" smtClean="0"/>
-              <a:t>24/03/2023</a:t>
+              <a:t>27/03/2023</a:t>
             </a:fld>
             <a:endParaRPr lang="es-MX" dirty="0"/>
           </a:p>
@@ -1825,7 +1405,7 @@
           <a:p>
             <a:fld id="{5E75A0DC-66C6-4CEC-A5EB-F8C97CEC3796}" type="datetimeFigureOut">
               <a:rPr lang="es-MX" smtClean="0"/>
-              <a:t>24/03/2023</a:t>
+              <a:t>27/03/2023</a:t>
             </a:fld>
             <a:endParaRPr lang="es-MX" dirty="0"/>
           </a:p>
@@ -2300,7 +1880,7 @@
           <a:p>
             <a:fld id="{5E75A0DC-66C6-4CEC-A5EB-F8C97CEC3796}" type="datetimeFigureOut">
               <a:rPr lang="es-MX" smtClean="0"/>
-              <a:t>24/03/2023</a:t>
+              <a:t>27/03/2023</a:t>
             </a:fld>
             <a:endParaRPr lang="es-MX" dirty="0"/>
           </a:p>
@@ -2546,7 +2126,7 @@
           <a:p>
             <a:fld id="{5E75A0DC-66C6-4CEC-A5EB-F8C97CEC3796}" type="datetimeFigureOut">
               <a:rPr lang="es-MX" smtClean="0"/>
-              <a:t>24/03/2023</a:t>
+              <a:t>27/03/2023</a:t>
             </a:fld>
             <a:endParaRPr lang="es-MX" dirty="0"/>
           </a:p>
@@ -2834,7 +2414,7 @@
           <a:p>
             <a:fld id="{5E75A0DC-66C6-4CEC-A5EB-F8C97CEC3796}" type="datetimeFigureOut">
               <a:rPr lang="es-MX" smtClean="0"/>
-              <a:t>24/03/2023</a:t>
+              <a:t>27/03/2023</a:t>
             </a:fld>
             <a:endParaRPr lang="es-MX" dirty="0"/>
           </a:p>
@@ -3256,7 +2836,7 @@
           <a:p>
             <a:fld id="{5E75A0DC-66C6-4CEC-A5EB-F8C97CEC3796}" type="datetimeFigureOut">
               <a:rPr lang="es-MX" smtClean="0"/>
-              <a:t>24/03/2023</a:t>
+              <a:t>27/03/2023</a:t>
             </a:fld>
             <a:endParaRPr lang="es-MX" dirty="0"/>
           </a:p>
@@ -3374,7 +2954,7 @@
           <a:p>
             <a:fld id="{5E75A0DC-66C6-4CEC-A5EB-F8C97CEC3796}" type="datetimeFigureOut">
               <a:rPr lang="es-MX" smtClean="0"/>
-              <a:t>24/03/2023</a:t>
+              <a:t>27/03/2023</a:t>
             </a:fld>
             <a:endParaRPr lang="es-MX" dirty="0"/>
           </a:p>
@@ -3469,7 +3049,7 @@
           <a:p>
             <a:fld id="{5E75A0DC-66C6-4CEC-A5EB-F8C97CEC3796}" type="datetimeFigureOut">
               <a:rPr lang="es-MX" smtClean="0"/>
-              <a:t>24/03/2023</a:t>
+              <a:t>27/03/2023</a:t>
             </a:fld>
             <a:endParaRPr lang="es-MX" dirty="0"/>
           </a:p>
@@ -3746,7 +3326,7 @@
           <a:p>
             <a:fld id="{5E75A0DC-66C6-4CEC-A5EB-F8C97CEC3796}" type="datetimeFigureOut">
               <a:rPr lang="es-MX" smtClean="0"/>
-              <a:t>24/03/2023</a:t>
+              <a:t>27/03/2023</a:t>
             </a:fld>
             <a:endParaRPr lang="es-MX" dirty="0"/>
           </a:p>
@@ -3999,7 +3579,7 @@
           <a:p>
             <a:fld id="{5E75A0DC-66C6-4CEC-A5EB-F8C97CEC3796}" type="datetimeFigureOut">
               <a:rPr lang="es-MX" smtClean="0"/>
-              <a:t>24/03/2023</a:t>
+              <a:t>27/03/2023</a:t>
             </a:fld>
             <a:endParaRPr lang="es-MX" dirty="0"/>
           </a:p>
@@ -4212,7 +3792,7 @@
           <a:p>
             <a:fld id="{5E75A0DC-66C6-4CEC-A5EB-F8C97CEC3796}" type="datetimeFigureOut">
               <a:rPr lang="es-MX" smtClean="0"/>
-              <a:t>24/03/2023</a:t>
+              <a:t>27/03/2023</a:t>
             </a:fld>
             <a:endParaRPr lang="es-MX" dirty="0"/>
           </a:p>
@@ -4769,3183 +4349,6 @@
       </p:grpSpPr>
       <p:sp>
         <p:nvSpPr>
-          <p:cNvPr id="3" name="object 3"/>
-          <p:cNvSpPr txBox="1"/>
-          <p:nvPr/>
-        </p:nvSpPr>
-        <p:spPr>
-          <a:xfrm>
-            <a:off x="2765472" y="985640"/>
-            <a:ext cx="3648551" cy="323165"/>
-          </a:xfrm>
-          <a:prstGeom prst="rect">
-            <a:avLst/>
-          </a:prstGeom>
-        </p:spPr>
-        <p:txBody>
-          <a:bodyPr vert="horz" wrap="square" lIns="0" tIns="0" rIns="0" bIns="0" rtlCol="0">
-            <a:spAutoFit/>
-          </a:bodyPr>
-          <a:lstStyle/>
-          <a:p>
-            <a:pPr marL="9525" algn="ctr"/>
-            <a:r>
-              <a:rPr lang="es-ES" sz="2100" b="1" spc="-8" dirty="0">
-                <a:solidFill>
-                  <a:schemeClr val="accent6">
-                    <a:lumMod val="75000"/>
-                  </a:schemeClr>
-                </a:solidFill>
-                <a:latin typeface="Calibri"/>
-                <a:cs typeface="Calibri"/>
-              </a:rPr>
-              <a:t>Dispositivos intermediarios</a:t>
-            </a:r>
-            <a:endParaRPr sz="2100" dirty="0">
-              <a:solidFill>
-                <a:schemeClr val="accent6">
-                  <a:lumMod val="75000"/>
-                </a:schemeClr>
-              </a:solidFill>
-              <a:latin typeface="Calibri"/>
-              <a:cs typeface="Calibri"/>
-            </a:endParaRPr>
-          </a:p>
-        </p:txBody>
-      </p:sp>
-      <p:sp>
-        <p:nvSpPr>
-          <p:cNvPr id="6" name="Rectangle 2">
-            <a:extLst>
-              <a:ext uri="{FF2B5EF4-FFF2-40B4-BE49-F238E27FC236}">
-                <a16:creationId xmlns:a16="http://schemas.microsoft.com/office/drawing/2014/main" id="{A7C1FB87-3324-41B6-B2C2-1CEDEA7F7814}"/>
-              </a:ext>
-            </a:extLst>
-          </p:cNvPr>
-          <p:cNvSpPr txBox="1">
-            <a:spLocks noChangeArrowheads="1"/>
-          </p:cNvSpPr>
-          <p:nvPr/>
-        </p:nvSpPr>
-        <p:spPr>
-          <a:xfrm>
-            <a:off x="35496" y="120147"/>
-            <a:ext cx="8964488" cy="1143000"/>
-          </a:xfrm>
-          <a:prstGeom prst="rect">
-            <a:avLst/>
-          </a:prstGeom>
-        </p:spPr>
-        <p:txBody>
-          <a:bodyPr vert="horz" lIns="92075" tIns="46038" rIns="92075" bIns="46038" rtlCol="0" anchor="ctr">
-            <a:noAutofit/>
-          </a:bodyPr>
-          <a:lstStyle>
-            <a:lvl1pPr algn="ctr" defTabSz="914400" rtl="0" eaLnBrk="1" latinLnBrk="0" hangingPunct="1">
-              <a:spcBef>
-                <a:spcPct val="0"/>
-              </a:spcBef>
-              <a:buNone/>
-              <a:defRPr sz="4400" kern="1200">
-                <a:solidFill>
-                  <a:schemeClr val="tx1"/>
-                </a:solidFill>
-                <a:latin typeface="+mj-lt"/>
-                <a:ea typeface="+mj-ea"/>
-                <a:cs typeface="+mj-cs"/>
-              </a:defRPr>
-            </a:lvl1pPr>
-          </a:lstStyle>
-          <a:p>
-            <a:pPr>
-              <a:defRPr/>
-            </a:pPr>
-            <a:r>
-              <a:rPr lang="es-ES_tradnl" sz="3200" dirty="0">
-                <a:solidFill>
-                  <a:srgbClr val="3333CC"/>
-                </a:solidFill>
-                <a:effectLst>
-                  <a:outerShdw blurRad="38100" dist="38100" dir="2700000" algn="tl">
-                    <a:srgbClr val="C0C0C0"/>
-                  </a:outerShdw>
-                </a:effectLst>
-                <a:latin typeface="Dom Casual" charset="0"/>
-              </a:rPr>
-              <a:t> </a:t>
-            </a:r>
-            <a:r>
-              <a:rPr lang="es-ES_tradnl" sz="3200" b="1" dirty="0">
-                <a:solidFill>
-                  <a:schemeClr val="accent4">
-                    <a:lumMod val="50000"/>
-                  </a:schemeClr>
-                </a:solidFill>
-                <a:effectLst>
-                  <a:outerShdw blurRad="38100" dist="38100" dir="2700000" algn="tl">
-                    <a:srgbClr val="C0C0C0"/>
-                  </a:outerShdw>
-                </a:effectLst>
-                <a:latin typeface="Dom Casual" charset="0"/>
-              </a:rPr>
-              <a:t>Tipos de dispositivos</a:t>
-            </a:r>
-          </a:p>
-        </p:txBody>
-      </p:sp>
-      <p:sp>
-        <p:nvSpPr>
-          <p:cNvPr id="9" name="CuadroTexto 8">
-            <a:extLst>
-              <a:ext uri="{FF2B5EF4-FFF2-40B4-BE49-F238E27FC236}">
-                <a16:creationId xmlns:a16="http://schemas.microsoft.com/office/drawing/2014/main" id="{68C25195-34C0-4A5C-B890-6EFAF430DA0F}"/>
-              </a:ext>
-            </a:extLst>
-          </p:cNvPr>
-          <p:cNvSpPr txBox="1"/>
-          <p:nvPr/>
-        </p:nvSpPr>
-        <p:spPr>
-          <a:xfrm>
-            <a:off x="663025" y="1556792"/>
-            <a:ext cx="8136904" cy="1980670"/>
-          </a:xfrm>
-          <a:prstGeom prst="rect">
-            <a:avLst/>
-          </a:prstGeom>
-          <a:noFill/>
-        </p:spPr>
-        <p:txBody>
-          <a:bodyPr wrap="square">
-            <a:spAutoFit/>
-          </a:bodyPr>
-          <a:lstStyle/>
-          <a:p>
-            <a:pPr algn="just">
-              <a:lnSpc>
-                <a:spcPts val="3000"/>
-              </a:lnSpc>
-            </a:pPr>
-            <a:r>
-              <a:rPr lang="es-ES" sz="1600" b="0" i="0" dirty="0">
-                <a:solidFill>
-                  <a:schemeClr val="bg2">
-                    <a:lumMod val="25000"/>
-                  </a:schemeClr>
-                </a:solidFill>
-                <a:effectLst/>
-                <a:latin typeface="Calibri" panose="020F0502020204030204" pitchFamily="34" charset="0"/>
-                <a:cs typeface="Calibri" panose="020F0502020204030204" pitchFamily="34" charset="0"/>
-              </a:rPr>
-              <a:t>Los </a:t>
-            </a:r>
-            <a:r>
-              <a:rPr lang="es-ES" sz="1600" b="1" i="0" dirty="0">
-                <a:solidFill>
-                  <a:schemeClr val="accent5">
-                    <a:lumMod val="75000"/>
-                  </a:schemeClr>
-                </a:solidFill>
-                <a:effectLst/>
-                <a:latin typeface="Calibri" panose="020F0502020204030204" pitchFamily="34" charset="0"/>
-                <a:cs typeface="Calibri" panose="020F0502020204030204" pitchFamily="34" charset="0"/>
-              </a:rPr>
-              <a:t>dispositivos intermediarios </a:t>
-            </a:r>
-            <a:r>
-              <a:rPr lang="es-ES" sz="1600" b="0" i="0" dirty="0">
-                <a:solidFill>
-                  <a:schemeClr val="bg2">
-                    <a:lumMod val="25000"/>
-                  </a:schemeClr>
-                </a:solidFill>
-                <a:effectLst/>
-                <a:latin typeface="Calibri" panose="020F0502020204030204" pitchFamily="34" charset="0"/>
-                <a:cs typeface="Calibri" panose="020F0502020204030204" pitchFamily="34" charset="0"/>
-              </a:rPr>
-              <a:t>interconectan dispositivos finales. Son aquellos dispositivos encargados de </a:t>
-            </a:r>
-            <a:r>
-              <a:rPr lang="es-ES" sz="1600" b="1" i="1" dirty="0">
-                <a:solidFill>
-                  <a:schemeClr val="bg2">
-                    <a:lumMod val="25000"/>
-                  </a:schemeClr>
-                </a:solidFill>
-                <a:effectLst/>
-                <a:latin typeface="Calibri" panose="020F0502020204030204" pitchFamily="34" charset="0"/>
-                <a:cs typeface="Calibri" panose="020F0502020204030204" pitchFamily="34" charset="0"/>
-              </a:rPr>
-              <a:t>gestionar el acceso</a:t>
-            </a:r>
-            <a:r>
-              <a:rPr lang="es-ES" sz="1600" b="0" i="0" dirty="0">
-                <a:solidFill>
-                  <a:schemeClr val="bg2">
-                    <a:lumMod val="25000"/>
-                  </a:schemeClr>
-                </a:solidFill>
-                <a:effectLst/>
-                <a:latin typeface="Calibri" panose="020F0502020204030204" pitchFamily="34" charset="0"/>
-                <a:cs typeface="Calibri" panose="020F0502020204030204" pitchFamily="34" charset="0"/>
-              </a:rPr>
-              <a:t> y las </a:t>
-            </a:r>
-            <a:r>
-              <a:rPr lang="es-ES" sz="1600" b="1" i="1" dirty="0">
-                <a:solidFill>
-                  <a:schemeClr val="bg2">
-                    <a:lumMod val="25000"/>
-                  </a:schemeClr>
-                </a:solidFill>
-                <a:effectLst/>
-                <a:latin typeface="Calibri" panose="020F0502020204030204" pitchFamily="34" charset="0"/>
-                <a:cs typeface="Calibri" panose="020F0502020204030204" pitchFamily="34" charset="0"/>
-              </a:rPr>
-              <a:t>comunicaciones en la red</a:t>
-            </a:r>
-            <a:r>
-              <a:rPr lang="es-ES" sz="1600" b="0" i="0" dirty="0">
-                <a:solidFill>
-                  <a:schemeClr val="bg2">
-                    <a:lumMod val="25000"/>
-                  </a:schemeClr>
-                </a:solidFill>
-                <a:effectLst/>
-                <a:latin typeface="Calibri" panose="020F0502020204030204" pitchFamily="34" charset="0"/>
-                <a:cs typeface="Calibri" panose="020F0502020204030204" pitchFamily="34" charset="0"/>
-              </a:rPr>
-              <a:t> garantizando el flujo de datos a través de ella.</a:t>
-            </a:r>
-          </a:p>
-          <a:p>
-            <a:pPr algn="just">
-              <a:lnSpc>
-                <a:spcPts val="3000"/>
-              </a:lnSpc>
-            </a:pPr>
-            <a:r>
-              <a:rPr lang="es-ES" sz="1600" b="0" i="0" dirty="0">
-                <a:solidFill>
-                  <a:schemeClr val="bg2">
-                    <a:lumMod val="25000"/>
-                  </a:schemeClr>
-                </a:solidFill>
-                <a:effectLst/>
-                <a:latin typeface="Calibri" panose="020F0502020204030204" pitchFamily="34" charset="0"/>
-                <a:cs typeface="Calibri" panose="020F0502020204030204" pitchFamily="34" charset="0"/>
-              </a:rPr>
-              <a:t>Los dispositivos intermediarios conectan terminales individuales a la red y pueden conectar varias redes individuales para formar una </a:t>
-            </a:r>
-            <a:r>
-              <a:rPr lang="es-ES" sz="1600" b="1" i="1" dirty="0">
-                <a:solidFill>
-                  <a:schemeClr val="bg2">
-                    <a:lumMod val="25000"/>
-                  </a:schemeClr>
-                </a:solidFill>
-                <a:latin typeface="Calibri" panose="020F0502020204030204" pitchFamily="34" charset="0"/>
-                <a:cs typeface="Calibri" panose="020F0502020204030204" pitchFamily="34" charset="0"/>
-              </a:rPr>
-              <a:t>internetwork</a:t>
-            </a:r>
-            <a:r>
-              <a:rPr lang="es-ES" sz="1600" dirty="0">
-                <a:solidFill>
-                  <a:schemeClr val="bg2">
-                    <a:lumMod val="25000"/>
-                  </a:schemeClr>
-                </a:solidFill>
-                <a:latin typeface="Calibri" panose="020F0502020204030204" pitchFamily="34" charset="0"/>
-                <a:cs typeface="Calibri" panose="020F0502020204030204" pitchFamily="34" charset="0"/>
-              </a:rPr>
-              <a:t>.</a:t>
-            </a:r>
-          </a:p>
-        </p:txBody>
-      </p:sp>
-      <p:sp>
-        <p:nvSpPr>
-          <p:cNvPr id="5" name="CuadroTexto 4">
-            <a:extLst>
-              <a:ext uri="{FF2B5EF4-FFF2-40B4-BE49-F238E27FC236}">
-                <a16:creationId xmlns:a16="http://schemas.microsoft.com/office/drawing/2014/main" id="{92603150-5164-4318-8B87-540D596CA826}"/>
-              </a:ext>
-            </a:extLst>
-          </p:cNvPr>
-          <p:cNvSpPr txBox="1"/>
-          <p:nvPr/>
-        </p:nvSpPr>
-        <p:spPr>
-          <a:xfrm>
-            <a:off x="663025" y="3645024"/>
-            <a:ext cx="6429255" cy="1595950"/>
-          </a:xfrm>
-          <a:prstGeom prst="rect">
-            <a:avLst/>
-          </a:prstGeom>
-          <a:noFill/>
-        </p:spPr>
-        <p:txBody>
-          <a:bodyPr wrap="square">
-            <a:spAutoFit/>
-          </a:bodyPr>
-          <a:lstStyle/>
-          <a:p>
-            <a:pPr algn="just">
-              <a:lnSpc>
-                <a:spcPts val="3000"/>
-              </a:lnSpc>
-            </a:pPr>
-            <a:r>
-              <a:rPr lang="es-ES" sz="1600" b="0" i="0" dirty="0">
-                <a:solidFill>
-                  <a:schemeClr val="bg2">
-                    <a:lumMod val="25000"/>
-                  </a:schemeClr>
-                </a:solidFill>
-                <a:effectLst/>
-                <a:latin typeface="Calibri" panose="020F0502020204030204" pitchFamily="34" charset="0"/>
-                <a:cs typeface="Calibri" panose="020F0502020204030204" pitchFamily="34" charset="0"/>
-              </a:rPr>
-              <a:t>Los siguientes son ejemplos de dispositivos de red intermediarios:</a:t>
-            </a:r>
-          </a:p>
-          <a:p>
-            <a:pPr marL="285750" indent="-285750" algn="just">
-              <a:lnSpc>
-                <a:spcPts val="3000"/>
-              </a:lnSpc>
-              <a:buFont typeface="Arial" panose="020B0604020202020204" pitchFamily="34" charset="0"/>
-              <a:buChar char="•"/>
-            </a:pPr>
-            <a:r>
-              <a:rPr lang="es-ES" sz="1600" b="1" i="0" dirty="0">
-                <a:solidFill>
-                  <a:srgbClr val="FF0000"/>
-                </a:solidFill>
-                <a:effectLst/>
-                <a:latin typeface="Calibri" panose="020F0502020204030204" pitchFamily="34" charset="0"/>
-                <a:cs typeface="Calibri" panose="020F0502020204030204" pitchFamily="34" charset="0"/>
-              </a:rPr>
-              <a:t>Acceso a la red</a:t>
-            </a:r>
-            <a:r>
-              <a:rPr lang="es-ES" sz="1600" b="1" i="0" dirty="0">
-                <a:solidFill>
-                  <a:schemeClr val="bg2">
-                    <a:lumMod val="25000"/>
-                  </a:schemeClr>
-                </a:solidFill>
-                <a:effectLst/>
-                <a:latin typeface="Calibri" panose="020F0502020204030204" pitchFamily="34" charset="0"/>
-                <a:cs typeface="Calibri" panose="020F0502020204030204" pitchFamily="34" charset="0"/>
-              </a:rPr>
-              <a:t> </a:t>
-            </a:r>
-            <a:r>
-              <a:rPr lang="es-ES" sz="1600" b="0" i="0" dirty="0">
-                <a:solidFill>
-                  <a:schemeClr val="bg2">
-                    <a:lumMod val="25000"/>
-                  </a:schemeClr>
-                </a:solidFill>
-                <a:effectLst/>
-                <a:latin typeface="Calibri" panose="020F0502020204030204" pitchFamily="34" charset="0"/>
-                <a:cs typeface="Calibri" panose="020F0502020204030204" pitchFamily="34" charset="0"/>
-              </a:rPr>
-              <a:t>(switches y puntos de acceso inalámbrico)</a:t>
-            </a:r>
-          </a:p>
-          <a:p>
-            <a:pPr marL="285750" indent="-285750" algn="just">
-              <a:lnSpc>
-                <a:spcPts val="3000"/>
-              </a:lnSpc>
-              <a:buFont typeface="Arial" panose="020B0604020202020204" pitchFamily="34" charset="0"/>
-              <a:buChar char="•"/>
-            </a:pPr>
-            <a:r>
-              <a:rPr lang="es-ES" sz="1600" b="1" i="0" dirty="0">
-                <a:solidFill>
-                  <a:srgbClr val="FF0000"/>
-                </a:solidFill>
-                <a:effectLst/>
-                <a:latin typeface="Calibri" panose="020F0502020204030204" pitchFamily="34" charset="0"/>
-                <a:cs typeface="Calibri" panose="020F0502020204030204" pitchFamily="34" charset="0"/>
-              </a:rPr>
-              <a:t>Internetworking</a:t>
-            </a:r>
-            <a:r>
-              <a:rPr lang="es-ES" sz="1600" b="1" i="0" dirty="0">
-                <a:solidFill>
-                  <a:schemeClr val="bg2">
-                    <a:lumMod val="25000"/>
-                  </a:schemeClr>
-                </a:solidFill>
-                <a:effectLst/>
-                <a:latin typeface="Calibri" panose="020F0502020204030204" pitchFamily="34" charset="0"/>
-                <a:cs typeface="Calibri" panose="020F0502020204030204" pitchFamily="34" charset="0"/>
-              </a:rPr>
-              <a:t> </a:t>
-            </a:r>
-            <a:r>
-              <a:rPr lang="es-ES" sz="1600" b="0" i="0" dirty="0">
-                <a:solidFill>
-                  <a:schemeClr val="bg2">
-                    <a:lumMod val="25000"/>
-                  </a:schemeClr>
-                </a:solidFill>
-                <a:effectLst/>
-                <a:latin typeface="Calibri" panose="020F0502020204030204" pitchFamily="34" charset="0"/>
-                <a:cs typeface="Calibri" panose="020F0502020204030204" pitchFamily="34" charset="0"/>
-              </a:rPr>
-              <a:t>(routers)</a:t>
-            </a:r>
-          </a:p>
-          <a:p>
-            <a:pPr marL="285750" indent="-285750" algn="just">
-              <a:lnSpc>
-                <a:spcPts val="3000"/>
-              </a:lnSpc>
-              <a:buFont typeface="Arial" panose="020B0604020202020204" pitchFamily="34" charset="0"/>
-              <a:buChar char="•"/>
-            </a:pPr>
-            <a:r>
-              <a:rPr lang="es-ES" sz="1600" b="1" i="0" dirty="0">
-                <a:solidFill>
-                  <a:srgbClr val="FF0000"/>
-                </a:solidFill>
-                <a:effectLst/>
-                <a:latin typeface="Calibri" panose="020F0502020204030204" pitchFamily="34" charset="0"/>
-                <a:cs typeface="Calibri" panose="020F0502020204030204" pitchFamily="34" charset="0"/>
-              </a:rPr>
-              <a:t>Seguridad</a:t>
-            </a:r>
-            <a:r>
-              <a:rPr lang="es-ES" sz="1600" b="0" i="0" dirty="0">
-                <a:solidFill>
-                  <a:schemeClr val="bg2">
-                    <a:lumMod val="25000"/>
-                  </a:schemeClr>
-                </a:solidFill>
-                <a:effectLst/>
-                <a:latin typeface="Calibri" panose="020F0502020204030204" pitchFamily="34" charset="0"/>
-                <a:cs typeface="Calibri" panose="020F0502020204030204" pitchFamily="34" charset="0"/>
-              </a:rPr>
-              <a:t> (firewalls)</a:t>
-            </a:r>
-            <a:endParaRPr lang="es-ES" sz="1600" b="0" i="0" dirty="0">
-              <a:solidFill>
-                <a:srgbClr val="0A0A0A"/>
-              </a:solidFill>
-              <a:effectLst/>
-              <a:latin typeface="Calibri" panose="020F0502020204030204" pitchFamily="34" charset="0"/>
-              <a:cs typeface="Calibri" panose="020F0502020204030204" pitchFamily="34" charset="0"/>
-            </a:endParaRPr>
-          </a:p>
-        </p:txBody>
-      </p:sp>
-      <p:pic>
-        <p:nvPicPr>
-          <p:cNvPr id="4" name="Imagen 3">
-            <a:extLst>
-              <a:ext uri="{FF2B5EF4-FFF2-40B4-BE49-F238E27FC236}">
-                <a16:creationId xmlns:a16="http://schemas.microsoft.com/office/drawing/2014/main" id="{407F4ED3-5210-4F0C-8708-C9B1EBC3EDFC}"/>
-              </a:ext>
-            </a:extLst>
-          </p:cNvPr>
-          <p:cNvPicPr>
-            <a:picLocks noChangeAspect="1"/>
-          </p:cNvPicPr>
-          <p:nvPr/>
-        </p:nvPicPr>
-        <p:blipFill>
-          <a:blip r:embed="rId3"/>
-          <a:stretch>
-            <a:fillRect/>
-          </a:stretch>
-        </p:blipFill>
-        <p:spPr>
-          <a:xfrm>
-            <a:off x="570197" y="5445224"/>
-            <a:ext cx="8039100" cy="1057275"/>
-          </a:xfrm>
-          <a:prstGeom prst="rect">
-            <a:avLst/>
-          </a:prstGeom>
-        </p:spPr>
-      </p:pic>
-    </p:spTree>
-    <p:extLst>
-      <p:ext uri="{BB962C8B-B14F-4D97-AF65-F5344CB8AC3E}">
-        <p14:creationId xmlns:p14="http://schemas.microsoft.com/office/powerpoint/2010/main" val="1917592337"/>
-      </p:ext>
-    </p:extLst>
-  </p:cSld>
-  <p:clrMapOvr>
-    <a:masterClrMapping/>
-  </p:clrMapOvr>
-  <p:transition/>
-  <p:timing>
-    <p:tnLst>
-      <p:par>
-        <p:cTn id="1" dur="indefinite" restart="never" nodeType="tmRoot">
-          <p:childTnLst>
-            <p:seq concurrent="1" nextAc="seek">
-              <p:cTn id="2" dur="indefinite" nodeType="mainSeq">
-                <p:childTnLst>
-                  <p:par>
-                    <p:cTn id="3" fill="hold">
-                      <p:stCondLst>
-                        <p:cond delay="indefinite"/>
-                      </p:stCondLst>
-                      <p:childTnLst>
-                        <p:par>
-                          <p:cTn id="4" fill="hold">
-                            <p:stCondLst>
-                              <p:cond delay="0"/>
-                            </p:stCondLst>
-                            <p:childTnLst>
-                              <p:par>
-                                <p:cTn id="5" presetID="1" presetClass="entr" presetSubtype="0" fill="hold" grpId="0" nodeType="clickEffect">
-                                  <p:stCondLst>
-                                    <p:cond delay="0"/>
-                                  </p:stCondLst>
-                                  <p:childTnLst>
-                                    <p:set>
-                                      <p:cBhvr>
-                                        <p:cTn id="6" dur="1" fill="hold">
-                                          <p:stCondLst>
-                                            <p:cond delay="0"/>
-                                          </p:stCondLst>
-                                        </p:cTn>
-                                        <p:tgtEl>
-                                          <p:spTgt spid="9"/>
-                                        </p:tgtEl>
-                                        <p:attrNameLst>
-                                          <p:attrName>style.visibility</p:attrName>
-                                        </p:attrNameLst>
-                                      </p:cBhvr>
-                                      <p:to>
-                                        <p:strVal val="visible"/>
-                                      </p:to>
-                                    </p:set>
-                                  </p:childTnLst>
-                                </p:cTn>
-                              </p:par>
-                            </p:childTnLst>
-                          </p:cTn>
-                        </p:par>
-                      </p:childTnLst>
-                    </p:cTn>
-                  </p:par>
-                  <p:par>
-                    <p:cTn id="7" fill="hold">
-                      <p:stCondLst>
-                        <p:cond delay="indefinite"/>
-                      </p:stCondLst>
-                      <p:childTnLst>
-                        <p:par>
-                          <p:cTn id="8" fill="hold">
-                            <p:stCondLst>
-                              <p:cond delay="0"/>
-                            </p:stCondLst>
-                            <p:childTnLst>
-                              <p:par>
-                                <p:cTn id="9" presetID="1" presetClass="entr" presetSubtype="0" fill="hold" grpId="0" nodeType="clickEffect">
-                                  <p:stCondLst>
-                                    <p:cond delay="0"/>
-                                  </p:stCondLst>
-                                  <p:childTnLst>
-                                    <p:set>
-                                      <p:cBhvr>
-                                        <p:cTn id="10" dur="1" fill="hold">
-                                          <p:stCondLst>
-                                            <p:cond delay="0"/>
-                                          </p:stCondLst>
-                                        </p:cTn>
-                                        <p:tgtEl>
-                                          <p:spTgt spid="5"/>
-                                        </p:tgtEl>
-                                        <p:attrNameLst>
-                                          <p:attrName>style.visibility</p:attrName>
-                                        </p:attrNameLst>
-                                      </p:cBhvr>
-                                      <p:to>
-                                        <p:strVal val="visible"/>
-                                      </p:to>
-                                    </p:set>
-                                  </p:childTnLst>
-                                </p:cTn>
-                              </p:par>
-                            </p:childTnLst>
-                          </p:cTn>
-                        </p:par>
-                      </p:childTnLst>
-                    </p:cTn>
-                  </p:par>
-                </p:childTnLst>
-              </p:cTn>
-              <p:prevCondLst>
-                <p:cond evt="onPrev" delay="0">
-                  <p:tgtEl>
-                    <p:sldTgt/>
-                  </p:tgtEl>
-                </p:cond>
-              </p:prevCondLst>
-              <p:nextCondLst>
-                <p:cond evt="onNext" delay="0">
-                  <p:tgtEl>
-                    <p:sldTgt/>
-                  </p:tgtEl>
-                </p:cond>
-              </p:nextCondLst>
-            </p:seq>
-          </p:childTnLst>
-        </p:cTn>
-      </p:par>
-    </p:tnLst>
-    <p:bldLst>
-      <p:bldP spid="9" grpId="0"/>
-      <p:bldP spid="5" grpId="0"/>
-    </p:bldLst>
-  </p:timing>
-</p:sld>
-</file>
-
-<file path=ppt/slides/slide11.xml><?xml version="1.0" encoding="utf-8"?>
-<p:sld xmlns:a="http://schemas.openxmlformats.org/drawingml/2006/main" xmlns:r="http://schemas.openxmlformats.org/officeDocument/2006/relationships" xmlns:p="http://schemas.openxmlformats.org/presentationml/2006/main">
-  <p:cSld>
-    <p:spTree>
-      <p:nvGrpSpPr>
-        <p:cNvPr id="1" name=""/>
-        <p:cNvGrpSpPr/>
-        <p:nvPr/>
-      </p:nvGrpSpPr>
-      <p:grpSpPr>
-        <a:xfrm>
-          <a:off x="0" y="0"/>
-          <a:ext cx="0" cy="0"/>
-          <a:chOff x="0" y="0"/>
-          <a:chExt cx="0" cy="0"/>
-        </a:xfrm>
-      </p:grpSpPr>
-      <p:sp>
-        <p:nvSpPr>
-          <p:cNvPr id="3" name="object 3"/>
-          <p:cNvSpPr txBox="1"/>
-          <p:nvPr/>
-        </p:nvSpPr>
-        <p:spPr>
-          <a:xfrm>
-            <a:off x="2765472" y="985640"/>
-            <a:ext cx="3648551" cy="323165"/>
-          </a:xfrm>
-          <a:prstGeom prst="rect">
-            <a:avLst/>
-          </a:prstGeom>
-        </p:spPr>
-        <p:txBody>
-          <a:bodyPr vert="horz" wrap="square" lIns="0" tIns="0" rIns="0" bIns="0" rtlCol="0">
-            <a:spAutoFit/>
-          </a:bodyPr>
-          <a:lstStyle/>
-          <a:p>
-            <a:pPr marL="9525" algn="ctr"/>
-            <a:r>
-              <a:rPr lang="es-ES" sz="2100" b="1" spc="-8" dirty="0">
-                <a:solidFill>
-                  <a:schemeClr val="accent6">
-                    <a:lumMod val="75000"/>
-                  </a:schemeClr>
-                </a:solidFill>
-                <a:latin typeface="Calibri"/>
-                <a:cs typeface="Calibri"/>
-              </a:rPr>
-              <a:t>Dispositivos intermediarios</a:t>
-            </a:r>
-            <a:endParaRPr sz="2100" dirty="0">
-              <a:solidFill>
-                <a:schemeClr val="accent6">
-                  <a:lumMod val="75000"/>
-                </a:schemeClr>
-              </a:solidFill>
-              <a:latin typeface="Calibri"/>
-              <a:cs typeface="Calibri"/>
-            </a:endParaRPr>
-          </a:p>
-        </p:txBody>
-      </p:sp>
-      <p:sp>
-        <p:nvSpPr>
-          <p:cNvPr id="6" name="Rectangle 2">
-            <a:extLst>
-              <a:ext uri="{FF2B5EF4-FFF2-40B4-BE49-F238E27FC236}">
-                <a16:creationId xmlns:a16="http://schemas.microsoft.com/office/drawing/2014/main" id="{A7C1FB87-3324-41B6-B2C2-1CEDEA7F7814}"/>
-              </a:ext>
-            </a:extLst>
-          </p:cNvPr>
-          <p:cNvSpPr txBox="1">
-            <a:spLocks noChangeArrowheads="1"/>
-          </p:cNvSpPr>
-          <p:nvPr/>
-        </p:nvSpPr>
-        <p:spPr>
-          <a:xfrm>
-            <a:off x="35496" y="120147"/>
-            <a:ext cx="8964488" cy="1143000"/>
-          </a:xfrm>
-          <a:prstGeom prst="rect">
-            <a:avLst/>
-          </a:prstGeom>
-        </p:spPr>
-        <p:txBody>
-          <a:bodyPr vert="horz" lIns="92075" tIns="46038" rIns="92075" bIns="46038" rtlCol="0" anchor="ctr">
-            <a:noAutofit/>
-          </a:bodyPr>
-          <a:lstStyle>
-            <a:lvl1pPr algn="ctr" defTabSz="914400" rtl="0" eaLnBrk="1" latinLnBrk="0" hangingPunct="1">
-              <a:spcBef>
-                <a:spcPct val="0"/>
-              </a:spcBef>
-              <a:buNone/>
-              <a:defRPr sz="4400" kern="1200">
-                <a:solidFill>
-                  <a:schemeClr val="tx1"/>
-                </a:solidFill>
-                <a:latin typeface="+mj-lt"/>
-                <a:ea typeface="+mj-ea"/>
-                <a:cs typeface="+mj-cs"/>
-              </a:defRPr>
-            </a:lvl1pPr>
-          </a:lstStyle>
-          <a:p>
-            <a:pPr>
-              <a:defRPr/>
-            </a:pPr>
-            <a:r>
-              <a:rPr lang="es-ES_tradnl" sz="3200" dirty="0">
-                <a:solidFill>
-                  <a:srgbClr val="3333CC"/>
-                </a:solidFill>
-                <a:effectLst>
-                  <a:outerShdw blurRad="38100" dist="38100" dir="2700000" algn="tl">
-                    <a:srgbClr val="C0C0C0"/>
-                  </a:outerShdw>
-                </a:effectLst>
-                <a:latin typeface="Dom Casual" charset="0"/>
-              </a:rPr>
-              <a:t> </a:t>
-            </a:r>
-            <a:r>
-              <a:rPr lang="es-ES_tradnl" sz="3200" b="1" dirty="0">
-                <a:solidFill>
-                  <a:schemeClr val="accent4">
-                    <a:lumMod val="50000"/>
-                  </a:schemeClr>
-                </a:solidFill>
-                <a:effectLst>
-                  <a:outerShdw blurRad="38100" dist="38100" dir="2700000" algn="tl">
-                    <a:srgbClr val="C0C0C0"/>
-                  </a:outerShdw>
-                </a:effectLst>
-                <a:latin typeface="Dom Casual" charset="0"/>
-              </a:rPr>
-              <a:t>Tipos de dispositivos</a:t>
-            </a:r>
-          </a:p>
-        </p:txBody>
-      </p:sp>
-      <p:pic>
-        <p:nvPicPr>
-          <p:cNvPr id="2" name="Imagen 1">
-            <a:extLst>
-              <a:ext uri="{FF2B5EF4-FFF2-40B4-BE49-F238E27FC236}">
-                <a16:creationId xmlns:a16="http://schemas.microsoft.com/office/drawing/2014/main" id="{59D306B8-23F6-C458-A619-6163AB22F28E}"/>
-              </a:ext>
-            </a:extLst>
-          </p:cNvPr>
-          <p:cNvPicPr>
-            <a:picLocks noChangeAspect="1"/>
-          </p:cNvPicPr>
-          <p:nvPr/>
-        </p:nvPicPr>
-        <p:blipFill>
-          <a:blip r:embed="rId3"/>
-          <a:stretch>
-            <a:fillRect/>
-          </a:stretch>
-        </p:blipFill>
-        <p:spPr>
-          <a:xfrm>
-            <a:off x="3869668" y="2901996"/>
-            <a:ext cx="4461147" cy="2592288"/>
-          </a:xfrm>
-          <a:prstGeom prst="rect">
-            <a:avLst/>
-          </a:prstGeom>
-        </p:spPr>
-      </p:pic>
-      <p:sp>
-        <p:nvSpPr>
-          <p:cNvPr id="7" name="Text Box 3">
-            <a:extLst>
-              <a:ext uri="{FF2B5EF4-FFF2-40B4-BE49-F238E27FC236}">
-                <a16:creationId xmlns:a16="http://schemas.microsoft.com/office/drawing/2014/main" id="{462F7FCB-98BB-9114-5344-E17D4B01A3D4}"/>
-              </a:ext>
-            </a:extLst>
-          </p:cNvPr>
-          <p:cNvSpPr txBox="1">
-            <a:spLocks noChangeArrowheads="1"/>
-          </p:cNvSpPr>
-          <p:nvPr/>
-        </p:nvSpPr>
-        <p:spPr bwMode="auto">
-          <a:xfrm>
-            <a:off x="756431" y="2603820"/>
-            <a:ext cx="2601291" cy="2468368"/>
-          </a:xfrm>
-          <a:prstGeom prst="rect">
-            <a:avLst/>
-          </a:prstGeom>
-          <a:noFill/>
-          <a:ln>
-            <a:noFill/>
-          </a:ln>
-          <a:extLst>
-            <a:ext uri="{909E8E84-426E-40DD-AFC4-6F175D3DCCD1}">
-              <a14:hiddenFill xmlns:a14="http://schemas.microsoft.com/office/drawing/2010/main">
-                <a:solidFill>
-                  <a:srgbClr val="FFFFFF"/>
-                </a:solidFill>
-              </a14:hiddenFill>
-            </a:ext>
-            <a:ext uri="{91240B29-F687-4F45-9708-019B960494DF}">
-              <a14:hiddenLine xmlns:a14="http://schemas.microsoft.com/office/drawing/2010/main" w="9525">
-                <a:solidFill>
-                  <a:srgbClr val="000000"/>
-                </a:solidFill>
-                <a:miter lim="800000"/>
-                <a:headEnd/>
-                <a:tailEnd/>
-              </a14:hiddenLine>
-            </a:ext>
-          </a:extLst>
-        </p:spPr>
-        <p:txBody>
-          <a:bodyPr wrap="square">
-            <a:spAutoFit/>
-          </a:bodyPr>
-          <a:lstStyle>
-            <a:lvl1pPr eaLnBrk="0" hangingPunct="0">
-              <a:defRPr>
-                <a:solidFill>
-                  <a:schemeClr val="tx1"/>
-                </a:solidFill>
-                <a:latin typeface="Arial" pitchFamily="34" charset="0"/>
-              </a:defRPr>
-            </a:lvl1pPr>
-            <a:lvl2pPr marL="742950" indent="-285750" eaLnBrk="0" hangingPunct="0">
-              <a:defRPr>
-                <a:solidFill>
-                  <a:schemeClr val="tx1"/>
-                </a:solidFill>
-                <a:latin typeface="Arial" pitchFamily="34" charset="0"/>
-              </a:defRPr>
-            </a:lvl2pPr>
-            <a:lvl3pPr marL="1143000" indent="-228600" eaLnBrk="0" hangingPunct="0">
-              <a:defRPr>
-                <a:solidFill>
-                  <a:schemeClr val="tx1"/>
-                </a:solidFill>
-                <a:latin typeface="Arial" pitchFamily="34" charset="0"/>
-              </a:defRPr>
-            </a:lvl3pPr>
-            <a:lvl4pPr marL="1600200" indent="-228600" eaLnBrk="0" hangingPunct="0">
-              <a:defRPr>
-                <a:solidFill>
-                  <a:schemeClr val="tx1"/>
-                </a:solidFill>
-                <a:latin typeface="Arial" pitchFamily="34" charset="0"/>
-              </a:defRPr>
-            </a:lvl4pPr>
-            <a:lvl5pPr marL="2057400" indent="-228600" eaLnBrk="0" hangingPunct="0">
-              <a:defRPr>
-                <a:solidFill>
-                  <a:schemeClr val="tx1"/>
-                </a:solidFill>
-                <a:latin typeface="Arial" pitchFamily="34" charset="0"/>
-              </a:defRPr>
-            </a:lvl5pPr>
-            <a:lvl6pPr marL="2514600" indent="-228600" eaLnBrk="0" fontAlgn="base" hangingPunct="0">
-              <a:spcBef>
-                <a:spcPct val="0"/>
-              </a:spcBef>
-              <a:spcAft>
-                <a:spcPct val="0"/>
-              </a:spcAft>
-              <a:defRPr>
-                <a:solidFill>
-                  <a:schemeClr val="tx1"/>
-                </a:solidFill>
-                <a:latin typeface="Arial" pitchFamily="34" charset="0"/>
-              </a:defRPr>
-            </a:lvl6pPr>
-            <a:lvl7pPr marL="2971800" indent="-228600" eaLnBrk="0" fontAlgn="base" hangingPunct="0">
-              <a:spcBef>
-                <a:spcPct val="0"/>
-              </a:spcBef>
-              <a:spcAft>
-                <a:spcPct val="0"/>
-              </a:spcAft>
-              <a:defRPr>
-                <a:solidFill>
-                  <a:schemeClr val="tx1"/>
-                </a:solidFill>
-                <a:latin typeface="Arial" pitchFamily="34" charset="0"/>
-              </a:defRPr>
-            </a:lvl7pPr>
-            <a:lvl8pPr marL="3429000" indent="-228600" eaLnBrk="0" fontAlgn="base" hangingPunct="0">
-              <a:spcBef>
-                <a:spcPct val="0"/>
-              </a:spcBef>
-              <a:spcAft>
-                <a:spcPct val="0"/>
-              </a:spcAft>
-              <a:defRPr>
-                <a:solidFill>
-                  <a:schemeClr val="tx1"/>
-                </a:solidFill>
-                <a:latin typeface="Arial" pitchFamily="34" charset="0"/>
-              </a:defRPr>
-            </a:lvl8pPr>
-            <a:lvl9pPr marL="3886200" indent="-228600" eaLnBrk="0" fontAlgn="base" hangingPunct="0">
-              <a:spcBef>
-                <a:spcPct val="0"/>
-              </a:spcBef>
-              <a:spcAft>
-                <a:spcPct val="0"/>
-              </a:spcAft>
-              <a:defRPr>
-                <a:solidFill>
-                  <a:schemeClr val="tx1"/>
-                </a:solidFill>
-                <a:latin typeface="Arial" pitchFamily="34" charset="0"/>
-              </a:defRPr>
-            </a:lvl9pPr>
-          </a:lstStyle>
-          <a:p>
-            <a:pPr marL="457200" indent="-457200">
-              <a:lnSpc>
-                <a:spcPct val="200000"/>
-              </a:lnSpc>
-              <a:buFont typeface="+mj-lt"/>
-              <a:buAutoNum type="arabicPeriod"/>
-            </a:pPr>
-            <a:r>
-              <a:rPr lang="es-MX" sz="2000" b="1" dirty="0">
-                <a:solidFill>
-                  <a:schemeClr val="accent6">
-                    <a:lumMod val="75000"/>
-                  </a:schemeClr>
-                </a:solidFill>
-                <a:latin typeface="+mn-lt"/>
-              </a:rPr>
-              <a:t>Hubs</a:t>
-            </a:r>
-          </a:p>
-          <a:p>
-            <a:pPr marL="457200" indent="-457200">
-              <a:lnSpc>
-                <a:spcPct val="200000"/>
-              </a:lnSpc>
-              <a:buFont typeface="+mj-lt"/>
-              <a:buAutoNum type="arabicPeriod"/>
-            </a:pPr>
-            <a:r>
-              <a:rPr lang="es-MX" sz="2000" b="1" dirty="0">
-                <a:solidFill>
-                  <a:schemeClr val="accent6">
-                    <a:lumMod val="75000"/>
-                  </a:schemeClr>
-                </a:solidFill>
-                <a:latin typeface="+mn-lt"/>
-              </a:rPr>
-              <a:t>Switches</a:t>
-            </a:r>
-          </a:p>
-          <a:p>
-            <a:pPr marL="457200" indent="-457200">
-              <a:lnSpc>
-                <a:spcPct val="200000"/>
-              </a:lnSpc>
-              <a:buFont typeface="+mj-lt"/>
-              <a:buAutoNum type="arabicPeriod"/>
-            </a:pPr>
-            <a:r>
-              <a:rPr lang="es-MX" sz="2000" b="1" dirty="0">
-                <a:solidFill>
-                  <a:schemeClr val="accent6">
-                    <a:lumMod val="75000"/>
-                  </a:schemeClr>
-                </a:solidFill>
-                <a:latin typeface="+mn-lt"/>
-              </a:rPr>
-              <a:t>Ruteadores</a:t>
-            </a:r>
-          </a:p>
-          <a:p>
-            <a:pPr marL="457200" indent="-457200">
-              <a:lnSpc>
-                <a:spcPct val="200000"/>
-              </a:lnSpc>
-              <a:buFont typeface="+mj-lt"/>
-              <a:buAutoNum type="arabicPeriod"/>
-            </a:pPr>
-            <a:r>
-              <a:rPr lang="es-MX" sz="2000" b="1" dirty="0">
-                <a:solidFill>
-                  <a:schemeClr val="accent6">
-                    <a:lumMod val="75000"/>
-                  </a:schemeClr>
-                </a:solidFill>
-                <a:latin typeface="+mn-lt"/>
-              </a:rPr>
-              <a:t>Access </a:t>
-            </a:r>
-            <a:r>
-              <a:rPr lang="es-MX" sz="2000" b="1" dirty="0" err="1">
-                <a:solidFill>
-                  <a:schemeClr val="accent6">
-                    <a:lumMod val="75000"/>
-                  </a:schemeClr>
-                </a:solidFill>
-                <a:latin typeface="+mn-lt"/>
-              </a:rPr>
-              <a:t>Points</a:t>
-            </a:r>
-            <a:endParaRPr lang="es-MX" sz="2000" dirty="0">
-              <a:solidFill>
-                <a:schemeClr val="bg2">
-                  <a:lumMod val="25000"/>
-                </a:schemeClr>
-              </a:solidFill>
-              <a:latin typeface="+mn-lt"/>
-            </a:endParaRPr>
-          </a:p>
-        </p:txBody>
-      </p:sp>
-      <p:sp>
-        <p:nvSpPr>
-          <p:cNvPr id="8" name="Rectángulo 7">
-            <a:extLst>
-              <a:ext uri="{FF2B5EF4-FFF2-40B4-BE49-F238E27FC236}">
-                <a16:creationId xmlns:a16="http://schemas.microsoft.com/office/drawing/2014/main" id="{88FEFBDD-671B-C088-29DF-1A13D0958F1F}"/>
-              </a:ext>
-            </a:extLst>
-          </p:cNvPr>
-          <p:cNvSpPr/>
-          <p:nvPr/>
-        </p:nvSpPr>
-        <p:spPr>
-          <a:xfrm>
-            <a:off x="755576" y="1772816"/>
-            <a:ext cx="7399076" cy="506292"/>
-          </a:xfrm>
-          <a:prstGeom prst="rect">
-            <a:avLst/>
-          </a:prstGeom>
-        </p:spPr>
-        <p:txBody>
-          <a:bodyPr wrap="square">
-            <a:spAutoFit/>
-          </a:bodyPr>
-          <a:lstStyle/>
-          <a:p>
-            <a:pPr algn="just">
-              <a:lnSpc>
-                <a:spcPct val="150000"/>
-              </a:lnSpc>
-              <a:spcBef>
-                <a:spcPts val="600"/>
-              </a:spcBef>
-            </a:pPr>
-            <a:r>
-              <a:rPr lang="es-MX" sz="2000" dirty="0">
-                <a:solidFill>
-                  <a:schemeClr val="bg2">
-                    <a:lumMod val="25000"/>
-                  </a:schemeClr>
-                </a:solidFill>
-              </a:rPr>
-              <a:t>Las redes se comunican gracias al </a:t>
-            </a:r>
-            <a:r>
-              <a:rPr lang="es-MX" sz="2000" b="1" dirty="0">
-                <a:solidFill>
-                  <a:schemeClr val="accent5">
-                    <a:lumMod val="75000"/>
-                  </a:schemeClr>
-                </a:solidFill>
-              </a:rPr>
-              <a:t>hardware de comunicaciones:</a:t>
-            </a:r>
-            <a:endParaRPr lang="es-MX" sz="2000" dirty="0">
-              <a:solidFill>
-                <a:schemeClr val="accent5">
-                  <a:lumMod val="75000"/>
-                </a:schemeClr>
-              </a:solidFill>
-            </a:endParaRPr>
-          </a:p>
-        </p:txBody>
-      </p:sp>
-    </p:spTree>
-    <p:extLst>
-      <p:ext uri="{BB962C8B-B14F-4D97-AF65-F5344CB8AC3E}">
-        <p14:creationId xmlns:p14="http://schemas.microsoft.com/office/powerpoint/2010/main" val="3208032150"/>
-      </p:ext>
-    </p:extLst>
-  </p:cSld>
-  <p:clrMapOvr>
-    <a:masterClrMapping/>
-  </p:clrMapOvr>
-  <p:transition/>
-  <p:timing>
-    <p:tnLst>
-      <p:par>
-        <p:cTn id="1" dur="indefinite" restart="never" nodeType="tmRoot">
-          <p:childTnLst>
-            <p:seq concurrent="1" nextAc="seek">
-              <p:cTn id="2" dur="indefinite" nodeType="mainSeq">
-                <p:childTnLst>
-                  <p:par>
-                    <p:cTn id="3" fill="hold">
-                      <p:stCondLst>
-                        <p:cond delay="indefinite"/>
-                      </p:stCondLst>
-                      <p:childTnLst>
-                        <p:par>
-                          <p:cTn id="4" fill="hold">
-                            <p:stCondLst>
-                              <p:cond delay="0"/>
-                            </p:stCondLst>
-                            <p:childTnLst>
-                              <p:par>
-                                <p:cTn id="5" presetID="1" presetClass="entr" presetSubtype="0" fill="hold" grpId="0" nodeType="clickEffect">
-                                  <p:stCondLst>
-                                    <p:cond delay="0"/>
-                                  </p:stCondLst>
-                                  <p:childTnLst>
-                                    <p:set>
-                                      <p:cBhvr>
-                                        <p:cTn id="6" dur="1" fill="hold">
-                                          <p:stCondLst>
-                                            <p:cond delay="0"/>
-                                          </p:stCondLst>
-                                        </p:cTn>
-                                        <p:tgtEl>
-                                          <p:spTgt spid="8"/>
-                                        </p:tgtEl>
-                                        <p:attrNameLst>
-                                          <p:attrName>style.visibility</p:attrName>
-                                        </p:attrNameLst>
-                                      </p:cBhvr>
-                                      <p:to>
-                                        <p:strVal val="visible"/>
-                                      </p:to>
-                                    </p:set>
-                                  </p:childTnLst>
-                                </p:cTn>
-                              </p:par>
-                            </p:childTnLst>
-                          </p:cTn>
-                        </p:par>
-                      </p:childTnLst>
-                    </p:cTn>
-                  </p:par>
-                  <p:par>
-                    <p:cTn id="7" fill="hold">
-                      <p:stCondLst>
-                        <p:cond delay="indefinite"/>
-                      </p:stCondLst>
-                      <p:childTnLst>
-                        <p:par>
-                          <p:cTn id="8" fill="hold">
-                            <p:stCondLst>
-                              <p:cond delay="0"/>
-                            </p:stCondLst>
-                            <p:childTnLst>
-                              <p:par>
-                                <p:cTn id="9" presetID="1" presetClass="entr" presetSubtype="0" fill="hold" grpId="0" nodeType="clickEffect">
-                                  <p:stCondLst>
-                                    <p:cond delay="0"/>
-                                  </p:stCondLst>
-                                  <p:childTnLst>
-                                    <p:set>
-                                      <p:cBhvr>
-                                        <p:cTn id="10" dur="1" fill="hold">
-                                          <p:stCondLst>
-                                            <p:cond delay="0"/>
-                                          </p:stCondLst>
-                                        </p:cTn>
-                                        <p:tgtEl>
-                                          <p:spTgt spid="7"/>
-                                        </p:tgtEl>
-                                        <p:attrNameLst>
-                                          <p:attrName>style.visibility</p:attrName>
-                                        </p:attrNameLst>
-                                      </p:cBhvr>
-                                      <p:to>
-                                        <p:strVal val="visible"/>
-                                      </p:to>
-                                    </p:set>
-                                  </p:childTnLst>
-                                </p:cTn>
-                              </p:par>
-                            </p:childTnLst>
-                          </p:cTn>
-                        </p:par>
-                      </p:childTnLst>
-                    </p:cTn>
-                  </p:par>
-                </p:childTnLst>
-              </p:cTn>
-              <p:prevCondLst>
-                <p:cond evt="onPrev" delay="0">
-                  <p:tgtEl>
-                    <p:sldTgt/>
-                  </p:tgtEl>
-                </p:cond>
-              </p:prevCondLst>
-              <p:nextCondLst>
-                <p:cond evt="onNext" delay="0">
-                  <p:tgtEl>
-                    <p:sldTgt/>
-                  </p:tgtEl>
-                </p:cond>
-              </p:nextCondLst>
-            </p:seq>
-          </p:childTnLst>
-        </p:cTn>
-      </p:par>
-    </p:tnLst>
-    <p:bldLst>
-      <p:bldP spid="7" grpId="0"/>
-      <p:bldP spid="8" grpId="0"/>
-    </p:bldLst>
-  </p:timing>
-</p:sld>
-</file>
-
-<file path=ppt/slides/slide12.xml><?xml version="1.0" encoding="utf-8"?>
-<p:sld xmlns:a="http://schemas.openxmlformats.org/drawingml/2006/main" xmlns:r="http://schemas.openxmlformats.org/officeDocument/2006/relationships" xmlns:p="http://schemas.openxmlformats.org/presentationml/2006/main">
-  <p:cSld>
-    <p:spTree>
-      <p:nvGrpSpPr>
-        <p:cNvPr id="1" name=""/>
-        <p:cNvGrpSpPr/>
-        <p:nvPr/>
-      </p:nvGrpSpPr>
-      <p:grpSpPr>
-        <a:xfrm>
-          <a:off x="0" y="0"/>
-          <a:ext cx="0" cy="0"/>
-          <a:chOff x="0" y="0"/>
-          <a:chExt cx="0" cy="0"/>
-        </a:xfrm>
-      </p:grpSpPr>
-      <p:sp>
-        <p:nvSpPr>
-          <p:cNvPr id="4099" name="Text Box 3"/>
-          <p:cNvSpPr txBox="1">
-            <a:spLocks noChangeArrowheads="1"/>
-          </p:cNvSpPr>
-          <p:nvPr/>
-        </p:nvSpPr>
-        <p:spPr bwMode="auto">
-          <a:xfrm>
-            <a:off x="686710" y="1412776"/>
-            <a:ext cx="7773721" cy="967957"/>
-          </a:xfrm>
-          <a:prstGeom prst="rect">
-            <a:avLst/>
-          </a:prstGeom>
-          <a:noFill/>
-          <a:ln>
-            <a:noFill/>
-          </a:ln>
-          <a:extLst>
-            <a:ext uri="{909E8E84-426E-40DD-AFC4-6F175D3DCCD1}">
-              <a14:hiddenFill xmlns:a14="http://schemas.microsoft.com/office/drawing/2010/main">
-                <a:solidFill>
-                  <a:srgbClr val="FFFFFF"/>
-                </a:solidFill>
-              </a14:hiddenFill>
-            </a:ext>
-            <a:ext uri="{91240B29-F687-4F45-9708-019B960494DF}">
-              <a14:hiddenLine xmlns:a14="http://schemas.microsoft.com/office/drawing/2010/main" w="9525">
-                <a:solidFill>
-                  <a:srgbClr val="000000"/>
-                </a:solidFill>
-                <a:miter lim="800000"/>
-                <a:headEnd/>
-                <a:tailEnd/>
-              </a14:hiddenLine>
-            </a:ext>
-          </a:extLst>
-        </p:spPr>
-        <p:txBody>
-          <a:bodyPr wrap="square">
-            <a:spAutoFit/>
-          </a:bodyPr>
-          <a:lstStyle>
-            <a:lvl1pPr eaLnBrk="0" hangingPunct="0">
-              <a:defRPr>
-                <a:solidFill>
-                  <a:schemeClr val="tx1"/>
-                </a:solidFill>
-                <a:latin typeface="Arial" pitchFamily="34" charset="0"/>
-              </a:defRPr>
-            </a:lvl1pPr>
-            <a:lvl2pPr marL="742950" indent="-285750" eaLnBrk="0" hangingPunct="0">
-              <a:defRPr>
-                <a:solidFill>
-                  <a:schemeClr val="tx1"/>
-                </a:solidFill>
-                <a:latin typeface="Arial" pitchFamily="34" charset="0"/>
-              </a:defRPr>
-            </a:lvl2pPr>
-            <a:lvl3pPr marL="1143000" indent="-228600" eaLnBrk="0" hangingPunct="0">
-              <a:defRPr>
-                <a:solidFill>
-                  <a:schemeClr val="tx1"/>
-                </a:solidFill>
-                <a:latin typeface="Arial" pitchFamily="34" charset="0"/>
-              </a:defRPr>
-            </a:lvl3pPr>
-            <a:lvl4pPr marL="1600200" indent="-228600" eaLnBrk="0" hangingPunct="0">
-              <a:defRPr>
-                <a:solidFill>
-                  <a:schemeClr val="tx1"/>
-                </a:solidFill>
-                <a:latin typeface="Arial" pitchFamily="34" charset="0"/>
-              </a:defRPr>
-            </a:lvl4pPr>
-            <a:lvl5pPr marL="2057400" indent="-228600" eaLnBrk="0" hangingPunct="0">
-              <a:defRPr>
-                <a:solidFill>
-                  <a:schemeClr val="tx1"/>
-                </a:solidFill>
-                <a:latin typeface="Arial" pitchFamily="34" charset="0"/>
-              </a:defRPr>
-            </a:lvl5pPr>
-            <a:lvl6pPr marL="2514600" indent="-228600" eaLnBrk="0" fontAlgn="base" hangingPunct="0">
-              <a:spcBef>
-                <a:spcPct val="0"/>
-              </a:spcBef>
-              <a:spcAft>
-                <a:spcPct val="0"/>
-              </a:spcAft>
-              <a:defRPr>
-                <a:solidFill>
-                  <a:schemeClr val="tx1"/>
-                </a:solidFill>
-                <a:latin typeface="Arial" pitchFamily="34" charset="0"/>
-              </a:defRPr>
-            </a:lvl6pPr>
-            <a:lvl7pPr marL="2971800" indent="-228600" eaLnBrk="0" fontAlgn="base" hangingPunct="0">
-              <a:spcBef>
-                <a:spcPct val="0"/>
-              </a:spcBef>
-              <a:spcAft>
-                <a:spcPct val="0"/>
-              </a:spcAft>
-              <a:defRPr>
-                <a:solidFill>
-                  <a:schemeClr val="tx1"/>
-                </a:solidFill>
-                <a:latin typeface="Arial" pitchFamily="34" charset="0"/>
-              </a:defRPr>
-            </a:lvl7pPr>
-            <a:lvl8pPr marL="3429000" indent="-228600" eaLnBrk="0" fontAlgn="base" hangingPunct="0">
-              <a:spcBef>
-                <a:spcPct val="0"/>
-              </a:spcBef>
-              <a:spcAft>
-                <a:spcPct val="0"/>
-              </a:spcAft>
-              <a:defRPr>
-                <a:solidFill>
-                  <a:schemeClr val="tx1"/>
-                </a:solidFill>
-                <a:latin typeface="Arial" pitchFamily="34" charset="0"/>
-              </a:defRPr>
-            </a:lvl8pPr>
-            <a:lvl9pPr marL="3886200" indent="-228600" eaLnBrk="0" fontAlgn="base" hangingPunct="0">
-              <a:spcBef>
-                <a:spcPct val="0"/>
-              </a:spcBef>
-              <a:spcAft>
-                <a:spcPct val="0"/>
-              </a:spcAft>
-              <a:defRPr>
-                <a:solidFill>
-                  <a:schemeClr val="tx1"/>
-                </a:solidFill>
-                <a:latin typeface="Arial" pitchFamily="34" charset="0"/>
-              </a:defRPr>
-            </a:lvl9pPr>
-          </a:lstStyle>
-          <a:p>
-            <a:pPr marL="449263" lvl="1" indent="7938" algn="just">
-              <a:lnSpc>
-                <a:spcPct val="150000"/>
-              </a:lnSpc>
-              <a:spcBef>
-                <a:spcPts val="600"/>
-              </a:spcBef>
-              <a:spcAft>
-                <a:spcPts val="1200"/>
-              </a:spcAft>
-            </a:pPr>
-            <a:r>
-              <a:rPr lang="es-MX" sz="2000" b="1" dirty="0">
-                <a:solidFill>
-                  <a:schemeClr val="accent6">
-                    <a:lumMod val="75000"/>
-                  </a:schemeClr>
-                </a:solidFill>
-                <a:latin typeface="+mn-lt"/>
-              </a:rPr>
-              <a:t>Conectan componentes de red, para lo cual envían un paquete de datos a todos los dispositivos conectados.</a:t>
-            </a:r>
-          </a:p>
-        </p:txBody>
-      </p:sp>
-      <p:sp>
-        <p:nvSpPr>
-          <p:cNvPr id="5" name="Rectangle 2"/>
-          <p:cNvSpPr txBox="1">
-            <a:spLocks noChangeArrowheads="1"/>
-          </p:cNvSpPr>
-          <p:nvPr/>
-        </p:nvSpPr>
-        <p:spPr>
-          <a:xfrm>
-            <a:off x="144016" y="197768"/>
-            <a:ext cx="8964488" cy="1143000"/>
-          </a:xfrm>
-          <a:prstGeom prst="rect">
-            <a:avLst/>
-          </a:prstGeom>
-        </p:spPr>
-        <p:txBody>
-          <a:bodyPr vert="horz" lIns="92075" tIns="46038" rIns="92075" bIns="46038" rtlCol="0" anchor="ctr">
-            <a:noAutofit/>
-          </a:bodyPr>
-          <a:lstStyle>
-            <a:lvl1pPr algn="ctr" defTabSz="914400" rtl="0" eaLnBrk="1" latinLnBrk="0" hangingPunct="1">
-              <a:spcBef>
-                <a:spcPct val="0"/>
-              </a:spcBef>
-              <a:buNone/>
-              <a:defRPr sz="4400" kern="1200">
-                <a:solidFill>
-                  <a:schemeClr val="tx1"/>
-                </a:solidFill>
-                <a:latin typeface="+mj-lt"/>
-                <a:ea typeface="+mj-ea"/>
-                <a:cs typeface="+mj-cs"/>
-              </a:defRPr>
-            </a:lvl1pPr>
-          </a:lstStyle>
-          <a:p>
-            <a:pPr>
-              <a:defRPr/>
-            </a:pPr>
-            <a:r>
-              <a:rPr lang="es-ES_tradnl" sz="3200" dirty="0">
-                <a:solidFill>
-                  <a:srgbClr val="3333CC"/>
-                </a:solidFill>
-                <a:effectLst>
-                  <a:outerShdw blurRad="38100" dist="38100" dir="2700000" algn="tl">
-                    <a:srgbClr val="C0C0C0"/>
-                  </a:outerShdw>
-                </a:effectLst>
-                <a:latin typeface="Dom Casual" charset="0"/>
-              </a:rPr>
-              <a:t> </a:t>
-            </a:r>
-            <a:r>
-              <a:rPr lang="es-ES_tradnl" sz="3200" b="1" dirty="0">
-                <a:solidFill>
-                  <a:schemeClr val="accent4">
-                    <a:lumMod val="50000"/>
-                  </a:schemeClr>
-                </a:solidFill>
-                <a:effectLst>
-                  <a:outerShdw blurRad="38100" dist="38100" dir="2700000" algn="tl">
-                    <a:srgbClr val="C0C0C0"/>
-                  </a:outerShdw>
-                </a:effectLst>
-                <a:latin typeface="Dom Casual" charset="0"/>
-              </a:rPr>
-              <a:t>Hub</a:t>
-            </a:r>
-          </a:p>
-        </p:txBody>
-      </p:sp>
-      <p:pic>
-        <p:nvPicPr>
-          <p:cNvPr id="4" name="Imagen 3"/>
-          <p:cNvPicPr>
-            <a:picLocks noChangeAspect="1"/>
-          </p:cNvPicPr>
-          <p:nvPr/>
-        </p:nvPicPr>
-        <p:blipFill>
-          <a:blip r:embed="rId3"/>
-          <a:stretch>
-            <a:fillRect/>
-          </a:stretch>
-        </p:blipFill>
-        <p:spPr>
-          <a:xfrm>
-            <a:off x="2627784" y="3128375"/>
-            <a:ext cx="4227566" cy="1872208"/>
-          </a:xfrm>
-          <a:prstGeom prst="rect">
-            <a:avLst/>
-          </a:prstGeom>
-        </p:spPr>
-      </p:pic>
-    </p:spTree>
-    <p:extLst>
-      <p:ext uri="{BB962C8B-B14F-4D97-AF65-F5344CB8AC3E}">
-        <p14:creationId xmlns:p14="http://schemas.microsoft.com/office/powerpoint/2010/main" val="1985822571"/>
-      </p:ext>
-    </p:extLst>
-  </p:cSld>
-  <p:clrMapOvr>
-    <a:masterClrMapping/>
-  </p:clrMapOvr>
-  <p:timing>
-    <p:tnLst>
-      <p:par>
-        <p:cTn id="1" dur="indefinite" restart="never" nodeType="tmRoot">
-          <p:childTnLst>
-            <p:seq concurrent="1" nextAc="seek">
-              <p:cTn id="2" dur="indefinite" nodeType="mainSeq">
-                <p:childTnLst>
-                  <p:par>
-                    <p:cTn id="3" fill="hold">
-                      <p:stCondLst>
-                        <p:cond delay="indefinite"/>
-                      </p:stCondLst>
-                      <p:childTnLst>
-                        <p:par>
-                          <p:cTn id="4" fill="hold">
-                            <p:stCondLst>
-                              <p:cond delay="0"/>
-                            </p:stCondLst>
-                            <p:childTnLst>
-                              <p:par>
-                                <p:cTn id="5" presetID="1" presetClass="entr" presetSubtype="0" fill="hold" grpId="0" nodeType="clickEffect">
-                                  <p:stCondLst>
-                                    <p:cond delay="0"/>
-                                  </p:stCondLst>
-                                  <p:childTnLst>
-                                    <p:set>
-                                      <p:cBhvr>
-                                        <p:cTn id="6" dur="1" fill="hold">
-                                          <p:stCondLst>
-                                            <p:cond delay="0"/>
-                                          </p:stCondLst>
-                                        </p:cTn>
-                                        <p:tgtEl>
-                                          <p:spTgt spid="4099"/>
-                                        </p:tgtEl>
-                                        <p:attrNameLst>
-                                          <p:attrName>style.visibility</p:attrName>
-                                        </p:attrNameLst>
-                                      </p:cBhvr>
-                                      <p:to>
-                                        <p:strVal val="visible"/>
-                                      </p:to>
-                                    </p:set>
-                                  </p:childTnLst>
-                                </p:cTn>
-                              </p:par>
-                            </p:childTnLst>
-                          </p:cTn>
-                        </p:par>
-                      </p:childTnLst>
-                    </p:cTn>
-                  </p:par>
-                </p:childTnLst>
-              </p:cTn>
-              <p:prevCondLst>
-                <p:cond evt="onPrev" delay="0">
-                  <p:tgtEl>
-                    <p:sldTgt/>
-                  </p:tgtEl>
-                </p:cond>
-              </p:prevCondLst>
-              <p:nextCondLst>
-                <p:cond evt="onNext" delay="0">
-                  <p:tgtEl>
-                    <p:sldTgt/>
-                  </p:tgtEl>
-                </p:cond>
-              </p:nextCondLst>
-            </p:seq>
-          </p:childTnLst>
-        </p:cTn>
-      </p:par>
-    </p:tnLst>
-    <p:bldLst>
-      <p:bldP spid="4099" grpId="0"/>
-    </p:bldLst>
-  </p:timing>
-</p:sld>
-</file>
-
-<file path=ppt/slides/slide13.xml><?xml version="1.0" encoding="utf-8"?>
-<p:sld xmlns:a="http://schemas.openxmlformats.org/drawingml/2006/main" xmlns:r="http://schemas.openxmlformats.org/officeDocument/2006/relationships" xmlns:p="http://schemas.openxmlformats.org/presentationml/2006/main">
-  <p:cSld>
-    <p:spTree>
-      <p:nvGrpSpPr>
-        <p:cNvPr id="1" name=""/>
-        <p:cNvGrpSpPr/>
-        <p:nvPr/>
-      </p:nvGrpSpPr>
-      <p:grpSpPr>
-        <a:xfrm>
-          <a:off x="0" y="0"/>
-          <a:ext cx="0" cy="0"/>
-          <a:chOff x="0" y="0"/>
-          <a:chExt cx="0" cy="0"/>
-        </a:xfrm>
-      </p:grpSpPr>
-      <p:sp>
-        <p:nvSpPr>
-          <p:cNvPr id="5" name="Rectangle 2"/>
-          <p:cNvSpPr txBox="1">
-            <a:spLocks noChangeArrowheads="1"/>
-          </p:cNvSpPr>
-          <p:nvPr/>
-        </p:nvSpPr>
-        <p:spPr>
-          <a:xfrm>
-            <a:off x="144016" y="197768"/>
-            <a:ext cx="8964488" cy="1143000"/>
-          </a:xfrm>
-          <a:prstGeom prst="rect">
-            <a:avLst/>
-          </a:prstGeom>
-        </p:spPr>
-        <p:txBody>
-          <a:bodyPr vert="horz" lIns="92075" tIns="46038" rIns="92075" bIns="46038" rtlCol="0" anchor="ctr">
-            <a:noAutofit/>
-          </a:bodyPr>
-          <a:lstStyle>
-            <a:lvl1pPr algn="ctr" defTabSz="914400" rtl="0" eaLnBrk="1" latinLnBrk="0" hangingPunct="1">
-              <a:spcBef>
-                <a:spcPct val="0"/>
-              </a:spcBef>
-              <a:buNone/>
-              <a:defRPr sz="4400" kern="1200">
-                <a:solidFill>
-                  <a:schemeClr val="tx1"/>
-                </a:solidFill>
-                <a:latin typeface="+mj-lt"/>
-                <a:ea typeface="+mj-ea"/>
-                <a:cs typeface="+mj-cs"/>
-              </a:defRPr>
-            </a:lvl1pPr>
-          </a:lstStyle>
-          <a:p>
-            <a:pPr>
-              <a:defRPr/>
-            </a:pPr>
-            <a:r>
-              <a:rPr lang="es-ES_tradnl" sz="3200" dirty="0">
-                <a:solidFill>
-                  <a:srgbClr val="3333CC"/>
-                </a:solidFill>
-                <a:effectLst>
-                  <a:outerShdw blurRad="38100" dist="38100" dir="2700000" algn="tl">
-                    <a:srgbClr val="C0C0C0"/>
-                  </a:outerShdw>
-                </a:effectLst>
-                <a:latin typeface="Dom Casual" charset="0"/>
-              </a:rPr>
-              <a:t> </a:t>
-            </a:r>
-            <a:r>
-              <a:rPr lang="es-ES_tradnl" sz="3200" b="1" dirty="0">
-                <a:solidFill>
-                  <a:schemeClr val="accent4">
-                    <a:lumMod val="50000"/>
-                  </a:schemeClr>
-                </a:solidFill>
-                <a:effectLst>
-                  <a:outerShdw blurRad="38100" dist="38100" dir="2700000" algn="tl">
-                    <a:srgbClr val="C0C0C0"/>
-                  </a:outerShdw>
-                </a:effectLst>
-                <a:latin typeface="Dom Casual" charset="0"/>
-              </a:rPr>
-              <a:t>Switch</a:t>
-            </a:r>
-          </a:p>
-        </p:txBody>
-      </p:sp>
-      <p:pic>
-        <p:nvPicPr>
-          <p:cNvPr id="3" name="Imagen 2"/>
-          <p:cNvPicPr>
-            <a:picLocks noChangeAspect="1"/>
-          </p:cNvPicPr>
-          <p:nvPr/>
-        </p:nvPicPr>
-        <p:blipFill>
-          <a:blip r:embed="rId2"/>
-          <a:stretch>
-            <a:fillRect/>
-          </a:stretch>
-        </p:blipFill>
-        <p:spPr>
-          <a:xfrm>
-            <a:off x="5216930" y="2828118"/>
-            <a:ext cx="3312368" cy="2586801"/>
-          </a:xfrm>
-          <a:prstGeom prst="rect">
-            <a:avLst/>
-          </a:prstGeom>
-        </p:spPr>
-      </p:pic>
-      <p:sp>
-        <p:nvSpPr>
-          <p:cNvPr id="8" name="Text Box 3"/>
-          <p:cNvSpPr txBox="1">
-            <a:spLocks noChangeArrowheads="1"/>
-          </p:cNvSpPr>
-          <p:nvPr/>
-        </p:nvSpPr>
-        <p:spPr bwMode="auto">
-          <a:xfrm>
-            <a:off x="755576" y="1443081"/>
-            <a:ext cx="7773722" cy="1015663"/>
-          </a:xfrm>
-          <a:prstGeom prst="rect">
-            <a:avLst/>
-          </a:prstGeom>
-          <a:noFill/>
-          <a:ln>
-            <a:noFill/>
-          </a:ln>
-          <a:extLst>
-            <a:ext uri="{909E8E84-426E-40DD-AFC4-6F175D3DCCD1}">
-              <a14:hiddenFill xmlns:a14="http://schemas.microsoft.com/office/drawing/2010/main">
-                <a:solidFill>
-                  <a:srgbClr val="FFFFFF"/>
-                </a:solidFill>
-              </a14:hiddenFill>
-            </a:ext>
-            <a:ext uri="{91240B29-F687-4F45-9708-019B960494DF}">
-              <a14:hiddenLine xmlns:a14="http://schemas.microsoft.com/office/drawing/2010/main" w="9525">
-                <a:solidFill>
-                  <a:srgbClr val="000000"/>
-                </a:solidFill>
-                <a:miter lim="800000"/>
-                <a:headEnd/>
-                <a:tailEnd/>
-              </a14:hiddenLine>
-            </a:ext>
-          </a:extLst>
-        </p:spPr>
-        <p:txBody>
-          <a:bodyPr wrap="square">
-            <a:spAutoFit/>
-          </a:bodyPr>
-          <a:lstStyle>
-            <a:lvl1pPr eaLnBrk="0" hangingPunct="0">
-              <a:defRPr>
-                <a:solidFill>
-                  <a:schemeClr val="tx1"/>
-                </a:solidFill>
-                <a:latin typeface="Arial" pitchFamily="34" charset="0"/>
-              </a:defRPr>
-            </a:lvl1pPr>
-            <a:lvl2pPr marL="742950" indent="-285750" eaLnBrk="0" hangingPunct="0">
-              <a:defRPr>
-                <a:solidFill>
-                  <a:schemeClr val="tx1"/>
-                </a:solidFill>
-                <a:latin typeface="Arial" pitchFamily="34" charset="0"/>
-              </a:defRPr>
-            </a:lvl2pPr>
-            <a:lvl3pPr marL="1143000" indent="-228600" eaLnBrk="0" hangingPunct="0">
-              <a:defRPr>
-                <a:solidFill>
-                  <a:schemeClr val="tx1"/>
-                </a:solidFill>
-                <a:latin typeface="Arial" pitchFamily="34" charset="0"/>
-              </a:defRPr>
-            </a:lvl3pPr>
-            <a:lvl4pPr marL="1600200" indent="-228600" eaLnBrk="0" hangingPunct="0">
-              <a:defRPr>
-                <a:solidFill>
-                  <a:schemeClr val="tx1"/>
-                </a:solidFill>
-                <a:latin typeface="Arial" pitchFamily="34" charset="0"/>
-              </a:defRPr>
-            </a:lvl4pPr>
-            <a:lvl5pPr marL="2057400" indent="-228600" eaLnBrk="0" hangingPunct="0">
-              <a:defRPr>
-                <a:solidFill>
-                  <a:schemeClr val="tx1"/>
-                </a:solidFill>
-                <a:latin typeface="Arial" pitchFamily="34" charset="0"/>
-              </a:defRPr>
-            </a:lvl5pPr>
-            <a:lvl6pPr marL="2514600" indent="-228600" eaLnBrk="0" fontAlgn="base" hangingPunct="0">
-              <a:spcBef>
-                <a:spcPct val="0"/>
-              </a:spcBef>
-              <a:spcAft>
-                <a:spcPct val="0"/>
-              </a:spcAft>
-              <a:defRPr>
-                <a:solidFill>
-                  <a:schemeClr val="tx1"/>
-                </a:solidFill>
-                <a:latin typeface="Arial" pitchFamily="34" charset="0"/>
-              </a:defRPr>
-            </a:lvl6pPr>
-            <a:lvl7pPr marL="2971800" indent="-228600" eaLnBrk="0" fontAlgn="base" hangingPunct="0">
-              <a:spcBef>
-                <a:spcPct val="0"/>
-              </a:spcBef>
-              <a:spcAft>
-                <a:spcPct val="0"/>
-              </a:spcAft>
-              <a:defRPr>
-                <a:solidFill>
-                  <a:schemeClr val="tx1"/>
-                </a:solidFill>
-                <a:latin typeface="Arial" pitchFamily="34" charset="0"/>
-              </a:defRPr>
-            </a:lvl7pPr>
-            <a:lvl8pPr marL="3429000" indent="-228600" eaLnBrk="0" fontAlgn="base" hangingPunct="0">
-              <a:spcBef>
-                <a:spcPct val="0"/>
-              </a:spcBef>
-              <a:spcAft>
-                <a:spcPct val="0"/>
-              </a:spcAft>
-              <a:defRPr>
-                <a:solidFill>
-                  <a:schemeClr val="tx1"/>
-                </a:solidFill>
-                <a:latin typeface="Arial" pitchFamily="34" charset="0"/>
-              </a:defRPr>
-            </a:lvl8pPr>
-            <a:lvl9pPr marL="3886200" indent="-228600" eaLnBrk="0" fontAlgn="base" hangingPunct="0">
-              <a:spcBef>
-                <a:spcPct val="0"/>
-              </a:spcBef>
-              <a:spcAft>
-                <a:spcPct val="0"/>
-              </a:spcAft>
-              <a:defRPr>
-                <a:solidFill>
-                  <a:schemeClr val="tx1"/>
-                </a:solidFill>
-                <a:latin typeface="Arial" pitchFamily="34" charset="0"/>
-              </a:defRPr>
-            </a:lvl9pPr>
-          </a:lstStyle>
-          <a:p>
-            <a:pPr marL="342900" indent="-342900" algn="just">
-              <a:lnSpc>
-                <a:spcPct val="150000"/>
-              </a:lnSpc>
-              <a:spcBef>
-                <a:spcPts val="600"/>
-              </a:spcBef>
-              <a:buFont typeface="Arial" panose="020B0604020202020204" pitchFamily="34" charset="0"/>
-              <a:buChar char="•"/>
-            </a:pPr>
-            <a:r>
-              <a:rPr lang="es-MX" sz="2000" dirty="0">
-                <a:solidFill>
-                  <a:schemeClr val="bg2">
-                    <a:lumMod val="25000"/>
-                  </a:schemeClr>
-                </a:solidFill>
-                <a:latin typeface="+mn-lt"/>
-              </a:rPr>
-              <a:t>Es un aparato muy semejante al hub, pero tiene una gran diferencia: Este sí </a:t>
-            </a:r>
-            <a:r>
-              <a:rPr lang="es-MX" sz="2000" b="1" dirty="0">
-                <a:solidFill>
-                  <a:schemeClr val="accent6">
-                    <a:lumMod val="75000"/>
-                  </a:schemeClr>
-                </a:solidFill>
-                <a:latin typeface="+mn-lt"/>
-              </a:rPr>
-              <a:t>diferencia los equipos conectados a el por su “MAC address”</a:t>
-            </a:r>
-            <a:r>
-              <a:rPr lang="es-MX" sz="2000" dirty="0">
-                <a:solidFill>
-                  <a:schemeClr val="bg2">
-                    <a:lumMod val="25000"/>
-                  </a:schemeClr>
-                </a:solidFill>
-                <a:latin typeface="+mn-lt"/>
-              </a:rPr>
-              <a:t>. </a:t>
-            </a:r>
-          </a:p>
-        </p:txBody>
-      </p:sp>
-      <p:sp>
-        <p:nvSpPr>
-          <p:cNvPr id="6" name="Text Box 3"/>
-          <p:cNvSpPr txBox="1">
-            <a:spLocks noChangeArrowheads="1"/>
-          </p:cNvSpPr>
-          <p:nvPr/>
-        </p:nvSpPr>
-        <p:spPr bwMode="auto">
-          <a:xfrm>
-            <a:off x="763584" y="2441902"/>
-            <a:ext cx="4154760" cy="3323987"/>
-          </a:xfrm>
-          <a:prstGeom prst="rect">
-            <a:avLst/>
-          </a:prstGeom>
-          <a:noFill/>
-          <a:ln>
-            <a:noFill/>
-          </a:ln>
-          <a:extLst>
-            <a:ext uri="{909E8E84-426E-40DD-AFC4-6F175D3DCCD1}">
-              <a14:hiddenFill xmlns:a14="http://schemas.microsoft.com/office/drawing/2010/main">
-                <a:solidFill>
-                  <a:srgbClr val="FFFFFF"/>
-                </a:solidFill>
-              </a14:hiddenFill>
-            </a:ext>
-            <a:ext uri="{91240B29-F687-4F45-9708-019B960494DF}">
-              <a14:hiddenLine xmlns:a14="http://schemas.microsoft.com/office/drawing/2010/main" w="9525">
-                <a:solidFill>
-                  <a:srgbClr val="000000"/>
-                </a:solidFill>
-                <a:miter lim="800000"/>
-                <a:headEnd/>
-                <a:tailEnd/>
-              </a14:hiddenLine>
-            </a:ext>
-          </a:extLst>
-        </p:spPr>
-        <p:txBody>
-          <a:bodyPr wrap="square">
-            <a:spAutoFit/>
-          </a:bodyPr>
-          <a:lstStyle>
-            <a:lvl1pPr eaLnBrk="0" hangingPunct="0">
-              <a:defRPr>
-                <a:solidFill>
-                  <a:schemeClr val="tx1"/>
-                </a:solidFill>
-                <a:latin typeface="Arial" pitchFamily="34" charset="0"/>
-              </a:defRPr>
-            </a:lvl1pPr>
-            <a:lvl2pPr marL="742950" indent="-285750" eaLnBrk="0" hangingPunct="0">
-              <a:defRPr>
-                <a:solidFill>
-                  <a:schemeClr val="tx1"/>
-                </a:solidFill>
-                <a:latin typeface="Arial" pitchFamily="34" charset="0"/>
-              </a:defRPr>
-            </a:lvl2pPr>
-            <a:lvl3pPr marL="1143000" indent="-228600" eaLnBrk="0" hangingPunct="0">
-              <a:defRPr>
-                <a:solidFill>
-                  <a:schemeClr val="tx1"/>
-                </a:solidFill>
-                <a:latin typeface="Arial" pitchFamily="34" charset="0"/>
-              </a:defRPr>
-            </a:lvl3pPr>
-            <a:lvl4pPr marL="1600200" indent="-228600" eaLnBrk="0" hangingPunct="0">
-              <a:defRPr>
-                <a:solidFill>
-                  <a:schemeClr val="tx1"/>
-                </a:solidFill>
-                <a:latin typeface="Arial" pitchFamily="34" charset="0"/>
-              </a:defRPr>
-            </a:lvl4pPr>
-            <a:lvl5pPr marL="2057400" indent="-228600" eaLnBrk="0" hangingPunct="0">
-              <a:defRPr>
-                <a:solidFill>
-                  <a:schemeClr val="tx1"/>
-                </a:solidFill>
-                <a:latin typeface="Arial" pitchFamily="34" charset="0"/>
-              </a:defRPr>
-            </a:lvl5pPr>
-            <a:lvl6pPr marL="2514600" indent="-228600" eaLnBrk="0" fontAlgn="base" hangingPunct="0">
-              <a:spcBef>
-                <a:spcPct val="0"/>
-              </a:spcBef>
-              <a:spcAft>
-                <a:spcPct val="0"/>
-              </a:spcAft>
-              <a:defRPr>
-                <a:solidFill>
-                  <a:schemeClr val="tx1"/>
-                </a:solidFill>
-                <a:latin typeface="Arial" pitchFamily="34" charset="0"/>
-              </a:defRPr>
-            </a:lvl6pPr>
-            <a:lvl7pPr marL="2971800" indent="-228600" eaLnBrk="0" fontAlgn="base" hangingPunct="0">
-              <a:spcBef>
-                <a:spcPct val="0"/>
-              </a:spcBef>
-              <a:spcAft>
-                <a:spcPct val="0"/>
-              </a:spcAft>
-              <a:defRPr>
-                <a:solidFill>
-                  <a:schemeClr val="tx1"/>
-                </a:solidFill>
-                <a:latin typeface="Arial" pitchFamily="34" charset="0"/>
-              </a:defRPr>
-            </a:lvl7pPr>
-            <a:lvl8pPr marL="3429000" indent="-228600" eaLnBrk="0" fontAlgn="base" hangingPunct="0">
-              <a:spcBef>
-                <a:spcPct val="0"/>
-              </a:spcBef>
-              <a:spcAft>
-                <a:spcPct val="0"/>
-              </a:spcAft>
-              <a:defRPr>
-                <a:solidFill>
-                  <a:schemeClr val="tx1"/>
-                </a:solidFill>
-                <a:latin typeface="Arial" pitchFamily="34" charset="0"/>
-              </a:defRPr>
-            </a:lvl8pPr>
-            <a:lvl9pPr marL="3886200" indent="-228600" eaLnBrk="0" fontAlgn="base" hangingPunct="0">
-              <a:spcBef>
-                <a:spcPct val="0"/>
-              </a:spcBef>
-              <a:spcAft>
-                <a:spcPct val="0"/>
-              </a:spcAft>
-              <a:defRPr>
-                <a:solidFill>
-                  <a:schemeClr val="tx1"/>
-                </a:solidFill>
-                <a:latin typeface="Arial" pitchFamily="34" charset="0"/>
-              </a:defRPr>
-            </a:lvl9pPr>
-          </a:lstStyle>
-          <a:p>
-            <a:pPr marL="342900" indent="-342900" algn="just">
-              <a:lnSpc>
-                <a:spcPct val="150000"/>
-              </a:lnSpc>
-              <a:spcBef>
-                <a:spcPts val="600"/>
-              </a:spcBef>
-              <a:buFont typeface="Arial" panose="020B0604020202020204" pitchFamily="34" charset="0"/>
-              <a:buChar char="•"/>
-            </a:pPr>
-            <a:r>
-              <a:rPr lang="es-MX" sz="2000" b="1" dirty="0">
-                <a:solidFill>
-                  <a:schemeClr val="accent6">
-                    <a:lumMod val="75000"/>
-                  </a:schemeClr>
-                </a:solidFill>
-                <a:latin typeface="+mn-lt"/>
-              </a:rPr>
-              <a:t>Los datos enviados por una computadora llegan solamente a la computadora a la que se ha enviado</a:t>
-            </a:r>
-            <a:r>
-              <a:rPr lang="es-MX" sz="2000" dirty="0">
-                <a:solidFill>
-                  <a:schemeClr val="bg2">
-                    <a:lumMod val="25000"/>
-                  </a:schemeClr>
-                </a:solidFill>
-                <a:latin typeface="+mn-lt"/>
-              </a:rPr>
-              <a:t>, creando una especie de canal de comunicación exclusiva entre el origen y el destino.</a:t>
-            </a:r>
-          </a:p>
-          <a:p>
-            <a:pPr algn="just">
-              <a:lnSpc>
-                <a:spcPct val="150000"/>
-              </a:lnSpc>
-            </a:pPr>
-            <a:endParaRPr lang="es-MX" sz="2000" dirty="0">
-              <a:solidFill>
-                <a:schemeClr val="bg2">
-                  <a:lumMod val="25000"/>
-                </a:schemeClr>
-              </a:solidFill>
-              <a:latin typeface="+mn-lt"/>
-            </a:endParaRPr>
-          </a:p>
-        </p:txBody>
-      </p:sp>
-    </p:spTree>
-    <p:extLst>
-      <p:ext uri="{BB962C8B-B14F-4D97-AF65-F5344CB8AC3E}">
-        <p14:creationId xmlns:p14="http://schemas.microsoft.com/office/powerpoint/2010/main" val="992241139"/>
-      </p:ext>
-    </p:extLst>
-  </p:cSld>
-  <p:clrMapOvr>
-    <a:masterClrMapping/>
-  </p:clrMapOvr>
-  <p:timing>
-    <p:tnLst>
-      <p:par>
-        <p:cTn id="1" dur="indefinite" restart="never" nodeType="tmRoot">
-          <p:childTnLst>
-            <p:seq concurrent="1" nextAc="seek">
-              <p:cTn id="2" dur="indefinite" nodeType="mainSeq">
-                <p:childTnLst>
-                  <p:par>
-                    <p:cTn id="3" fill="hold">
-                      <p:stCondLst>
-                        <p:cond delay="indefinite"/>
-                      </p:stCondLst>
-                      <p:childTnLst>
-                        <p:par>
-                          <p:cTn id="4" fill="hold">
-                            <p:stCondLst>
-                              <p:cond delay="0"/>
-                            </p:stCondLst>
-                            <p:childTnLst>
-                              <p:par>
-                                <p:cTn id="5" presetID="1" presetClass="entr" presetSubtype="0" fill="hold" grpId="0" nodeType="clickEffect">
-                                  <p:stCondLst>
-                                    <p:cond delay="0"/>
-                                  </p:stCondLst>
-                                  <p:childTnLst>
-                                    <p:set>
-                                      <p:cBhvr>
-                                        <p:cTn id="6" dur="1" fill="hold">
-                                          <p:stCondLst>
-                                            <p:cond delay="0"/>
-                                          </p:stCondLst>
-                                        </p:cTn>
-                                        <p:tgtEl>
-                                          <p:spTgt spid="8"/>
-                                        </p:tgtEl>
-                                        <p:attrNameLst>
-                                          <p:attrName>style.visibility</p:attrName>
-                                        </p:attrNameLst>
-                                      </p:cBhvr>
-                                      <p:to>
-                                        <p:strVal val="visible"/>
-                                      </p:to>
-                                    </p:set>
-                                  </p:childTnLst>
-                                </p:cTn>
-                              </p:par>
-                            </p:childTnLst>
-                          </p:cTn>
-                        </p:par>
-                      </p:childTnLst>
-                    </p:cTn>
-                  </p:par>
-                  <p:par>
-                    <p:cTn id="7" fill="hold">
-                      <p:stCondLst>
-                        <p:cond delay="indefinite"/>
-                      </p:stCondLst>
-                      <p:childTnLst>
-                        <p:par>
-                          <p:cTn id="8" fill="hold">
-                            <p:stCondLst>
-                              <p:cond delay="0"/>
-                            </p:stCondLst>
-                            <p:childTnLst>
-                              <p:par>
-                                <p:cTn id="9" presetID="1" presetClass="entr" presetSubtype="0" fill="hold" grpId="0" nodeType="clickEffect">
-                                  <p:stCondLst>
-                                    <p:cond delay="0"/>
-                                  </p:stCondLst>
-                                  <p:childTnLst>
-                                    <p:set>
-                                      <p:cBhvr>
-                                        <p:cTn id="10" dur="1" fill="hold">
-                                          <p:stCondLst>
-                                            <p:cond delay="0"/>
-                                          </p:stCondLst>
-                                        </p:cTn>
-                                        <p:tgtEl>
-                                          <p:spTgt spid="6"/>
-                                        </p:tgtEl>
-                                        <p:attrNameLst>
-                                          <p:attrName>style.visibility</p:attrName>
-                                        </p:attrNameLst>
-                                      </p:cBhvr>
-                                      <p:to>
-                                        <p:strVal val="visible"/>
-                                      </p:to>
-                                    </p:set>
-                                  </p:childTnLst>
-                                </p:cTn>
-                              </p:par>
-                            </p:childTnLst>
-                          </p:cTn>
-                        </p:par>
-                      </p:childTnLst>
-                    </p:cTn>
-                  </p:par>
-                </p:childTnLst>
-              </p:cTn>
-              <p:prevCondLst>
-                <p:cond evt="onPrev" delay="0">
-                  <p:tgtEl>
-                    <p:sldTgt/>
-                  </p:tgtEl>
-                </p:cond>
-              </p:prevCondLst>
-              <p:nextCondLst>
-                <p:cond evt="onNext" delay="0">
-                  <p:tgtEl>
-                    <p:sldTgt/>
-                  </p:tgtEl>
-                </p:cond>
-              </p:nextCondLst>
-            </p:seq>
-          </p:childTnLst>
-        </p:cTn>
-      </p:par>
-    </p:tnLst>
-    <p:bldLst>
-      <p:bldP spid="8" grpId="0"/>
-      <p:bldP spid="6" grpId="0"/>
-    </p:bldLst>
-  </p:timing>
-</p:sld>
-</file>
-
-<file path=ppt/slides/slide14.xml><?xml version="1.0" encoding="utf-8"?>
-<p:sld xmlns:a="http://schemas.openxmlformats.org/drawingml/2006/main" xmlns:r="http://schemas.openxmlformats.org/officeDocument/2006/relationships" xmlns:p="http://schemas.openxmlformats.org/presentationml/2006/main">
-  <p:cSld>
-    <p:spTree>
-      <p:nvGrpSpPr>
-        <p:cNvPr id="1" name=""/>
-        <p:cNvGrpSpPr/>
-        <p:nvPr/>
-      </p:nvGrpSpPr>
-      <p:grpSpPr>
-        <a:xfrm>
-          <a:off x="0" y="0"/>
-          <a:ext cx="0" cy="0"/>
-          <a:chOff x="0" y="0"/>
-          <a:chExt cx="0" cy="0"/>
-        </a:xfrm>
-      </p:grpSpPr>
-      <p:sp>
-        <p:nvSpPr>
-          <p:cNvPr id="5" name="Rectangle 2"/>
-          <p:cNvSpPr txBox="1">
-            <a:spLocks noChangeArrowheads="1"/>
-          </p:cNvSpPr>
-          <p:nvPr/>
-        </p:nvSpPr>
-        <p:spPr>
-          <a:xfrm>
-            <a:off x="144016" y="197768"/>
-            <a:ext cx="8892480" cy="1143000"/>
-          </a:xfrm>
-          <a:prstGeom prst="rect">
-            <a:avLst/>
-          </a:prstGeom>
-        </p:spPr>
-        <p:txBody>
-          <a:bodyPr vert="horz" lIns="92075" tIns="46038" rIns="92075" bIns="46038" rtlCol="0" anchor="ctr">
-            <a:noAutofit/>
-          </a:bodyPr>
-          <a:lstStyle>
-            <a:lvl1pPr algn="ctr" defTabSz="914400" rtl="0" eaLnBrk="1" latinLnBrk="0" hangingPunct="1">
-              <a:spcBef>
-                <a:spcPct val="0"/>
-              </a:spcBef>
-              <a:buNone/>
-              <a:defRPr sz="4400" kern="1200">
-                <a:solidFill>
-                  <a:schemeClr val="tx1"/>
-                </a:solidFill>
-                <a:latin typeface="+mj-lt"/>
-                <a:ea typeface="+mj-ea"/>
-                <a:cs typeface="+mj-cs"/>
-              </a:defRPr>
-            </a:lvl1pPr>
-          </a:lstStyle>
-          <a:p>
-            <a:pPr>
-              <a:defRPr/>
-            </a:pPr>
-            <a:r>
-              <a:rPr lang="es-ES_tradnl" sz="3200" dirty="0">
-                <a:solidFill>
-                  <a:srgbClr val="3333CC"/>
-                </a:solidFill>
-                <a:effectLst>
-                  <a:outerShdw blurRad="38100" dist="38100" dir="2700000" algn="tl">
-                    <a:srgbClr val="C0C0C0"/>
-                  </a:outerShdw>
-                </a:effectLst>
-                <a:latin typeface="Dom Casual" charset="0"/>
-              </a:rPr>
-              <a:t> </a:t>
-            </a:r>
-            <a:r>
-              <a:rPr lang="es-ES_tradnl" sz="3200" b="1" dirty="0">
-                <a:solidFill>
-                  <a:schemeClr val="accent4">
-                    <a:lumMod val="50000"/>
-                  </a:schemeClr>
-                </a:solidFill>
-                <a:effectLst>
-                  <a:outerShdw blurRad="38100" dist="38100" dir="2700000" algn="tl">
-                    <a:srgbClr val="C0C0C0"/>
-                  </a:outerShdw>
-                </a:effectLst>
-                <a:latin typeface="Dom Casual" charset="0"/>
-              </a:rPr>
-              <a:t>Hub vs Switch</a:t>
-            </a:r>
-          </a:p>
-        </p:txBody>
-      </p:sp>
-      <p:pic>
-        <p:nvPicPr>
-          <p:cNvPr id="2" name="Imagen 1"/>
-          <p:cNvPicPr>
-            <a:picLocks noChangeAspect="1"/>
-          </p:cNvPicPr>
-          <p:nvPr/>
-        </p:nvPicPr>
-        <p:blipFill>
-          <a:blip r:embed="rId2">
-            <a:extLst>
-              <a:ext uri="{28A0092B-C50C-407E-A947-70E740481C1C}">
-                <a14:useLocalDpi xmlns:a14="http://schemas.microsoft.com/office/drawing/2010/main" val="0"/>
-              </a:ext>
-            </a:extLst>
-          </a:blip>
-          <a:stretch>
-            <a:fillRect/>
-          </a:stretch>
-        </p:blipFill>
-        <p:spPr>
-          <a:xfrm>
-            <a:off x="2051720" y="1772816"/>
-            <a:ext cx="5812694" cy="4824536"/>
-          </a:xfrm>
-          <a:prstGeom prst="rect">
-            <a:avLst/>
-          </a:prstGeom>
-        </p:spPr>
-      </p:pic>
-    </p:spTree>
-    <p:extLst>
-      <p:ext uri="{BB962C8B-B14F-4D97-AF65-F5344CB8AC3E}">
-        <p14:creationId xmlns:p14="http://schemas.microsoft.com/office/powerpoint/2010/main" val="1248953378"/>
-      </p:ext>
-    </p:extLst>
-  </p:cSld>
-  <p:clrMapOvr>
-    <a:masterClrMapping/>
-  </p:clrMapOvr>
-  <p:timing>
-    <p:tnLst>
-      <p:par>
-        <p:cTn id="1" dur="indefinite" restart="never" nodeType="tmRoot">
-          <p:childTnLst>
-            <p:seq concurrent="1" nextAc="seek">
-              <p:cTn id="2" dur="indefinite" nodeType="mainSeq">
-                <p:childTnLst>
-                  <p:par>
-                    <p:cTn id="3" fill="hold">
-                      <p:stCondLst>
-                        <p:cond delay="indefinite"/>
-                      </p:stCondLst>
-                      <p:childTnLst>
-                        <p:par>
-                          <p:cTn id="4" fill="hold">
-                            <p:stCondLst>
-                              <p:cond delay="0"/>
-                            </p:stCondLst>
-                            <p:childTnLst>
-                              <p:par>
-                                <p:cTn id="5" presetID="1" presetClass="entr" presetSubtype="0" fill="hold" nodeType="clickEffect">
-                                  <p:stCondLst>
-                                    <p:cond delay="0"/>
-                                  </p:stCondLst>
-                                  <p:childTnLst>
-                                    <p:set>
-                                      <p:cBhvr>
-                                        <p:cTn id="6" dur="1" fill="hold">
-                                          <p:stCondLst>
-                                            <p:cond delay="0"/>
-                                          </p:stCondLst>
-                                        </p:cTn>
-                                        <p:tgtEl>
-                                          <p:spTgt spid="2"/>
-                                        </p:tgtEl>
-                                        <p:attrNameLst>
-                                          <p:attrName>style.visibility</p:attrName>
-                                        </p:attrNameLst>
-                                      </p:cBhvr>
-                                      <p:to>
-                                        <p:strVal val="visible"/>
-                                      </p:to>
-                                    </p:set>
-                                  </p:childTnLst>
-                                </p:cTn>
-                              </p:par>
-                            </p:childTnLst>
-                          </p:cTn>
-                        </p:par>
-                      </p:childTnLst>
-                    </p:cTn>
-                  </p:par>
-                </p:childTnLst>
-              </p:cTn>
-              <p:prevCondLst>
-                <p:cond evt="onPrev" delay="0">
-                  <p:tgtEl>
-                    <p:sldTgt/>
-                  </p:tgtEl>
-                </p:cond>
-              </p:prevCondLst>
-              <p:nextCondLst>
-                <p:cond evt="onNext" delay="0">
-                  <p:tgtEl>
-                    <p:sldTgt/>
-                  </p:tgtEl>
-                </p:cond>
-              </p:nextCondLst>
-            </p:seq>
-          </p:childTnLst>
-        </p:cTn>
-      </p:par>
-    </p:tnLst>
-  </p:timing>
-</p:sld>
-</file>
-
-<file path=ppt/slides/slide15.xml><?xml version="1.0" encoding="utf-8"?>
-<p:sld xmlns:a="http://schemas.openxmlformats.org/drawingml/2006/main" xmlns:r="http://schemas.openxmlformats.org/officeDocument/2006/relationships" xmlns:p="http://schemas.openxmlformats.org/presentationml/2006/main">
-  <p:cSld>
-    <p:spTree>
-      <p:nvGrpSpPr>
-        <p:cNvPr id="1" name=""/>
-        <p:cNvGrpSpPr/>
-        <p:nvPr/>
-      </p:nvGrpSpPr>
-      <p:grpSpPr>
-        <a:xfrm>
-          <a:off x="0" y="0"/>
-          <a:ext cx="0" cy="0"/>
-          <a:chOff x="0" y="0"/>
-          <a:chExt cx="0" cy="0"/>
-        </a:xfrm>
-      </p:grpSpPr>
-      <p:sp>
-        <p:nvSpPr>
-          <p:cNvPr id="5" name="Rectangle 2"/>
-          <p:cNvSpPr txBox="1">
-            <a:spLocks noChangeArrowheads="1"/>
-          </p:cNvSpPr>
-          <p:nvPr/>
-        </p:nvSpPr>
-        <p:spPr>
-          <a:xfrm>
-            <a:off x="144016" y="197768"/>
-            <a:ext cx="8964488" cy="1143000"/>
-          </a:xfrm>
-          <a:prstGeom prst="rect">
-            <a:avLst/>
-          </a:prstGeom>
-        </p:spPr>
-        <p:txBody>
-          <a:bodyPr vert="horz" lIns="92075" tIns="46038" rIns="92075" bIns="46038" rtlCol="0" anchor="ctr">
-            <a:noAutofit/>
-          </a:bodyPr>
-          <a:lstStyle>
-            <a:lvl1pPr algn="ctr" defTabSz="914400" rtl="0" eaLnBrk="1" latinLnBrk="0" hangingPunct="1">
-              <a:spcBef>
-                <a:spcPct val="0"/>
-              </a:spcBef>
-              <a:buNone/>
-              <a:defRPr sz="4400" kern="1200">
-                <a:solidFill>
-                  <a:schemeClr val="tx1"/>
-                </a:solidFill>
-                <a:latin typeface="+mj-lt"/>
-                <a:ea typeface="+mj-ea"/>
-                <a:cs typeface="+mj-cs"/>
-              </a:defRPr>
-            </a:lvl1pPr>
-          </a:lstStyle>
-          <a:p>
-            <a:pPr>
-              <a:defRPr/>
-            </a:pPr>
-            <a:r>
-              <a:rPr lang="es-ES_tradnl" sz="3200" dirty="0">
-                <a:solidFill>
-                  <a:srgbClr val="3333CC"/>
-                </a:solidFill>
-                <a:effectLst>
-                  <a:outerShdw blurRad="38100" dist="38100" dir="2700000" algn="tl">
-                    <a:srgbClr val="C0C0C0"/>
-                  </a:outerShdw>
-                </a:effectLst>
-                <a:latin typeface="Dom Casual" charset="0"/>
-              </a:rPr>
-              <a:t> </a:t>
-            </a:r>
-            <a:r>
-              <a:rPr lang="es-ES_tradnl" sz="3200" b="1" dirty="0">
-                <a:solidFill>
-                  <a:schemeClr val="accent4">
-                    <a:lumMod val="50000"/>
-                  </a:schemeClr>
-                </a:solidFill>
-                <a:effectLst>
-                  <a:outerShdw blurRad="38100" dist="38100" dir="2700000" algn="tl">
-                    <a:srgbClr val="C0C0C0"/>
-                  </a:outerShdw>
-                </a:effectLst>
-                <a:latin typeface="Dom Casual" charset="0"/>
-              </a:rPr>
-              <a:t>Ruteador</a:t>
-            </a:r>
-          </a:p>
-        </p:txBody>
-      </p:sp>
-      <p:pic>
-        <p:nvPicPr>
-          <p:cNvPr id="7" name="Imagen 6"/>
-          <p:cNvPicPr>
-            <a:picLocks noChangeAspect="1"/>
-          </p:cNvPicPr>
-          <p:nvPr/>
-        </p:nvPicPr>
-        <p:blipFill>
-          <a:blip r:embed="rId2"/>
-          <a:stretch>
-            <a:fillRect/>
-          </a:stretch>
-        </p:blipFill>
-        <p:spPr>
-          <a:xfrm>
-            <a:off x="5031816" y="1916832"/>
-            <a:ext cx="3528392" cy="3443516"/>
-          </a:xfrm>
-          <a:prstGeom prst="rect">
-            <a:avLst/>
-          </a:prstGeom>
-        </p:spPr>
-      </p:pic>
-      <p:sp>
-        <p:nvSpPr>
-          <p:cNvPr id="8" name="Text Box 3"/>
-          <p:cNvSpPr txBox="1">
-            <a:spLocks noChangeArrowheads="1"/>
-          </p:cNvSpPr>
-          <p:nvPr/>
-        </p:nvSpPr>
-        <p:spPr bwMode="auto">
-          <a:xfrm>
-            <a:off x="467545" y="3590097"/>
-            <a:ext cx="4322649" cy="1600759"/>
-          </a:xfrm>
-          <a:prstGeom prst="rect">
-            <a:avLst/>
-          </a:prstGeom>
-          <a:noFill/>
-          <a:ln>
-            <a:noFill/>
-          </a:ln>
-          <a:extLst>
-            <a:ext uri="{909E8E84-426E-40DD-AFC4-6F175D3DCCD1}">
-              <a14:hiddenFill xmlns:a14="http://schemas.microsoft.com/office/drawing/2010/main">
-                <a:solidFill>
-                  <a:srgbClr val="FFFFFF"/>
-                </a:solidFill>
-              </a14:hiddenFill>
-            </a:ext>
-            <a:ext uri="{91240B29-F687-4F45-9708-019B960494DF}">
-              <a14:hiddenLine xmlns:a14="http://schemas.microsoft.com/office/drawing/2010/main" w="9525">
-                <a:solidFill>
-                  <a:srgbClr val="000000"/>
-                </a:solidFill>
-                <a:miter lim="800000"/>
-                <a:headEnd/>
-                <a:tailEnd/>
-              </a14:hiddenLine>
-            </a:ext>
-          </a:extLst>
-        </p:spPr>
-        <p:txBody>
-          <a:bodyPr wrap="square">
-            <a:spAutoFit/>
-          </a:bodyPr>
-          <a:lstStyle>
-            <a:lvl1pPr eaLnBrk="0" hangingPunct="0">
-              <a:defRPr>
-                <a:solidFill>
-                  <a:schemeClr val="tx1"/>
-                </a:solidFill>
-                <a:latin typeface="Arial" pitchFamily="34" charset="0"/>
-              </a:defRPr>
-            </a:lvl1pPr>
-            <a:lvl2pPr marL="742950" indent="-285750" eaLnBrk="0" hangingPunct="0">
-              <a:defRPr>
-                <a:solidFill>
-                  <a:schemeClr val="tx1"/>
-                </a:solidFill>
-                <a:latin typeface="Arial" pitchFamily="34" charset="0"/>
-              </a:defRPr>
-            </a:lvl2pPr>
-            <a:lvl3pPr marL="1143000" indent="-228600" eaLnBrk="0" hangingPunct="0">
-              <a:defRPr>
-                <a:solidFill>
-                  <a:schemeClr val="tx1"/>
-                </a:solidFill>
-                <a:latin typeface="Arial" pitchFamily="34" charset="0"/>
-              </a:defRPr>
-            </a:lvl3pPr>
-            <a:lvl4pPr marL="1600200" indent="-228600" eaLnBrk="0" hangingPunct="0">
-              <a:defRPr>
-                <a:solidFill>
-                  <a:schemeClr val="tx1"/>
-                </a:solidFill>
-                <a:latin typeface="Arial" pitchFamily="34" charset="0"/>
-              </a:defRPr>
-            </a:lvl4pPr>
-            <a:lvl5pPr marL="2057400" indent="-228600" eaLnBrk="0" hangingPunct="0">
-              <a:defRPr>
-                <a:solidFill>
-                  <a:schemeClr val="tx1"/>
-                </a:solidFill>
-                <a:latin typeface="Arial" pitchFamily="34" charset="0"/>
-              </a:defRPr>
-            </a:lvl5pPr>
-            <a:lvl6pPr marL="2514600" indent="-228600" eaLnBrk="0" fontAlgn="base" hangingPunct="0">
-              <a:spcBef>
-                <a:spcPct val="0"/>
-              </a:spcBef>
-              <a:spcAft>
-                <a:spcPct val="0"/>
-              </a:spcAft>
-              <a:defRPr>
-                <a:solidFill>
-                  <a:schemeClr val="tx1"/>
-                </a:solidFill>
-                <a:latin typeface="Arial" pitchFamily="34" charset="0"/>
-              </a:defRPr>
-            </a:lvl6pPr>
-            <a:lvl7pPr marL="2971800" indent="-228600" eaLnBrk="0" fontAlgn="base" hangingPunct="0">
-              <a:spcBef>
-                <a:spcPct val="0"/>
-              </a:spcBef>
-              <a:spcAft>
-                <a:spcPct val="0"/>
-              </a:spcAft>
-              <a:defRPr>
-                <a:solidFill>
-                  <a:schemeClr val="tx1"/>
-                </a:solidFill>
-                <a:latin typeface="Arial" pitchFamily="34" charset="0"/>
-              </a:defRPr>
-            </a:lvl7pPr>
-            <a:lvl8pPr marL="3429000" indent="-228600" eaLnBrk="0" fontAlgn="base" hangingPunct="0">
-              <a:spcBef>
-                <a:spcPct val="0"/>
-              </a:spcBef>
-              <a:spcAft>
-                <a:spcPct val="0"/>
-              </a:spcAft>
-              <a:defRPr>
-                <a:solidFill>
-                  <a:schemeClr val="tx1"/>
-                </a:solidFill>
-                <a:latin typeface="Arial" pitchFamily="34" charset="0"/>
-              </a:defRPr>
-            </a:lvl8pPr>
-            <a:lvl9pPr marL="3886200" indent="-228600" eaLnBrk="0" fontAlgn="base" hangingPunct="0">
-              <a:spcBef>
-                <a:spcPct val="0"/>
-              </a:spcBef>
-              <a:spcAft>
-                <a:spcPct val="0"/>
-              </a:spcAft>
-              <a:defRPr>
-                <a:solidFill>
-                  <a:schemeClr val="tx1"/>
-                </a:solidFill>
-                <a:latin typeface="Arial" pitchFamily="34" charset="0"/>
-              </a:defRPr>
-            </a:lvl9pPr>
-          </a:lstStyle>
-          <a:p>
-            <a:pPr marL="792163" lvl="1" indent="-342900">
-              <a:lnSpc>
-                <a:spcPts val="3000"/>
-              </a:lnSpc>
-              <a:buFont typeface="Arial" panose="020B0604020202020204" pitchFamily="34" charset="0"/>
-              <a:buChar char="•"/>
-            </a:pPr>
-            <a:r>
-              <a:rPr lang="es-MX" sz="2000" dirty="0">
-                <a:solidFill>
-                  <a:schemeClr val="bg2">
-                    <a:lumMod val="25000"/>
-                  </a:schemeClr>
-                </a:solidFill>
-                <a:latin typeface="+mn-lt"/>
-              </a:rPr>
-              <a:t>Su función principal consiste en </a:t>
-            </a:r>
-            <a:r>
-              <a:rPr lang="es-MX" sz="2000" b="1" dirty="0">
-                <a:solidFill>
-                  <a:schemeClr val="accent6">
-                    <a:lumMod val="75000"/>
-                  </a:schemeClr>
-                </a:solidFill>
-                <a:latin typeface="+mn-lt"/>
-              </a:rPr>
-              <a:t>enviar paquetes de datos de una red a otra</a:t>
-            </a:r>
-            <a:r>
-              <a:rPr lang="es-MX" sz="2000" dirty="0">
-                <a:solidFill>
-                  <a:schemeClr val="bg2">
-                    <a:lumMod val="25000"/>
-                  </a:schemeClr>
-                </a:solidFill>
-                <a:latin typeface="+mn-lt"/>
-              </a:rPr>
-              <a:t>, es decir, interconectar subredes.</a:t>
-            </a:r>
-            <a:r>
-              <a:rPr lang="es-ES" altLang="es-MX" sz="2000" dirty="0">
-                <a:solidFill>
-                  <a:srgbClr val="212121"/>
-                </a:solidFill>
-                <a:latin typeface="inherit"/>
-              </a:rPr>
-              <a:t> </a:t>
-            </a:r>
-            <a:endParaRPr lang="es-MX" sz="2000" dirty="0">
-              <a:solidFill>
-                <a:schemeClr val="bg2">
-                  <a:lumMod val="25000"/>
-                </a:schemeClr>
-              </a:solidFill>
-              <a:latin typeface="+mn-lt"/>
-            </a:endParaRPr>
-          </a:p>
-        </p:txBody>
-      </p:sp>
-      <p:sp>
-        <p:nvSpPr>
-          <p:cNvPr id="9" name="Text Box 3"/>
-          <p:cNvSpPr txBox="1">
-            <a:spLocks noChangeArrowheads="1"/>
-          </p:cNvSpPr>
-          <p:nvPr/>
-        </p:nvSpPr>
-        <p:spPr bwMode="auto">
-          <a:xfrm>
-            <a:off x="467544" y="1916832"/>
-            <a:ext cx="4538673" cy="1631216"/>
-          </a:xfrm>
-          <a:prstGeom prst="rect">
-            <a:avLst/>
-          </a:prstGeom>
-          <a:noFill/>
-          <a:ln>
-            <a:noFill/>
-          </a:ln>
-          <a:extLst>
-            <a:ext uri="{909E8E84-426E-40DD-AFC4-6F175D3DCCD1}">
-              <a14:hiddenFill xmlns:a14="http://schemas.microsoft.com/office/drawing/2010/main">
-                <a:solidFill>
-                  <a:srgbClr val="FFFFFF"/>
-                </a:solidFill>
-              </a14:hiddenFill>
-            </a:ext>
-            <a:ext uri="{91240B29-F687-4F45-9708-019B960494DF}">
-              <a14:hiddenLine xmlns:a14="http://schemas.microsoft.com/office/drawing/2010/main" w="9525">
-                <a:solidFill>
-                  <a:srgbClr val="000000"/>
-                </a:solidFill>
-                <a:miter lim="800000"/>
-                <a:headEnd/>
-                <a:tailEnd/>
-              </a14:hiddenLine>
-            </a:ext>
-          </a:extLst>
-        </p:spPr>
-        <p:txBody>
-          <a:bodyPr wrap="square">
-            <a:spAutoFit/>
-          </a:bodyPr>
-          <a:lstStyle>
-            <a:lvl1pPr eaLnBrk="0" hangingPunct="0">
-              <a:defRPr>
-                <a:solidFill>
-                  <a:schemeClr val="tx1"/>
-                </a:solidFill>
-                <a:latin typeface="Arial" pitchFamily="34" charset="0"/>
-              </a:defRPr>
-            </a:lvl1pPr>
-            <a:lvl2pPr marL="742950" indent="-285750" eaLnBrk="0" hangingPunct="0">
-              <a:defRPr>
-                <a:solidFill>
-                  <a:schemeClr val="tx1"/>
-                </a:solidFill>
-                <a:latin typeface="Arial" pitchFamily="34" charset="0"/>
-              </a:defRPr>
-            </a:lvl2pPr>
-            <a:lvl3pPr marL="1143000" indent="-228600" eaLnBrk="0" hangingPunct="0">
-              <a:defRPr>
-                <a:solidFill>
-                  <a:schemeClr val="tx1"/>
-                </a:solidFill>
-                <a:latin typeface="Arial" pitchFamily="34" charset="0"/>
-              </a:defRPr>
-            </a:lvl3pPr>
-            <a:lvl4pPr marL="1600200" indent="-228600" eaLnBrk="0" hangingPunct="0">
-              <a:defRPr>
-                <a:solidFill>
-                  <a:schemeClr val="tx1"/>
-                </a:solidFill>
-                <a:latin typeface="Arial" pitchFamily="34" charset="0"/>
-              </a:defRPr>
-            </a:lvl4pPr>
-            <a:lvl5pPr marL="2057400" indent="-228600" eaLnBrk="0" hangingPunct="0">
-              <a:defRPr>
-                <a:solidFill>
-                  <a:schemeClr val="tx1"/>
-                </a:solidFill>
-                <a:latin typeface="Arial" pitchFamily="34" charset="0"/>
-              </a:defRPr>
-            </a:lvl5pPr>
-            <a:lvl6pPr marL="2514600" indent="-228600" eaLnBrk="0" fontAlgn="base" hangingPunct="0">
-              <a:spcBef>
-                <a:spcPct val="0"/>
-              </a:spcBef>
-              <a:spcAft>
-                <a:spcPct val="0"/>
-              </a:spcAft>
-              <a:defRPr>
-                <a:solidFill>
-                  <a:schemeClr val="tx1"/>
-                </a:solidFill>
-                <a:latin typeface="Arial" pitchFamily="34" charset="0"/>
-              </a:defRPr>
-            </a:lvl6pPr>
-            <a:lvl7pPr marL="2971800" indent="-228600" eaLnBrk="0" fontAlgn="base" hangingPunct="0">
-              <a:spcBef>
-                <a:spcPct val="0"/>
-              </a:spcBef>
-              <a:spcAft>
-                <a:spcPct val="0"/>
-              </a:spcAft>
-              <a:defRPr>
-                <a:solidFill>
-                  <a:schemeClr val="tx1"/>
-                </a:solidFill>
-                <a:latin typeface="Arial" pitchFamily="34" charset="0"/>
-              </a:defRPr>
-            </a:lvl7pPr>
-            <a:lvl8pPr marL="3429000" indent="-228600" eaLnBrk="0" fontAlgn="base" hangingPunct="0">
-              <a:spcBef>
-                <a:spcPct val="0"/>
-              </a:spcBef>
-              <a:spcAft>
-                <a:spcPct val="0"/>
-              </a:spcAft>
-              <a:defRPr>
-                <a:solidFill>
-                  <a:schemeClr val="tx1"/>
-                </a:solidFill>
-                <a:latin typeface="Arial" pitchFamily="34" charset="0"/>
-              </a:defRPr>
-            </a:lvl8pPr>
-            <a:lvl9pPr marL="3886200" indent="-228600" eaLnBrk="0" fontAlgn="base" hangingPunct="0">
-              <a:spcBef>
-                <a:spcPct val="0"/>
-              </a:spcBef>
-              <a:spcAft>
-                <a:spcPct val="0"/>
-              </a:spcAft>
-              <a:defRPr>
-                <a:solidFill>
-                  <a:schemeClr val="tx1"/>
-                </a:solidFill>
-                <a:latin typeface="Arial" pitchFamily="34" charset="0"/>
-              </a:defRPr>
-            </a:lvl9pPr>
-          </a:lstStyle>
-          <a:p>
-            <a:pPr marL="792163" lvl="1" indent="-342900">
-              <a:lnSpc>
-                <a:spcPts val="3000"/>
-              </a:lnSpc>
-              <a:buFont typeface="Arial" panose="020B0604020202020204" pitchFamily="34" charset="0"/>
-              <a:buChar char="•"/>
-            </a:pPr>
-            <a:r>
-              <a:rPr lang="es-ES" altLang="es-MX" sz="2000" dirty="0">
-                <a:solidFill>
-                  <a:schemeClr val="bg2">
-                    <a:lumMod val="25000"/>
-                  </a:schemeClr>
-                </a:solidFill>
-                <a:latin typeface="+mn-lt"/>
-              </a:rPr>
-              <a:t>Un router es un </a:t>
-            </a:r>
-            <a:r>
-              <a:rPr lang="es-ES" altLang="es-MX" sz="2000" b="1" dirty="0">
-                <a:solidFill>
-                  <a:schemeClr val="accent6">
-                    <a:lumMod val="75000"/>
-                  </a:schemeClr>
-                </a:solidFill>
-                <a:latin typeface="+mn-lt"/>
-              </a:rPr>
-              <a:t>tipo especializado de computadora </a:t>
-            </a:r>
-            <a:r>
-              <a:rPr lang="es-ES" altLang="es-MX" sz="2000" dirty="0">
-                <a:solidFill>
-                  <a:schemeClr val="bg2">
-                    <a:lumMod val="25000"/>
-                  </a:schemeClr>
-                </a:solidFill>
-                <a:latin typeface="+mn-lt"/>
-              </a:rPr>
-              <a:t>utilizado para </a:t>
-            </a:r>
-            <a:r>
-              <a:rPr lang="es-ES" altLang="es-MX" sz="2000" b="1" dirty="0">
-                <a:solidFill>
-                  <a:schemeClr val="accent6">
-                    <a:lumMod val="75000"/>
-                  </a:schemeClr>
-                </a:solidFill>
-                <a:latin typeface="+mn-lt"/>
-              </a:rPr>
-              <a:t>dirigir el tráfico a través de Internet</a:t>
-            </a:r>
-            <a:r>
-              <a:rPr lang="es-ES" altLang="es-MX" sz="2000" dirty="0">
-                <a:solidFill>
-                  <a:schemeClr val="bg2">
-                    <a:lumMod val="25000"/>
-                  </a:schemeClr>
-                </a:solidFill>
-                <a:latin typeface="+mn-lt"/>
-              </a:rPr>
-              <a:t>.</a:t>
-            </a:r>
-            <a:endParaRPr lang="es-MX" sz="2000" dirty="0">
-              <a:solidFill>
-                <a:schemeClr val="bg2">
-                  <a:lumMod val="25000"/>
-                </a:schemeClr>
-              </a:solidFill>
-              <a:latin typeface="+mn-lt"/>
-            </a:endParaRPr>
-          </a:p>
-        </p:txBody>
-      </p:sp>
-    </p:spTree>
-    <p:extLst>
-      <p:ext uri="{BB962C8B-B14F-4D97-AF65-F5344CB8AC3E}">
-        <p14:creationId xmlns:p14="http://schemas.microsoft.com/office/powerpoint/2010/main" val="2234554226"/>
-      </p:ext>
-    </p:extLst>
-  </p:cSld>
-  <p:clrMapOvr>
-    <a:masterClrMapping/>
-  </p:clrMapOvr>
-  <p:timing>
-    <p:tnLst>
-      <p:par>
-        <p:cTn id="1" dur="indefinite" restart="never" nodeType="tmRoot">
-          <p:childTnLst>
-            <p:seq concurrent="1" nextAc="seek">
-              <p:cTn id="2" dur="indefinite" nodeType="mainSeq">
-                <p:childTnLst>
-                  <p:par>
-                    <p:cTn id="3" fill="hold">
-                      <p:stCondLst>
-                        <p:cond delay="indefinite"/>
-                      </p:stCondLst>
-                      <p:childTnLst>
-                        <p:par>
-                          <p:cTn id="4" fill="hold">
-                            <p:stCondLst>
-                              <p:cond delay="0"/>
-                            </p:stCondLst>
-                            <p:childTnLst>
-                              <p:par>
-                                <p:cTn id="5" presetID="1" presetClass="entr" presetSubtype="0" fill="hold" grpId="0" nodeType="clickEffect">
-                                  <p:stCondLst>
-                                    <p:cond delay="0"/>
-                                  </p:stCondLst>
-                                  <p:childTnLst>
-                                    <p:set>
-                                      <p:cBhvr>
-                                        <p:cTn id="6" dur="1" fill="hold">
-                                          <p:stCondLst>
-                                            <p:cond delay="0"/>
-                                          </p:stCondLst>
-                                        </p:cTn>
-                                        <p:tgtEl>
-                                          <p:spTgt spid="9"/>
-                                        </p:tgtEl>
-                                        <p:attrNameLst>
-                                          <p:attrName>style.visibility</p:attrName>
-                                        </p:attrNameLst>
-                                      </p:cBhvr>
-                                      <p:to>
-                                        <p:strVal val="visible"/>
-                                      </p:to>
-                                    </p:set>
-                                  </p:childTnLst>
-                                </p:cTn>
-                              </p:par>
-                            </p:childTnLst>
-                          </p:cTn>
-                        </p:par>
-                      </p:childTnLst>
-                    </p:cTn>
-                  </p:par>
-                  <p:par>
-                    <p:cTn id="7" fill="hold">
-                      <p:stCondLst>
-                        <p:cond delay="indefinite"/>
-                      </p:stCondLst>
-                      <p:childTnLst>
-                        <p:par>
-                          <p:cTn id="8" fill="hold">
-                            <p:stCondLst>
-                              <p:cond delay="0"/>
-                            </p:stCondLst>
-                            <p:childTnLst>
-                              <p:par>
-                                <p:cTn id="9" presetID="1" presetClass="entr" presetSubtype="0" fill="hold" grpId="0" nodeType="clickEffect">
-                                  <p:stCondLst>
-                                    <p:cond delay="0"/>
-                                  </p:stCondLst>
-                                  <p:childTnLst>
-                                    <p:set>
-                                      <p:cBhvr>
-                                        <p:cTn id="10" dur="1" fill="hold">
-                                          <p:stCondLst>
-                                            <p:cond delay="0"/>
-                                          </p:stCondLst>
-                                        </p:cTn>
-                                        <p:tgtEl>
-                                          <p:spTgt spid="8"/>
-                                        </p:tgtEl>
-                                        <p:attrNameLst>
-                                          <p:attrName>style.visibility</p:attrName>
-                                        </p:attrNameLst>
-                                      </p:cBhvr>
-                                      <p:to>
-                                        <p:strVal val="visible"/>
-                                      </p:to>
-                                    </p:set>
-                                  </p:childTnLst>
-                                </p:cTn>
-                              </p:par>
-                            </p:childTnLst>
-                          </p:cTn>
-                        </p:par>
-                      </p:childTnLst>
-                    </p:cTn>
-                  </p:par>
-                </p:childTnLst>
-              </p:cTn>
-              <p:prevCondLst>
-                <p:cond evt="onPrev" delay="0">
-                  <p:tgtEl>
-                    <p:sldTgt/>
-                  </p:tgtEl>
-                </p:cond>
-              </p:prevCondLst>
-              <p:nextCondLst>
-                <p:cond evt="onNext" delay="0">
-                  <p:tgtEl>
-                    <p:sldTgt/>
-                  </p:tgtEl>
-                </p:cond>
-              </p:nextCondLst>
-            </p:seq>
-          </p:childTnLst>
-        </p:cTn>
-      </p:par>
-    </p:tnLst>
-    <p:bldLst>
-      <p:bldP spid="8" grpId="0"/>
-      <p:bldP spid="9" grpId="0"/>
-    </p:bldLst>
-  </p:timing>
-</p:sld>
-</file>
-
-<file path=ppt/slides/slide16.xml><?xml version="1.0" encoding="utf-8"?>
-<p:sld xmlns:a="http://schemas.openxmlformats.org/drawingml/2006/main" xmlns:r="http://schemas.openxmlformats.org/officeDocument/2006/relationships" xmlns:p="http://schemas.openxmlformats.org/presentationml/2006/main">
-  <p:cSld>
-    <p:spTree>
-      <p:nvGrpSpPr>
-        <p:cNvPr id="1" name=""/>
-        <p:cNvGrpSpPr/>
-        <p:nvPr/>
-      </p:nvGrpSpPr>
-      <p:grpSpPr>
-        <a:xfrm>
-          <a:off x="0" y="0"/>
-          <a:ext cx="0" cy="0"/>
-          <a:chOff x="0" y="0"/>
-          <a:chExt cx="0" cy="0"/>
-        </a:xfrm>
-      </p:grpSpPr>
-      <p:sp>
-        <p:nvSpPr>
           <p:cNvPr id="4099" name="Text Box 3"/>
           <p:cNvSpPr txBox="1">
             <a:spLocks noChangeArrowheads="1"/>
@@ -8833,7 +5236,7 @@
 </p:sld>
 </file>
 
-<file path=ppt/slides/slide17.xml><?xml version="1.0" encoding="utf-8"?>
+<file path=ppt/slides/slide11.xml><?xml version="1.0" encoding="utf-8"?>
 <p:sld xmlns:a="http://schemas.openxmlformats.org/drawingml/2006/main" xmlns:r="http://schemas.openxmlformats.org/officeDocument/2006/relationships" xmlns:p="http://schemas.openxmlformats.org/presentationml/2006/main">
   <p:cSld>
     <p:spTree>
@@ -9557,7 +5960,7 @@
 </p:sld>
 </file>
 
-<file path=ppt/slides/slide18.xml><?xml version="1.0" encoding="utf-8"?>
+<file path=ppt/slides/slide12.xml><?xml version="1.0" encoding="utf-8"?>
 <p:sld xmlns:a="http://schemas.openxmlformats.org/drawingml/2006/main" xmlns:r="http://schemas.openxmlformats.org/officeDocument/2006/relationships" xmlns:p="http://schemas.openxmlformats.org/presentationml/2006/main">
   <p:cSld>
     <p:spTree>
@@ -10735,769 +7138,6 @@
       <p:bldP spid="11" grpId="0"/>
       <p:bldP spid="13" grpId="0"/>
       <p:bldP spid="2" grpId="0" animBg="1"/>
-    </p:bldLst>
-  </p:timing>
-</p:sld>
-</file>
-
-<file path=ppt/slides/slide19.xml><?xml version="1.0" encoding="utf-8"?>
-<p:sld xmlns:a="http://schemas.openxmlformats.org/drawingml/2006/main" xmlns:r="http://schemas.openxmlformats.org/officeDocument/2006/relationships" xmlns:p="http://schemas.openxmlformats.org/presentationml/2006/main">
-  <p:cSld>
-    <p:spTree>
-      <p:nvGrpSpPr>
-        <p:cNvPr id="1" name=""/>
-        <p:cNvGrpSpPr/>
-        <p:nvPr/>
-      </p:nvGrpSpPr>
-      <p:grpSpPr>
-        <a:xfrm>
-          <a:off x="0" y="0"/>
-          <a:ext cx="0" cy="0"/>
-          <a:chOff x="0" y="0"/>
-          <a:chExt cx="0" cy="0"/>
-        </a:xfrm>
-      </p:grpSpPr>
-      <p:sp>
-        <p:nvSpPr>
-          <p:cNvPr id="3" name="object 3"/>
-          <p:cNvSpPr txBox="1"/>
-          <p:nvPr/>
-        </p:nvSpPr>
-        <p:spPr>
-          <a:xfrm>
-            <a:off x="2697476" y="971207"/>
-            <a:ext cx="3648551" cy="323165"/>
-          </a:xfrm>
-          <a:prstGeom prst="rect">
-            <a:avLst/>
-          </a:prstGeom>
-        </p:spPr>
-        <p:txBody>
-          <a:bodyPr vert="horz" wrap="square" lIns="0" tIns="0" rIns="0" bIns="0" rtlCol="0">
-            <a:spAutoFit/>
-          </a:bodyPr>
-          <a:lstStyle/>
-          <a:p>
-            <a:pPr marL="9525" algn="ctr"/>
-            <a:r>
-              <a:rPr lang="es-ES" sz="2100" b="1" spc="-8" dirty="0">
-                <a:solidFill>
-                  <a:schemeClr val="accent6">
-                    <a:lumMod val="75000"/>
-                  </a:schemeClr>
-                </a:solidFill>
-                <a:latin typeface="Calibri"/>
-                <a:cs typeface="Calibri"/>
-              </a:rPr>
-              <a:t>Medios de transmisión</a:t>
-            </a:r>
-            <a:endParaRPr sz="2100" dirty="0">
-              <a:solidFill>
-                <a:schemeClr val="accent6">
-                  <a:lumMod val="75000"/>
-                </a:schemeClr>
-              </a:solidFill>
-              <a:latin typeface="Calibri"/>
-              <a:cs typeface="Calibri"/>
-            </a:endParaRPr>
-          </a:p>
-        </p:txBody>
-      </p:sp>
-      <p:sp>
-        <p:nvSpPr>
-          <p:cNvPr id="6" name="Rectangle 2">
-            <a:extLst>
-              <a:ext uri="{FF2B5EF4-FFF2-40B4-BE49-F238E27FC236}">
-                <a16:creationId xmlns:a16="http://schemas.microsoft.com/office/drawing/2014/main" id="{A7C1FB87-3324-41B6-B2C2-1CEDEA7F7814}"/>
-              </a:ext>
-            </a:extLst>
-          </p:cNvPr>
-          <p:cNvSpPr txBox="1">
-            <a:spLocks noChangeArrowheads="1"/>
-          </p:cNvSpPr>
-          <p:nvPr/>
-        </p:nvSpPr>
-        <p:spPr>
-          <a:xfrm>
-            <a:off x="0" y="151372"/>
-            <a:ext cx="8964488" cy="1143000"/>
-          </a:xfrm>
-          <a:prstGeom prst="rect">
-            <a:avLst/>
-          </a:prstGeom>
-        </p:spPr>
-        <p:txBody>
-          <a:bodyPr vert="horz" lIns="92075" tIns="46038" rIns="92075" bIns="46038" rtlCol="0" anchor="ctr">
-            <a:noAutofit/>
-          </a:bodyPr>
-          <a:lstStyle>
-            <a:lvl1pPr algn="ctr" defTabSz="914400" rtl="0" eaLnBrk="1" latinLnBrk="0" hangingPunct="1">
-              <a:spcBef>
-                <a:spcPct val="0"/>
-              </a:spcBef>
-              <a:buNone/>
-              <a:defRPr sz="4400" kern="1200">
-                <a:solidFill>
-                  <a:schemeClr val="tx1"/>
-                </a:solidFill>
-                <a:latin typeface="+mj-lt"/>
-                <a:ea typeface="+mj-ea"/>
-                <a:cs typeface="+mj-cs"/>
-              </a:defRPr>
-            </a:lvl1pPr>
-          </a:lstStyle>
-          <a:p>
-            <a:pPr>
-              <a:defRPr/>
-            </a:pPr>
-            <a:r>
-              <a:rPr lang="es-ES_tradnl" sz="3200" dirty="0">
-                <a:solidFill>
-                  <a:srgbClr val="3333CC"/>
-                </a:solidFill>
-                <a:effectLst>
-                  <a:outerShdw blurRad="38100" dist="38100" dir="2700000" algn="tl">
-                    <a:srgbClr val="C0C0C0"/>
-                  </a:outerShdw>
-                </a:effectLst>
-                <a:latin typeface="Dom Casual" charset="0"/>
-              </a:rPr>
-              <a:t> </a:t>
-            </a:r>
-            <a:r>
-              <a:rPr lang="es-ES_tradnl" sz="3200" b="1" dirty="0">
-                <a:solidFill>
-                  <a:schemeClr val="accent4">
-                    <a:lumMod val="50000"/>
-                  </a:schemeClr>
-                </a:solidFill>
-                <a:effectLst>
-                  <a:outerShdw blurRad="38100" dist="38100" dir="2700000" algn="tl">
-                    <a:srgbClr val="C0C0C0"/>
-                  </a:outerShdw>
-                </a:effectLst>
-                <a:latin typeface="Dom Casual" charset="0"/>
-              </a:rPr>
-              <a:t>Tipos de dispositivos</a:t>
-            </a:r>
-          </a:p>
-        </p:txBody>
-      </p:sp>
-      <p:sp>
-        <p:nvSpPr>
-          <p:cNvPr id="9" name="CuadroTexto 8">
-            <a:extLst>
-              <a:ext uri="{FF2B5EF4-FFF2-40B4-BE49-F238E27FC236}">
-                <a16:creationId xmlns:a16="http://schemas.microsoft.com/office/drawing/2014/main" id="{68C25195-34C0-4A5C-B890-6EFAF430DA0F}"/>
-              </a:ext>
-            </a:extLst>
-          </p:cNvPr>
-          <p:cNvSpPr txBox="1"/>
-          <p:nvPr/>
-        </p:nvSpPr>
-        <p:spPr>
-          <a:xfrm>
-            <a:off x="721499" y="1589078"/>
-            <a:ext cx="7954957" cy="819712"/>
-          </a:xfrm>
-          <a:prstGeom prst="rect">
-            <a:avLst/>
-          </a:prstGeom>
-          <a:noFill/>
-        </p:spPr>
-        <p:txBody>
-          <a:bodyPr wrap="square">
-            <a:spAutoFit/>
-          </a:bodyPr>
-          <a:lstStyle/>
-          <a:p>
-            <a:pPr algn="just" fontAlgn="base">
-              <a:lnSpc>
-                <a:spcPts val="3000"/>
-              </a:lnSpc>
-            </a:pPr>
-            <a:r>
-              <a:rPr lang="es-ES" sz="1600" dirty="0">
-                <a:solidFill>
-                  <a:schemeClr val="bg2">
-                    <a:lumMod val="25000"/>
-                  </a:schemeClr>
-                </a:solidFill>
-                <a:latin typeface="Calibri" panose="020F0502020204030204" pitchFamily="34" charset="0"/>
-                <a:cs typeface="Calibri" panose="020F0502020204030204" pitchFamily="34" charset="0"/>
-              </a:rPr>
-              <a:t>La comunicación a través de una red es transportada por un </a:t>
-            </a:r>
-            <a:r>
-              <a:rPr lang="es-ES" sz="1600" b="1" dirty="0">
-                <a:solidFill>
-                  <a:schemeClr val="accent5">
-                    <a:lumMod val="75000"/>
-                  </a:schemeClr>
-                </a:solidFill>
-                <a:latin typeface="Calibri" panose="020F0502020204030204" pitchFamily="34" charset="0"/>
-                <a:cs typeface="Calibri" panose="020F0502020204030204" pitchFamily="34" charset="0"/>
-              </a:rPr>
-              <a:t>medio</a:t>
-            </a:r>
-            <a:r>
-              <a:rPr lang="es-ES" sz="1600" dirty="0">
-                <a:solidFill>
-                  <a:schemeClr val="bg2">
-                    <a:lumMod val="25000"/>
-                  </a:schemeClr>
-                </a:solidFill>
-                <a:latin typeface="Calibri" panose="020F0502020204030204" pitchFamily="34" charset="0"/>
-                <a:cs typeface="Calibri" panose="020F0502020204030204" pitchFamily="34" charset="0"/>
-              </a:rPr>
-              <a:t>. El medio proporciona el </a:t>
-            </a:r>
-            <a:r>
-              <a:rPr lang="es-ES" sz="1600" b="1" i="1" dirty="0">
-                <a:solidFill>
-                  <a:schemeClr val="accent5">
-                    <a:lumMod val="75000"/>
-                  </a:schemeClr>
-                </a:solidFill>
-                <a:latin typeface="Calibri" panose="020F0502020204030204" pitchFamily="34" charset="0"/>
-                <a:cs typeface="Calibri" panose="020F0502020204030204" pitchFamily="34" charset="0"/>
-              </a:rPr>
-              <a:t>canal</a:t>
-            </a:r>
-            <a:r>
-              <a:rPr lang="es-ES" sz="1600" dirty="0">
-                <a:solidFill>
-                  <a:schemeClr val="bg2">
-                    <a:lumMod val="25000"/>
-                  </a:schemeClr>
-                </a:solidFill>
-                <a:latin typeface="Calibri" panose="020F0502020204030204" pitchFamily="34" charset="0"/>
-                <a:cs typeface="Calibri" panose="020F0502020204030204" pitchFamily="34" charset="0"/>
-              </a:rPr>
-              <a:t> por el cual viaja el mensaje desde el </a:t>
-            </a:r>
-            <a:r>
-              <a:rPr lang="es-ES" sz="1600" b="1" dirty="0">
-                <a:solidFill>
-                  <a:schemeClr val="accent5">
-                    <a:lumMod val="75000"/>
-                  </a:schemeClr>
-                </a:solidFill>
-                <a:latin typeface="Calibri" panose="020F0502020204030204" pitchFamily="34" charset="0"/>
-                <a:cs typeface="Calibri" panose="020F0502020204030204" pitchFamily="34" charset="0"/>
-              </a:rPr>
-              <a:t>origen</a:t>
-            </a:r>
-            <a:r>
-              <a:rPr lang="es-ES" sz="1600" dirty="0">
-                <a:solidFill>
-                  <a:schemeClr val="bg2">
-                    <a:lumMod val="25000"/>
-                  </a:schemeClr>
-                </a:solidFill>
-                <a:latin typeface="Calibri" panose="020F0502020204030204" pitchFamily="34" charset="0"/>
-                <a:cs typeface="Calibri" panose="020F0502020204030204" pitchFamily="34" charset="0"/>
-              </a:rPr>
-              <a:t> hasta el </a:t>
-            </a:r>
-            <a:r>
-              <a:rPr lang="es-ES" sz="1600" b="1" dirty="0">
-                <a:solidFill>
-                  <a:schemeClr val="accent5">
-                    <a:lumMod val="75000"/>
-                  </a:schemeClr>
-                </a:solidFill>
-                <a:latin typeface="Calibri" panose="020F0502020204030204" pitchFamily="34" charset="0"/>
-                <a:cs typeface="Calibri" panose="020F0502020204030204" pitchFamily="34" charset="0"/>
-              </a:rPr>
-              <a:t>destino</a:t>
-            </a:r>
-            <a:r>
-              <a:rPr lang="es-ES" sz="1600" dirty="0">
-                <a:solidFill>
-                  <a:schemeClr val="bg2">
-                    <a:lumMod val="25000"/>
-                  </a:schemeClr>
-                </a:solidFill>
-                <a:latin typeface="Calibri" panose="020F0502020204030204" pitchFamily="34" charset="0"/>
-                <a:cs typeface="Calibri" panose="020F0502020204030204" pitchFamily="34" charset="0"/>
-              </a:rPr>
-              <a:t>.</a:t>
-            </a:r>
-            <a:endParaRPr lang="es-ES" sz="1600" b="0" i="0" dirty="0">
-              <a:solidFill>
-                <a:srgbClr val="0A0A0A"/>
-              </a:solidFill>
-              <a:effectLst/>
-              <a:latin typeface="Calibri" panose="020F0502020204030204" pitchFamily="34" charset="0"/>
-              <a:cs typeface="Calibri" panose="020F0502020204030204" pitchFamily="34" charset="0"/>
-            </a:endParaRPr>
-          </a:p>
-        </p:txBody>
-      </p:sp>
-      <p:sp>
-        <p:nvSpPr>
-          <p:cNvPr id="5" name="CuadroTexto 4">
-            <a:extLst>
-              <a:ext uri="{FF2B5EF4-FFF2-40B4-BE49-F238E27FC236}">
-                <a16:creationId xmlns:a16="http://schemas.microsoft.com/office/drawing/2014/main" id="{A3855812-BF05-4DB8-83D5-E057950C8F68}"/>
-              </a:ext>
-            </a:extLst>
-          </p:cNvPr>
-          <p:cNvSpPr txBox="1"/>
-          <p:nvPr/>
-        </p:nvSpPr>
-        <p:spPr>
-          <a:xfrm>
-            <a:off x="721499" y="2538327"/>
-            <a:ext cx="5925199" cy="3512757"/>
-          </a:xfrm>
-          <a:prstGeom prst="rect">
-            <a:avLst/>
-          </a:prstGeom>
-          <a:noFill/>
-        </p:spPr>
-        <p:txBody>
-          <a:bodyPr wrap="square">
-            <a:spAutoFit/>
-          </a:bodyPr>
-          <a:lstStyle/>
-          <a:p>
-            <a:pPr algn="just" fontAlgn="base">
-              <a:lnSpc>
-                <a:spcPts val="3000"/>
-              </a:lnSpc>
-            </a:pPr>
-            <a:r>
-              <a:rPr lang="es-ES" sz="1600" dirty="0">
-                <a:solidFill>
-                  <a:schemeClr val="bg2">
-                    <a:lumMod val="25000"/>
-                  </a:schemeClr>
-                </a:solidFill>
-                <a:latin typeface="Calibri" panose="020F0502020204030204" pitchFamily="34" charset="0"/>
-                <a:cs typeface="Calibri" panose="020F0502020204030204" pitchFamily="34" charset="0"/>
-              </a:rPr>
-              <a:t>Los medios de red pueden clasificarse por tipo de conexión como:</a:t>
-            </a:r>
-          </a:p>
-          <a:p>
-            <a:pPr fontAlgn="base">
-              <a:lnSpc>
-                <a:spcPts val="3000"/>
-              </a:lnSpc>
-            </a:pPr>
-            <a:r>
-              <a:rPr lang="es-ES" sz="1600" b="1" dirty="0">
-                <a:solidFill>
-                  <a:srgbClr val="FF0000"/>
-                </a:solidFill>
-                <a:latin typeface="Calibri" panose="020F0502020204030204" pitchFamily="34" charset="0"/>
-                <a:cs typeface="Calibri" panose="020F0502020204030204" pitchFamily="34" charset="0"/>
-              </a:rPr>
-              <a:t>Guiados o dirigidos </a:t>
-            </a:r>
-            <a:r>
-              <a:rPr lang="es-ES" sz="1600" dirty="0">
-                <a:solidFill>
-                  <a:schemeClr val="bg2">
-                    <a:lumMod val="25000"/>
-                  </a:schemeClr>
-                </a:solidFill>
-                <a:latin typeface="Calibri" panose="020F0502020204030204" pitchFamily="34" charset="0"/>
-                <a:cs typeface="Calibri" panose="020F0502020204030204" pitchFamily="34" charset="0"/>
-              </a:rPr>
-              <a:t>(conformados por cables) </a:t>
-            </a:r>
-            <a:r>
-              <a:rPr lang="es-ES" sz="1600" b="1" dirty="0">
-                <a:solidFill>
-                  <a:schemeClr val="bg2">
-                    <a:lumMod val="25000"/>
-                  </a:schemeClr>
-                </a:solidFill>
-                <a:latin typeface="Calibri" panose="020F0502020204030204" pitchFamily="34" charset="0"/>
-                <a:cs typeface="Calibri" panose="020F0502020204030204" pitchFamily="34" charset="0"/>
-              </a:rPr>
-              <a:t>:</a:t>
-            </a:r>
-          </a:p>
-          <a:p>
-            <a:pPr marL="285750" indent="-285750" fontAlgn="base">
-              <a:lnSpc>
-                <a:spcPts val="3000"/>
-              </a:lnSpc>
-              <a:buFont typeface="Arial" panose="020B0604020202020204" pitchFamily="34" charset="0"/>
-              <a:buChar char="•"/>
-            </a:pPr>
-            <a:r>
-              <a:rPr lang="es-ES" sz="1600" dirty="0">
-                <a:solidFill>
-                  <a:schemeClr val="bg2">
-                    <a:lumMod val="25000"/>
-                  </a:schemeClr>
-                </a:solidFill>
-                <a:latin typeface="Calibri" panose="020F0502020204030204" pitchFamily="34" charset="0"/>
-                <a:cs typeface="Calibri" panose="020F0502020204030204" pitchFamily="34" charset="0"/>
-              </a:rPr>
-              <a:t>Cable coaxial</a:t>
-            </a:r>
-          </a:p>
-          <a:p>
-            <a:pPr marL="285750" indent="-285750" fontAlgn="base">
-              <a:lnSpc>
-                <a:spcPts val="3000"/>
-              </a:lnSpc>
-              <a:buFont typeface="Arial" panose="020B0604020202020204" pitchFamily="34" charset="0"/>
-              <a:buChar char="•"/>
-            </a:pPr>
-            <a:r>
-              <a:rPr lang="es-ES" sz="1600" dirty="0">
-                <a:solidFill>
-                  <a:schemeClr val="bg2">
-                    <a:lumMod val="25000"/>
-                  </a:schemeClr>
-                </a:solidFill>
-                <a:latin typeface="Calibri" panose="020F0502020204030204" pitchFamily="34" charset="0"/>
-                <a:cs typeface="Calibri" panose="020F0502020204030204" pitchFamily="34" charset="0"/>
-              </a:rPr>
-              <a:t>Par trenzado (UTP/STP)</a:t>
-            </a:r>
-          </a:p>
-          <a:p>
-            <a:pPr marL="285750" indent="-285750" fontAlgn="base">
-              <a:lnSpc>
-                <a:spcPts val="3000"/>
-              </a:lnSpc>
-              <a:buFont typeface="Arial" panose="020B0604020202020204" pitchFamily="34" charset="0"/>
-              <a:buChar char="•"/>
-            </a:pPr>
-            <a:r>
-              <a:rPr lang="es-ES" sz="1600" dirty="0">
-                <a:solidFill>
-                  <a:schemeClr val="bg2">
-                    <a:lumMod val="25000"/>
-                  </a:schemeClr>
-                </a:solidFill>
-                <a:latin typeface="Calibri" panose="020F0502020204030204" pitchFamily="34" charset="0"/>
-                <a:cs typeface="Calibri" panose="020F0502020204030204" pitchFamily="34" charset="0"/>
-              </a:rPr>
-              <a:t>Fibra óptica</a:t>
-            </a:r>
-          </a:p>
-          <a:p>
-            <a:pPr fontAlgn="base">
-              <a:lnSpc>
-                <a:spcPts val="3000"/>
-              </a:lnSpc>
-            </a:pPr>
-            <a:r>
-              <a:rPr lang="es-ES" sz="1600" b="1" dirty="0">
-                <a:solidFill>
-                  <a:srgbClr val="FF0000"/>
-                </a:solidFill>
-                <a:latin typeface="Calibri" panose="020F0502020204030204" pitchFamily="34" charset="0"/>
-                <a:cs typeface="Calibri" panose="020F0502020204030204" pitchFamily="34" charset="0"/>
-              </a:rPr>
-              <a:t>No guiados </a:t>
-            </a:r>
-            <a:r>
-              <a:rPr lang="es-ES" sz="1600" dirty="0">
-                <a:solidFill>
-                  <a:schemeClr val="bg2">
-                    <a:lumMod val="25000"/>
-                  </a:schemeClr>
-                </a:solidFill>
-                <a:latin typeface="Calibri" panose="020F0502020204030204" pitchFamily="34" charset="0"/>
-                <a:cs typeface="Calibri" panose="020F0502020204030204" pitchFamily="34" charset="0"/>
-              </a:rPr>
-              <a:t>(Inalámbricos) </a:t>
-            </a:r>
-            <a:r>
-              <a:rPr lang="es-ES" sz="1600" b="1" dirty="0">
-                <a:solidFill>
-                  <a:schemeClr val="bg2">
-                    <a:lumMod val="25000"/>
-                  </a:schemeClr>
-                </a:solidFill>
-                <a:latin typeface="Calibri" panose="020F0502020204030204" pitchFamily="34" charset="0"/>
-                <a:cs typeface="Calibri" panose="020F0502020204030204" pitchFamily="34" charset="0"/>
-              </a:rPr>
-              <a:t>:</a:t>
-            </a:r>
-          </a:p>
-          <a:p>
-            <a:pPr marL="285750" indent="-285750" fontAlgn="base">
-              <a:lnSpc>
-                <a:spcPts val="3000"/>
-              </a:lnSpc>
-              <a:buFont typeface="Arial" panose="020B0604020202020204" pitchFamily="34" charset="0"/>
-              <a:buChar char="•"/>
-            </a:pPr>
-            <a:r>
-              <a:rPr lang="es-ES" sz="1600" dirty="0">
-                <a:solidFill>
-                  <a:schemeClr val="bg2">
-                    <a:lumMod val="25000"/>
-                  </a:schemeClr>
-                </a:solidFill>
-                <a:latin typeface="Calibri" panose="020F0502020204030204" pitchFamily="34" charset="0"/>
-                <a:cs typeface="Calibri" panose="020F0502020204030204" pitchFamily="34" charset="0"/>
-              </a:rPr>
-              <a:t>Ondas de radio (Wi-Fi y Bluetooth)</a:t>
-            </a:r>
-          </a:p>
-          <a:p>
-            <a:pPr marL="285750" indent="-285750" fontAlgn="base">
-              <a:lnSpc>
-                <a:spcPts val="3000"/>
-              </a:lnSpc>
-              <a:buFont typeface="Arial" panose="020B0604020202020204" pitchFamily="34" charset="0"/>
-              <a:buChar char="•"/>
-            </a:pPr>
-            <a:r>
-              <a:rPr lang="es-ES" sz="1600" dirty="0">
-                <a:solidFill>
-                  <a:schemeClr val="bg2">
-                    <a:lumMod val="25000"/>
-                  </a:schemeClr>
-                </a:solidFill>
-                <a:latin typeface="Calibri" panose="020F0502020204030204" pitchFamily="34" charset="0"/>
-                <a:cs typeface="Calibri" panose="020F0502020204030204" pitchFamily="34" charset="0"/>
-              </a:rPr>
-              <a:t>Infrarrojas</a:t>
-            </a:r>
-          </a:p>
-          <a:p>
-            <a:pPr marL="285750" indent="-285750" fontAlgn="base">
-              <a:lnSpc>
-                <a:spcPts val="3000"/>
-              </a:lnSpc>
-              <a:buFont typeface="Arial" panose="020B0604020202020204" pitchFamily="34" charset="0"/>
-              <a:buChar char="•"/>
-            </a:pPr>
-            <a:r>
-              <a:rPr lang="es-ES" sz="1600" dirty="0">
-                <a:solidFill>
-                  <a:schemeClr val="bg2">
-                    <a:lumMod val="25000"/>
-                  </a:schemeClr>
-                </a:solidFill>
-                <a:latin typeface="Calibri" panose="020F0502020204030204" pitchFamily="34" charset="0"/>
-                <a:cs typeface="Calibri" panose="020F0502020204030204" pitchFamily="34" charset="0"/>
-              </a:rPr>
-              <a:t>Microondas</a:t>
-            </a:r>
-            <a:endParaRPr lang="es-ES" sz="1600" b="0" i="0" dirty="0">
-              <a:solidFill>
-                <a:srgbClr val="0A0A0A"/>
-              </a:solidFill>
-              <a:effectLst/>
-              <a:latin typeface="Calibri" panose="020F0502020204030204" pitchFamily="34" charset="0"/>
-              <a:cs typeface="Calibri" panose="020F0502020204030204" pitchFamily="34" charset="0"/>
-            </a:endParaRPr>
-          </a:p>
-        </p:txBody>
-      </p:sp>
-      <p:pic>
-        <p:nvPicPr>
-          <p:cNvPr id="4" name="Imagen 3">
-            <a:extLst>
-              <a:ext uri="{FF2B5EF4-FFF2-40B4-BE49-F238E27FC236}">
-                <a16:creationId xmlns:a16="http://schemas.microsoft.com/office/drawing/2014/main" id="{3B1B0125-E78A-45B9-B265-14CEA3883C80}"/>
-              </a:ext>
-            </a:extLst>
-          </p:cNvPr>
-          <p:cNvPicPr>
-            <a:picLocks noChangeAspect="1"/>
-          </p:cNvPicPr>
-          <p:nvPr/>
-        </p:nvPicPr>
-        <p:blipFill>
-          <a:blip r:embed="rId3"/>
-          <a:stretch>
-            <a:fillRect/>
-          </a:stretch>
-        </p:blipFill>
-        <p:spPr>
-          <a:xfrm>
-            <a:off x="2603043" y="5952615"/>
-            <a:ext cx="5828789" cy="616166"/>
-          </a:xfrm>
-          <a:prstGeom prst="rect">
-            <a:avLst/>
-          </a:prstGeom>
-        </p:spPr>
-      </p:pic>
-      <p:pic>
-        <p:nvPicPr>
-          <p:cNvPr id="11" name="Imagen 10" descr="Diagrama&#10;&#10;Descripción generada automáticamente">
-            <a:extLst>
-              <a:ext uri="{FF2B5EF4-FFF2-40B4-BE49-F238E27FC236}">
-                <a16:creationId xmlns:a16="http://schemas.microsoft.com/office/drawing/2014/main" id="{9E1E7EDD-38B5-4D3F-BFF2-E1A47AB2B6D9}"/>
-              </a:ext>
-            </a:extLst>
-          </p:cNvPr>
-          <p:cNvPicPr>
-            <a:picLocks noChangeAspect="1"/>
-          </p:cNvPicPr>
-          <p:nvPr/>
-        </p:nvPicPr>
-        <p:blipFill>
-          <a:blip r:embed="rId4">
-            <a:extLst>
-              <a:ext uri="{28A0092B-C50C-407E-A947-70E740481C1C}">
-                <a14:useLocalDpi xmlns:a14="http://schemas.microsoft.com/office/drawing/2010/main" val="0"/>
-              </a:ext>
-            </a:extLst>
-          </a:blip>
-          <a:stretch>
-            <a:fillRect/>
-          </a:stretch>
-        </p:blipFill>
-        <p:spPr>
-          <a:xfrm>
-            <a:off x="4990974" y="3573016"/>
-            <a:ext cx="2548291" cy="1961076"/>
-          </a:xfrm>
-          <a:prstGeom prst="rect">
-            <a:avLst/>
-          </a:prstGeom>
-        </p:spPr>
-      </p:pic>
-    </p:spTree>
-    <p:extLst>
-      <p:ext uri="{BB962C8B-B14F-4D97-AF65-F5344CB8AC3E}">
-        <p14:creationId xmlns:p14="http://schemas.microsoft.com/office/powerpoint/2010/main" val="582794674"/>
-      </p:ext>
-    </p:extLst>
-  </p:cSld>
-  <p:clrMapOvr>
-    <a:masterClrMapping/>
-  </p:clrMapOvr>
-  <p:transition/>
-  <p:timing>
-    <p:tnLst>
-      <p:par>
-        <p:cTn id="1" dur="indefinite" restart="never" nodeType="tmRoot">
-          <p:childTnLst>
-            <p:seq concurrent="1" nextAc="seek">
-              <p:cTn id="2" dur="indefinite" nodeType="mainSeq">
-                <p:childTnLst>
-                  <p:par>
-                    <p:cTn id="3" fill="hold">
-                      <p:stCondLst>
-                        <p:cond delay="indefinite"/>
-                      </p:stCondLst>
-                      <p:childTnLst>
-                        <p:par>
-                          <p:cTn id="4" fill="hold">
-                            <p:stCondLst>
-                              <p:cond delay="0"/>
-                            </p:stCondLst>
-                            <p:childTnLst>
-                              <p:par>
-                                <p:cTn id="5" presetID="1" presetClass="entr" presetSubtype="0" fill="hold" grpId="0" nodeType="clickEffect">
-                                  <p:stCondLst>
-                                    <p:cond delay="0"/>
-                                  </p:stCondLst>
-                                  <p:childTnLst>
-                                    <p:set>
-                                      <p:cBhvr>
-                                        <p:cTn id="6" dur="1" fill="hold">
-                                          <p:stCondLst>
-                                            <p:cond delay="0"/>
-                                          </p:stCondLst>
-                                        </p:cTn>
-                                        <p:tgtEl>
-                                          <p:spTgt spid="9"/>
-                                        </p:tgtEl>
-                                        <p:attrNameLst>
-                                          <p:attrName>style.visibility</p:attrName>
-                                        </p:attrNameLst>
-                                      </p:cBhvr>
-                                      <p:to>
-                                        <p:strVal val="visible"/>
-                                      </p:to>
-                                    </p:set>
-                                  </p:childTnLst>
-                                </p:cTn>
-                              </p:par>
-                            </p:childTnLst>
-                          </p:cTn>
-                        </p:par>
-                      </p:childTnLst>
-                    </p:cTn>
-                  </p:par>
-                  <p:par>
-                    <p:cTn id="7" fill="hold">
-                      <p:stCondLst>
-                        <p:cond delay="indefinite"/>
-                      </p:stCondLst>
-                      <p:childTnLst>
-                        <p:par>
-                          <p:cTn id="8" fill="hold">
-                            <p:stCondLst>
-                              <p:cond delay="0"/>
-                            </p:stCondLst>
-                            <p:childTnLst>
-                              <p:par>
-                                <p:cTn id="9" presetID="1" presetClass="entr" presetSubtype="0" fill="hold" grpId="0" nodeType="clickEffect">
-                                  <p:stCondLst>
-                                    <p:cond delay="0"/>
-                                  </p:stCondLst>
-                                  <p:childTnLst>
-                                    <p:set>
-                                      <p:cBhvr>
-                                        <p:cTn id="10" dur="1" fill="hold">
-                                          <p:stCondLst>
-                                            <p:cond delay="0"/>
-                                          </p:stCondLst>
-                                        </p:cTn>
-                                        <p:tgtEl>
-                                          <p:spTgt spid="5"/>
-                                        </p:tgtEl>
-                                        <p:attrNameLst>
-                                          <p:attrName>style.visibility</p:attrName>
-                                        </p:attrNameLst>
-                                      </p:cBhvr>
-                                      <p:to>
-                                        <p:strVal val="visible"/>
-                                      </p:to>
-                                    </p:set>
-                                  </p:childTnLst>
-                                </p:cTn>
-                              </p:par>
-                            </p:childTnLst>
-                          </p:cTn>
-                        </p:par>
-                      </p:childTnLst>
-                    </p:cTn>
-                  </p:par>
-                </p:childTnLst>
-              </p:cTn>
-              <p:prevCondLst>
-                <p:cond evt="onPrev" delay="0">
-                  <p:tgtEl>
-                    <p:sldTgt/>
-                  </p:tgtEl>
-                </p:cond>
-              </p:prevCondLst>
-              <p:nextCondLst>
-                <p:cond evt="onNext" delay="0">
-                  <p:tgtEl>
-                    <p:sldTgt/>
-                  </p:tgtEl>
-                </p:cond>
-              </p:nextCondLst>
-            </p:seq>
-          </p:childTnLst>
-        </p:cTn>
-      </p:par>
-    </p:tnLst>
-    <p:bldLst>
-      <p:bldP spid="9" grpId="0"/>
-      <p:bldP spid="5" grpId="0"/>
     </p:bldLst>
   </p:timing>
 </p:sld>
@@ -13160,345 +8800,6 @@
         </p:nvSpPr>
         <p:spPr bwMode="auto">
           <a:xfrm>
-            <a:off x="1017423" y="1628800"/>
-            <a:ext cx="7488832" cy="1015663"/>
-          </a:xfrm>
-          <a:prstGeom prst="rect">
-            <a:avLst/>
-          </a:prstGeom>
-          <a:noFill/>
-          <a:ln>
-            <a:noFill/>
-          </a:ln>
-          <a:extLst>
-            <a:ext uri="{909E8E84-426E-40DD-AFC4-6F175D3DCCD1}">
-              <a14:hiddenFill xmlns:a14="http://schemas.microsoft.com/office/drawing/2010/main">
-                <a:solidFill>
-                  <a:srgbClr val="FFFFFF"/>
-                </a:solidFill>
-              </a14:hiddenFill>
-            </a:ext>
-            <a:ext uri="{91240B29-F687-4F45-9708-019B960494DF}">
-              <a14:hiddenLine xmlns:a14="http://schemas.microsoft.com/office/drawing/2010/main" w="9525">
-                <a:solidFill>
-                  <a:srgbClr val="000000"/>
-                </a:solidFill>
-                <a:miter lim="800000"/>
-                <a:headEnd/>
-                <a:tailEnd/>
-              </a14:hiddenLine>
-            </a:ext>
-          </a:extLst>
-        </p:spPr>
-        <p:txBody>
-          <a:bodyPr wrap="square">
-            <a:spAutoFit/>
-          </a:bodyPr>
-          <a:lstStyle>
-            <a:lvl1pPr eaLnBrk="0" hangingPunct="0">
-              <a:defRPr>
-                <a:solidFill>
-                  <a:schemeClr val="tx1"/>
-                </a:solidFill>
-                <a:latin typeface="Arial" pitchFamily="34" charset="0"/>
-              </a:defRPr>
-            </a:lvl1pPr>
-            <a:lvl2pPr marL="742950" indent="-285750" eaLnBrk="0" hangingPunct="0">
-              <a:defRPr>
-                <a:solidFill>
-                  <a:schemeClr val="tx1"/>
-                </a:solidFill>
-                <a:latin typeface="Arial" pitchFamily="34" charset="0"/>
-              </a:defRPr>
-            </a:lvl2pPr>
-            <a:lvl3pPr marL="1143000" indent="-228600" eaLnBrk="0" hangingPunct="0">
-              <a:defRPr>
-                <a:solidFill>
-                  <a:schemeClr val="tx1"/>
-                </a:solidFill>
-                <a:latin typeface="Arial" pitchFamily="34" charset="0"/>
-              </a:defRPr>
-            </a:lvl3pPr>
-            <a:lvl4pPr marL="1600200" indent="-228600" eaLnBrk="0" hangingPunct="0">
-              <a:defRPr>
-                <a:solidFill>
-                  <a:schemeClr val="tx1"/>
-                </a:solidFill>
-                <a:latin typeface="Arial" pitchFamily="34" charset="0"/>
-              </a:defRPr>
-            </a:lvl4pPr>
-            <a:lvl5pPr marL="2057400" indent="-228600" eaLnBrk="0" hangingPunct="0">
-              <a:defRPr>
-                <a:solidFill>
-                  <a:schemeClr val="tx1"/>
-                </a:solidFill>
-                <a:latin typeface="Arial" pitchFamily="34" charset="0"/>
-              </a:defRPr>
-            </a:lvl5pPr>
-            <a:lvl6pPr marL="2514600" indent="-228600" eaLnBrk="0" fontAlgn="base" hangingPunct="0">
-              <a:spcBef>
-                <a:spcPct val="0"/>
-              </a:spcBef>
-              <a:spcAft>
-                <a:spcPct val="0"/>
-              </a:spcAft>
-              <a:defRPr>
-                <a:solidFill>
-                  <a:schemeClr val="tx1"/>
-                </a:solidFill>
-                <a:latin typeface="Arial" pitchFamily="34" charset="0"/>
-              </a:defRPr>
-            </a:lvl6pPr>
-            <a:lvl7pPr marL="2971800" indent="-228600" eaLnBrk="0" fontAlgn="base" hangingPunct="0">
-              <a:spcBef>
-                <a:spcPct val="0"/>
-              </a:spcBef>
-              <a:spcAft>
-                <a:spcPct val="0"/>
-              </a:spcAft>
-              <a:defRPr>
-                <a:solidFill>
-                  <a:schemeClr val="tx1"/>
-                </a:solidFill>
-                <a:latin typeface="Arial" pitchFamily="34" charset="0"/>
-              </a:defRPr>
-            </a:lvl7pPr>
-            <a:lvl8pPr marL="3429000" indent="-228600" eaLnBrk="0" fontAlgn="base" hangingPunct="0">
-              <a:spcBef>
-                <a:spcPct val="0"/>
-              </a:spcBef>
-              <a:spcAft>
-                <a:spcPct val="0"/>
-              </a:spcAft>
-              <a:defRPr>
-                <a:solidFill>
-                  <a:schemeClr val="tx1"/>
-                </a:solidFill>
-                <a:latin typeface="Arial" pitchFamily="34" charset="0"/>
-              </a:defRPr>
-            </a:lvl8pPr>
-            <a:lvl9pPr marL="3886200" indent="-228600" eaLnBrk="0" fontAlgn="base" hangingPunct="0">
-              <a:spcBef>
-                <a:spcPct val="0"/>
-              </a:spcBef>
-              <a:spcAft>
-                <a:spcPct val="0"/>
-              </a:spcAft>
-              <a:defRPr>
-                <a:solidFill>
-                  <a:schemeClr val="tx1"/>
-                </a:solidFill>
-                <a:latin typeface="Arial" pitchFamily="34" charset="0"/>
-              </a:defRPr>
-            </a:lvl9pPr>
-          </a:lstStyle>
-          <a:p>
-            <a:pPr algn="ctr">
-              <a:lnSpc>
-                <a:spcPct val="150000"/>
-              </a:lnSpc>
-              <a:spcBef>
-                <a:spcPts val="600"/>
-              </a:spcBef>
-            </a:pPr>
-            <a:r>
-              <a:rPr lang="es-MX" sz="2000" b="1" dirty="0">
-                <a:solidFill>
-                  <a:schemeClr val="accent6">
-                    <a:lumMod val="75000"/>
-                  </a:schemeClr>
-                </a:solidFill>
-                <a:latin typeface="+mn-lt"/>
-              </a:rPr>
-              <a:t>Son las que usan las empresas u organizaciones para conectar sus equipos entre sí y compartir hardware, software e información. </a:t>
-            </a:r>
-          </a:p>
-        </p:txBody>
-      </p:sp>
-      <p:sp>
-        <p:nvSpPr>
-          <p:cNvPr id="5" name="Rectangle 2"/>
-          <p:cNvSpPr txBox="1">
-            <a:spLocks noChangeArrowheads="1"/>
-          </p:cNvSpPr>
-          <p:nvPr/>
-        </p:nvSpPr>
-        <p:spPr>
-          <a:xfrm>
-            <a:off x="144016" y="44624"/>
-            <a:ext cx="8748464" cy="1503040"/>
-          </a:xfrm>
-          <a:prstGeom prst="rect">
-            <a:avLst/>
-          </a:prstGeom>
-        </p:spPr>
-        <p:txBody>
-          <a:bodyPr vert="horz" lIns="92075" tIns="46038" rIns="92075" bIns="46038" rtlCol="0" anchor="ctr">
-            <a:noAutofit/>
-          </a:bodyPr>
-          <a:lstStyle>
-            <a:lvl1pPr algn="ctr" defTabSz="914400" rtl="0" eaLnBrk="1" latinLnBrk="0" hangingPunct="1">
-              <a:spcBef>
-                <a:spcPct val="0"/>
-              </a:spcBef>
-              <a:buNone/>
-              <a:defRPr sz="4400" kern="1200">
-                <a:solidFill>
-                  <a:schemeClr val="tx1"/>
-                </a:solidFill>
-                <a:latin typeface="+mj-lt"/>
-                <a:ea typeface="+mj-ea"/>
-                <a:cs typeface="+mj-cs"/>
-              </a:defRPr>
-            </a:lvl1pPr>
-          </a:lstStyle>
-          <a:p>
-            <a:pPr>
-              <a:lnSpc>
-                <a:spcPts val="4000"/>
-              </a:lnSpc>
-              <a:defRPr/>
-            </a:pPr>
-            <a:r>
-              <a:rPr lang="es-ES_tradnl" sz="3200" dirty="0">
-                <a:solidFill>
-                  <a:srgbClr val="3333CC"/>
-                </a:solidFill>
-                <a:effectLst>
-                  <a:outerShdw blurRad="38100" dist="38100" dir="2700000" algn="tl">
-                    <a:srgbClr val="C0C0C0"/>
-                  </a:outerShdw>
-                </a:effectLst>
-                <a:latin typeface="Dom Casual" charset="0"/>
-              </a:rPr>
-              <a:t> </a:t>
-            </a:r>
-            <a:r>
-              <a:rPr lang="es-ES_tradnl" sz="3200" b="1" dirty="0">
-                <a:solidFill>
-                  <a:schemeClr val="accent4">
-                    <a:lumMod val="50000"/>
-                  </a:schemeClr>
-                </a:solidFill>
-                <a:effectLst>
-                  <a:outerShdw blurRad="38100" dist="38100" dir="2700000" algn="tl">
-                    <a:srgbClr val="C0C0C0"/>
-                  </a:outerShdw>
-                </a:effectLst>
-                <a:latin typeface="Dom Casual" charset="0"/>
-              </a:rPr>
-              <a:t>LAN</a:t>
-            </a:r>
-          </a:p>
-          <a:p>
-            <a:pPr>
-              <a:lnSpc>
-                <a:spcPts val="4000"/>
-              </a:lnSpc>
-              <a:defRPr/>
-            </a:pPr>
-            <a:r>
-              <a:rPr lang="es-MX" sz="2400" b="1" dirty="0">
-                <a:solidFill>
-                  <a:schemeClr val="accent3">
-                    <a:lumMod val="75000"/>
-                  </a:schemeClr>
-                </a:solidFill>
-              </a:rPr>
-              <a:t>(Local Area Network o Red de Área Local)</a:t>
-            </a:r>
-            <a:endParaRPr lang="es-ES_tradnl" sz="3200" b="1" dirty="0">
-              <a:solidFill>
-                <a:schemeClr val="accent3">
-                  <a:lumMod val="75000"/>
-                </a:schemeClr>
-              </a:solidFill>
-              <a:effectLst>
-                <a:outerShdw blurRad="38100" dist="38100" dir="2700000" algn="tl">
-                  <a:srgbClr val="C0C0C0"/>
-                </a:outerShdw>
-              </a:effectLst>
-              <a:latin typeface="Dom Casual" charset="0"/>
-            </a:endParaRPr>
-          </a:p>
-        </p:txBody>
-      </p:sp>
-      <p:pic>
-        <p:nvPicPr>
-          <p:cNvPr id="8" name="Imagen 7" descr="Una computadora en una mesa&#10;&#10;Descripción generada automáticamente con confianza media">
-            <a:extLst>
-              <a:ext uri="{FF2B5EF4-FFF2-40B4-BE49-F238E27FC236}">
-                <a16:creationId xmlns:a16="http://schemas.microsoft.com/office/drawing/2014/main" id="{E39B9F3D-1476-4459-A2C9-D283DB42DEF3}"/>
-              </a:ext>
-            </a:extLst>
-          </p:cNvPr>
-          <p:cNvPicPr>
-            <a:picLocks noChangeAspect="1"/>
-          </p:cNvPicPr>
-          <p:nvPr/>
-        </p:nvPicPr>
-        <p:blipFill>
-          <a:blip r:embed="rId3">
-            <a:extLst>
-              <a:ext uri="{28A0092B-C50C-407E-A947-70E740481C1C}">
-                <a14:useLocalDpi xmlns:a14="http://schemas.microsoft.com/office/drawing/2010/main" val="0"/>
-              </a:ext>
-            </a:extLst>
-          </a:blip>
-          <a:stretch>
-            <a:fillRect/>
-          </a:stretch>
-        </p:blipFill>
-        <p:spPr>
-          <a:xfrm>
-            <a:off x="2190750" y="2924944"/>
-            <a:ext cx="4762500" cy="3276600"/>
-          </a:xfrm>
-          <a:prstGeom prst="rect">
-            <a:avLst/>
-          </a:prstGeom>
-        </p:spPr>
-      </p:pic>
-    </p:spTree>
-    <p:extLst>
-      <p:ext uri="{BB962C8B-B14F-4D97-AF65-F5344CB8AC3E}">
-        <p14:creationId xmlns:p14="http://schemas.microsoft.com/office/powerpoint/2010/main" val="747914728"/>
-      </p:ext>
-    </p:extLst>
-  </p:cSld>
-  <p:clrMapOvr>
-    <a:masterClrMapping/>
-  </p:clrMapOvr>
-</p:sld>
-</file>
-
-<file path=ppt/slides/slide5.xml><?xml version="1.0" encoding="utf-8"?>
-<p:sld xmlns:a="http://schemas.openxmlformats.org/drawingml/2006/main" xmlns:r="http://schemas.openxmlformats.org/officeDocument/2006/relationships" xmlns:p="http://schemas.openxmlformats.org/presentationml/2006/main">
-  <p:cSld>
-    <p:spTree>
-      <p:nvGrpSpPr>
-        <p:cNvPr id="1" name=""/>
-        <p:cNvGrpSpPr/>
-        <p:nvPr/>
-      </p:nvGrpSpPr>
-      <p:grpSpPr>
-        <a:xfrm>
-          <a:off x="0" y="0"/>
-          <a:ext cx="0" cy="0"/>
-          <a:chOff x="0" y="0"/>
-          <a:chExt cx="0" cy="0"/>
-        </a:xfrm>
-      </p:grpSpPr>
-      <p:sp>
-        <p:nvSpPr>
-          <p:cNvPr id="4099" name="Text Box 3"/>
-          <p:cNvSpPr txBox="1">
-            <a:spLocks noChangeArrowheads="1"/>
-          </p:cNvSpPr>
-          <p:nvPr/>
-        </p:nvSpPr>
-        <p:spPr bwMode="auto">
-          <a:xfrm>
             <a:off x="827584" y="2389973"/>
             <a:ext cx="7776864" cy="1506566"/>
           </a:xfrm>
@@ -14108,7 +9409,7 @@
 </p:sld>
 </file>
 
-<file path=ppt/slides/slide6.xml><?xml version="1.0" encoding="utf-8"?>
+<file path=ppt/slides/slide5.xml><?xml version="1.0" encoding="utf-8"?>
 <p:sld xmlns:a="http://schemas.openxmlformats.org/drawingml/2006/main" xmlns:r="http://schemas.openxmlformats.org/officeDocument/2006/relationships" xmlns:p="http://schemas.openxmlformats.org/presentationml/2006/main">
   <p:cSld>
     <p:spTree>
@@ -14125,9 +9426,141 @@
           <a:chExt cx="0" cy="0"/>
         </a:xfrm>
       </p:grpSpPr>
+      <p:sp>
+        <p:nvSpPr>
+          <p:cNvPr id="3" name="object 3"/>
+          <p:cNvSpPr txBox="1"/>
+          <p:nvPr/>
+        </p:nvSpPr>
+        <p:spPr>
+          <a:xfrm>
+            <a:off x="2765472" y="985640"/>
+            <a:ext cx="3648551" cy="323165"/>
+          </a:xfrm>
+          <a:prstGeom prst="rect">
+            <a:avLst/>
+          </a:prstGeom>
+        </p:spPr>
+        <p:txBody>
+          <a:bodyPr vert="horz" wrap="square" lIns="0" tIns="0" rIns="0" bIns="0" rtlCol="0">
+            <a:spAutoFit/>
+          </a:bodyPr>
+          <a:lstStyle/>
+          <a:p>
+            <a:pPr marL="9525" algn="ctr"/>
+            <a:r>
+              <a:rPr lang="es-ES" sz="2100" b="1" spc="-8" dirty="0">
+                <a:solidFill>
+                  <a:schemeClr val="accent6">
+                    <a:lumMod val="75000"/>
+                  </a:schemeClr>
+                </a:solidFill>
+                <a:latin typeface="Calibri"/>
+                <a:cs typeface="Calibri"/>
+              </a:rPr>
+              <a:t>Dispositivos intermediarios</a:t>
+            </a:r>
+            <a:endParaRPr sz="2100" dirty="0">
+              <a:solidFill>
+                <a:schemeClr val="accent6">
+                  <a:lumMod val="75000"/>
+                </a:schemeClr>
+              </a:solidFill>
+              <a:latin typeface="Calibri"/>
+              <a:cs typeface="Calibri"/>
+            </a:endParaRPr>
+          </a:p>
+        </p:txBody>
+      </p:sp>
+      <p:sp>
+        <p:nvSpPr>
+          <p:cNvPr id="6" name="Rectangle 2">
+            <a:extLst>
+              <a:ext uri="{FF2B5EF4-FFF2-40B4-BE49-F238E27FC236}">
+                <a16:creationId xmlns:a16="http://schemas.microsoft.com/office/drawing/2014/main" id="{A7C1FB87-3324-41B6-B2C2-1CEDEA7F7814}"/>
+              </a:ext>
+            </a:extLst>
+          </p:cNvPr>
+          <p:cNvSpPr txBox="1">
+            <a:spLocks noChangeArrowheads="1"/>
+          </p:cNvSpPr>
+          <p:nvPr/>
+        </p:nvSpPr>
+        <p:spPr>
+          <a:xfrm>
+            <a:off x="35496" y="120147"/>
+            <a:ext cx="8964488" cy="1143000"/>
+          </a:xfrm>
+          <a:prstGeom prst="rect">
+            <a:avLst/>
+          </a:prstGeom>
+        </p:spPr>
+        <p:txBody>
+          <a:bodyPr vert="horz" lIns="92075" tIns="46038" rIns="92075" bIns="46038" rtlCol="0" anchor="ctr">
+            <a:noAutofit/>
+          </a:bodyPr>
+          <a:lstStyle>
+            <a:lvl1pPr algn="ctr" defTabSz="914400" rtl="0" eaLnBrk="1" latinLnBrk="0" hangingPunct="1">
+              <a:spcBef>
+                <a:spcPct val="0"/>
+              </a:spcBef>
+              <a:buNone/>
+              <a:defRPr sz="4400" kern="1200">
+                <a:solidFill>
+                  <a:schemeClr val="tx1"/>
+                </a:solidFill>
+                <a:latin typeface="+mj-lt"/>
+                <a:ea typeface="+mj-ea"/>
+                <a:cs typeface="+mj-cs"/>
+              </a:defRPr>
+            </a:lvl1pPr>
+          </a:lstStyle>
+          <a:p>
+            <a:pPr>
+              <a:defRPr/>
+            </a:pPr>
+            <a:r>
+              <a:rPr lang="es-ES_tradnl" sz="3200" dirty="0">
+                <a:solidFill>
+                  <a:srgbClr val="3333CC"/>
+                </a:solidFill>
+                <a:effectLst>
+                  <a:outerShdw blurRad="38100" dist="38100" dir="2700000" algn="tl">
+                    <a:srgbClr val="C0C0C0"/>
+                  </a:outerShdw>
+                </a:effectLst>
+                <a:latin typeface="Dom Casual" charset="0"/>
+              </a:rPr>
+              <a:t> </a:t>
+            </a:r>
+            <a:r>
+              <a:rPr lang="es-ES_tradnl" sz="3200" b="1" dirty="0">
+                <a:solidFill>
+                  <a:schemeClr val="accent4">
+                    <a:lumMod val="50000"/>
+                  </a:schemeClr>
+                </a:solidFill>
+                <a:effectLst>
+                  <a:outerShdw blurRad="38100" dist="38100" dir="2700000" algn="tl">
+                    <a:srgbClr val="C0C0C0"/>
+                  </a:outerShdw>
+                </a:effectLst>
+                <a:latin typeface="Dom Casual" charset="0"/>
+              </a:rPr>
+              <a:t>Tipos de dispositivos</a:t>
+            </a:r>
+          </a:p>
+        </p:txBody>
+      </p:sp>
       <p:pic>
         <p:nvPicPr>
-          <p:cNvPr id="3" name="Imagen 2"/>
+          <p:cNvPr id="2" name="Imagen 1">
+            <a:extLst>
+              <a:ext uri="{FF2B5EF4-FFF2-40B4-BE49-F238E27FC236}">
+                <a16:creationId xmlns:a16="http://schemas.microsoft.com/office/drawing/2014/main" id="{59D306B8-23F6-C458-A619-6163AB22F28E}"/>
+              </a:ext>
+            </a:extLst>
+          </p:cNvPr>
           <p:cNvPicPr>
             <a:picLocks noChangeAspect="1"/>
           </p:cNvPicPr>
@@ -14141,8 +9574,8 @@
         </p:blipFill>
         <p:spPr>
           <a:xfrm>
-            <a:off x="5668456" y="4278336"/>
-            <a:ext cx="2863984" cy="2363609"/>
+            <a:off x="3869668" y="2901996"/>
+            <a:ext cx="4461147" cy="2592288"/>
           </a:xfrm>
           <a:prstGeom prst="rect">
             <a:avLst/>
@@ -14151,115 +9584,13 @@
       </p:pic>
       <p:sp>
         <p:nvSpPr>
-          <p:cNvPr id="5" name="Rectangle 2"/>
-          <p:cNvSpPr txBox="1">
-            <a:spLocks noChangeArrowheads="1"/>
-          </p:cNvSpPr>
-          <p:nvPr/>
-        </p:nvSpPr>
-        <p:spPr>
-          <a:xfrm>
-            <a:off x="144016" y="44624"/>
-            <a:ext cx="8964488" cy="1503040"/>
-          </a:xfrm>
-          <a:prstGeom prst="rect">
-            <a:avLst/>
-          </a:prstGeom>
-        </p:spPr>
-        <p:txBody>
-          <a:bodyPr vert="horz" lIns="92075" tIns="46038" rIns="92075" bIns="46038" rtlCol="0" anchor="ctr">
-            <a:noAutofit/>
-          </a:bodyPr>
-          <a:lstStyle>
-            <a:lvl1pPr algn="ctr" defTabSz="914400" rtl="0" eaLnBrk="1" latinLnBrk="0" hangingPunct="1">
-              <a:spcBef>
-                <a:spcPct val="0"/>
-              </a:spcBef>
-              <a:buNone/>
-              <a:defRPr sz="4400" kern="1200">
-                <a:solidFill>
-                  <a:schemeClr val="tx1"/>
-                </a:solidFill>
-                <a:latin typeface="+mj-lt"/>
-                <a:ea typeface="+mj-ea"/>
-                <a:cs typeface="+mj-cs"/>
-              </a:defRPr>
-            </a:lvl1pPr>
-          </a:lstStyle>
-          <a:p>
-            <a:pPr>
-              <a:lnSpc>
-                <a:spcPts val="4000"/>
-              </a:lnSpc>
-              <a:defRPr/>
-            </a:pPr>
-            <a:r>
-              <a:rPr lang="es-ES_tradnl" sz="3200" dirty="0">
-                <a:solidFill>
-                  <a:srgbClr val="3333CC"/>
-                </a:solidFill>
-                <a:effectLst>
-                  <a:outerShdw blurRad="38100" dist="38100" dir="2700000" algn="tl">
-                    <a:srgbClr val="C0C0C0"/>
-                  </a:outerShdw>
-                </a:effectLst>
-                <a:latin typeface="Dom Casual" charset="0"/>
-              </a:rPr>
-              <a:t> </a:t>
-            </a:r>
-            <a:r>
-              <a:rPr lang="es-ES_tradnl" sz="3200" b="1" dirty="0">
-                <a:solidFill>
-                  <a:schemeClr val="accent4">
-                    <a:lumMod val="50000"/>
-                  </a:schemeClr>
-                </a:solidFill>
-                <a:effectLst>
-                  <a:outerShdw blurRad="38100" dist="38100" dir="2700000" algn="tl">
-                    <a:srgbClr val="C0C0C0"/>
-                  </a:outerShdw>
-                </a:effectLst>
-                <a:latin typeface="Dom Casual" charset="0"/>
-              </a:rPr>
-              <a:t>WAN</a:t>
-            </a:r>
-          </a:p>
-          <a:p>
-            <a:pPr>
-              <a:lnSpc>
-                <a:spcPts val="4000"/>
-              </a:lnSpc>
-              <a:defRPr/>
-            </a:pPr>
-            <a:r>
-              <a:rPr lang="es-MX" sz="2400" b="1" dirty="0">
-                <a:solidFill>
-                  <a:schemeClr val="accent3">
-                    <a:lumMod val="75000"/>
-                  </a:schemeClr>
-                </a:solidFill>
-              </a:rPr>
-              <a:t>(Wide Area Network, o Red de Área Amplia)</a:t>
-            </a:r>
-            <a:endParaRPr lang="es-ES_tradnl" sz="3200" b="1" dirty="0">
-              <a:solidFill>
-                <a:schemeClr val="accent3">
-                  <a:lumMod val="75000"/>
-                </a:schemeClr>
-              </a:solidFill>
-              <a:effectLst>
-                <a:outerShdw blurRad="38100" dist="38100" dir="2700000" algn="tl">
-                  <a:srgbClr val="C0C0C0"/>
-                </a:outerShdw>
-              </a:effectLst>
-              <a:latin typeface="Dom Casual" charset="0"/>
-            </a:endParaRPr>
-          </a:p>
-        </p:txBody>
-      </p:sp>
-      <p:sp>
-        <p:nvSpPr>
-          <p:cNvPr id="6" name="Rectangle 3"/>
+          <p:cNvPr id="7" name="Text Box 3">
+            <a:extLst>
+              <a:ext uri="{FF2B5EF4-FFF2-40B4-BE49-F238E27FC236}">
+                <a16:creationId xmlns:a16="http://schemas.microsoft.com/office/drawing/2014/main" id="{462F7FCB-98BB-9114-5344-E17D4B01A3D4}"/>
+              </a:ext>
+            </a:extLst>
+          </p:cNvPr>
           <p:cNvSpPr txBox="1">
             <a:spLocks noChangeArrowheads="1"/>
           </p:cNvSpPr>
@@ -14267,8 +9598,8 @@
         </p:nvSpPr>
         <p:spPr bwMode="auto">
           <a:xfrm>
-            <a:off x="467544" y="1484783"/>
-            <a:ext cx="7920880" cy="2793553"/>
+            <a:off x="756431" y="2603820"/>
+            <a:ext cx="2601291" cy="2468368"/>
           </a:xfrm>
           <a:prstGeom prst="rect">
             <a:avLst/>
@@ -14298,46 +9629,48 @@
           </a:extLst>
         </p:spPr>
         <p:txBody>
-          <a:bodyPr lIns="92075" tIns="46038" rIns="92075" bIns="46038"/>
+          <a:bodyPr wrap="square">
+            <a:spAutoFit/>
+          </a:bodyPr>
           <a:lstStyle>
-            <a:lvl1pPr marL="342900" indent="-342900">
-              <a:defRPr sz="1600">
-                <a:solidFill>
-                  <a:schemeClr val="tx1"/>
-                </a:solidFill>
-                <a:latin typeface="Times New Roman" pitchFamily="18" charset="0"/>
+            <a:lvl1pPr eaLnBrk="0" hangingPunct="0">
+              <a:defRPr>
+                <a:solidFill>
+                  <a:schemeClr val="tx1"/>
+                </a:solidFill>
+                <a:latin typeface="Arial" pitchFamily="34" charset="0"/>
               </a:defRPr>
             </a:lvl1pPr>
-            <a:lvl2pPr marL="742950" indent="-285750">
-              <a:defRPr sz="1600">
-                <a:solidFill>
-                  <a:schemeClr val="tx1"/>
-                </a:solidFill>
-                <a:latin typeface="Times New Roman" pitchFamily="18" charset="0"/>
+            <a:lvl2pPr marL="742950" indent="-285750" eaLnBrk="0" hangingPunct="0">
+              <a:defRPr>
+                <a:solidFill>
+                  <a:schemeClr val="tx1"/>
+                </a:solidFill>
+                <a:latin typeface="Arial" pitchFamily="34" charset="0"/>
               </a:defRPr>
             </a:lvl2pPr>
-            <a:lvl3pPr marL="1143000" indent="-228600">
-              <a:defRPr sz="1600">
-                <a:solidFill>
-                  <a:schemeClr val="tx1"/>
-                </a:solidFill>
-                <a:latin typeface="Times New Roman" pitchFamily="18" charset="0"/>
+            <a:lvl3pPr marL="1143000" indent="-228600" eaLnBrk="0" hangingPunct="0">
+              <a:defRPr>
+                <a:solidFill>
+                  <a:schemeClr val="tx1"/>
+                </a:solidFill>
+                <a:latin typeface="Arial" pitchFamily="34" charset="0"/>
               </a:defRPr>
             </a:lvl3pPr>
-            <a:lvl4pPr marL="1600200" indent="-228600">
-              <a:defRPr sz="1600">
-                <a:solidFill>
-                  <a:schemeClr val="tx1"/>
-                </a:solidFill>
-                <a:latin typeface="Times New Roman" pitchFamily="18" charset="0"/>
+            <a:lvl4pPr marL="1600200" indent="-228600" eaLnBrk="0" hangingPunct="0">
+              <a:defRPr>
+                <a:solidFill>
+                  <a:schemeClr val="tx1"/>
+                </a:solidFill>
+                <a:latin typeface="Arial" pitchFamily="34" charset="0"/>
               </a:defRPr>
             </a:lvl4pPr>
-            <a:lvl5pPr marL="2057400" indent="-228600">
-              <a:defRPr sz="1600">
-                <a:solidFill>
-                  <a:schemeClr val="tx1"/>
-                </a:solidFill>
-                <a:latin typeface="Times New Roman" pitchFamily="18" charset="0"/>
+            <a:lvl5pPr marL="2057400" indent="-228600" eaLnBrk="0" hangingPunct="0">
+              <a:defRPr>
+                <a:solidFill>
+                  <a:schemeClr val="tx1"/>
+                </a:solidFill>
+                <a:latin typeface="Arial" pitchFamily="34" charset="0"/>
               </a:defRPr>
             </a:lvl5pPr>
             <a:lvl6pPr marL="2514600" indent="-228600" eaLnBrk="0" fontAlgn="base" hangingPunct="0">
@@ -14347,11 +9680,11 @@
               <a:spcAft>
                 <a:spcPct val="0"/>
               </a:spcAft>
-              <a:defRPr sz="1600">
-                <a:solidFill>
-                  <a:schemeClr val="tx1"/>
-                </a:solidFill>
-                <a:latin typeface="Times New Roman" pitchFamily="18" charset="0"/>
+              <a:defRPr>
+                <a:solidFill>
+                  <a:schemeClr val="tx1"/>
+                </a:solidFill>
+                <a:latin typeface="Arial" pitchFamily="34" charset="0"/>
               </a:defRPr>
             </a:lvl6pPr>
             <a:lvl7pPr marL="2971800" indent="-228600" eaLnBrk="0" fontAlgn="base" hangingPunct="0">
@@ -14361,11 +9694,11 @@
               <a:spcAft>
                 <a:spcPct val="0"/>
               </a:spcAft>
-              <a:defRPr sz="1600">
-                <a:solidFill>
-                  <a:schemeClr val="tx1"/>
-                </a:solidFill>
-                <a:latin typeface="Times New Roman" pitchFamily="18" charset="0"/>
+              <a:defRPr>
+                <a:solidFill>
+                  <a:schemeClr val="tx1"/>
+                </a:solidFill>
+                <a:latin typeface="Arial" pitchFamily="34" charset="0"/>
               </a:defRPr>
             </a:lvl7pPr>
             <a:lvl8pPr marL="3429000" indent="-228600" eaLnBrk="0" fontAlgn="base" hangingPunct="0">
@@ -14375,11 +9708,11 @@
               <a:spcAft>
                 <a:spcPct val="0"/>
               </a:spcAft>
-              <a:defRPr sz="1600">
-                <a:solidFill>
-                  <a:schemeClr val="tx1"/>
-                </a:solidFill>
-                <a:latin typeface="Times New Roman" pitchFamily="18" charset="0"/>
+              <a:defRPr>
+                <a:solidFill>
+                  <a:schemeClr val="tx1"/>
+                </a:solidFill>
+                <a:latin typeface="Arial" pitchFamily="34" charset="0"/>
               </a:defRPr>
             </a:lvl8pPr>
             <a:lvl9pPr marL="3886200" indent="-228600" eaLnBrk="0" fontAlgn="base" hangingPunct="0">
@@ -14389,14 +9722,141 @@
               <a:spcAft>
                 <a:spcPct val="0"/>
               </a:spcAft>
-              <a:defRPr sz="1600">
-                <a:solidFill>
-                  <a:schemeClr val="tx1"/>
-                </a:solidFill>
-                <a:latin typeface="Times New Roman" pitchFamily="18" charset="0"/>
+              <a:defRPr>
+                <a:solidFill>
+                  <a:schemeClr val="tx1"/>
+                </a:solidFill>
+                <a:latin typeface="Arial" pitchFamily="34" charset="0"/>
               </a:defRPr>
             </a:lvl9pPr>
           </a:lstStyle>
+          <a:p>
+            <a:pPr marL="457200" indent="-457200">
+              <a:lnSpc>
+                <a:spcPct val="200000"/>
+              </a:lnSpc>
+              <a:buFont typeface="+mj-lt"/>
+              <a:buAutoNum type="arabicPeriod"/>
+            </a:pPr>
+            <a:r>
+              <a:rPr lang="es-MX" sz="2000" b="1" dirty="0">
+                <a:solidFill>
+                  <a:schemeClr val="accent6">
+                    <a:lumMod val="75000"/>
+                  </a:schemeClr>
+                </a:solidFill>
+                <a:latin typeface="+mn-lt"/>
+              </a:rPr>
+              <a:t>Hubs</a:t>
+            </a:r>
+          </a:p>
+          <a:p>
+            <a:pPr marL="457200" indent="-457200">
+              <a:lnSpc>
+                <a:spcPct val="200000"/>
+              </a:lnSpc>
+              <a:buFont typeface="+mj-lt"/>
+              <a:buAutoNum type="arabicPeriod"/>
+            </a:pPr>
+            <a:r>
+              <a:rPr lang="es-MX" sz="2000" b="1" dirty="0">
+                <a:solidFill>
+                  <a:schemeClr val="accent6">
+                    <a:lumMod val="75000"/>
+                  </a:schemeClr>
+                </a:solidFill>
+                <a:latin typeface="+mn-lt"/>
+              </a:rPr>
+              <a:t>Switches</a:t>
+            </a:r>
+          </a:p>
+          <a:p>
+            <a:pPr marL="457200" indent="-457200">
+              <a:lnSpc>
+                <a:spcPct val="200000"/>
+              </a:lnSpc>
+              <a:buFont typeface="+mj-lt"/>
+              <a:buAutoNum type="arabicPeriod"/>
+            </a:pPr>
+            <a:r>
+              <a:rPr lang="es-MX" sz="2000" b="1" dirty="0">
+                <a:solidFill>
+                  <a:schemeClr val="accent6">
+                    <a:lumMod val="75000"/>
+                  </a:schemeClr>
+                </a:solidFill>
+                <a:latin typeface="+mn-lt"/>
+              </a:rPr>
+              <a:t>Ruteadores</a:t>
+            </a:r>
+          </a:p>
+          <a:p>
+            <a:pPr marL="457200" indent="-457200">
+              <a:lnSpc>
+                <a:spcPct val="200000"/>
+              </a:lnSpc>
+              <a:buFont typeface="+mj-lt"/>
+              <a:buAutoNum type="arabicPeriod"/>
+            </a:pPr>
+            <a:r>
+              <a:rPr lang="es-MX" sz="2000" b="1" dirty="0">
+                <a:solidFill>
+                  <a:schemeClr val="accent6">
+                    <a:lumMod val="75000"/>
+                  </a:schemeClr>
+                </a:solidFill>
+                <a:latin typeface="+mn-lt"/>
+              </a:rPr>
+              <a:t>Access </a:t>
+            </a:r>
+            <a:r>
+              <a:rPr lang="es-MX" sz="2000" b="1" dirty="0" err="1">
+                <a:solidFill>
+                  <a:schemeClr val="accent6">
+                    <a:lumMod val="75000"/>
+                  </a:schemeClr>
+                </a:solidFill>
+                <a:latin typeface="+mn-lt"/>
+              </a:rPr>
+              <a:t>Points</a:t>
+            </a:r>
+            <a:endParaRPr lang="es-MX" sz="2000" dirty="0">
+              <a:solidFill>
+                <a:schemeClr val="bg2">
+                  <a:lumMod val="25000"/>
+                </a:schemeClr>
+              </a:solidFill>
+              <a:latin typeface="+mn-lt"/>
+            </a:endParaRPr>
+          </a:p>
+        </p:txBody>
+      </p:sp>
+      <p:sp>
+        <p:nvSpPr>
+          <p:cNvPr id="8" name="Rectángulo 7">
+            <a:extLst>
+              <a:ext uri="{FF2B5EF4-FFF2-40B4-BE49-F238E27FC236}">
+                <a16:creationId xmlns:a16="http://schemas.microsoft.com/office/drawing/2014/main" id="{88FEFBDD-671B-C088-29DF-1A13D0958F1F}"/>
+              </a:ext>
+            </a:extLst>
+          </p:cNvPr>
+          <p:cNvSpPr/>
+          <p:nvPr/>
+        </p:nvSpPr>
+        <p:spPr>
+          <a:xfrm>
+            <a:off x="755576" y="1772816"/>
+            <a:ext cx="7399076" cy="506292"/>
+          </a:xfrm>
+          <a:prstGeom prst="rect">
+            <a:avLst/>
+          </a:prstGeom>
+        </p:spPr>
+        <p:txBody>
+          <a:bodyPr wrap="square">
+            <a:spAutoFit/>
+          </a:bodyPr>
+          <a:lstStyle/>
           <a:p>
             <a:pPr algn="just">
               <a:lnSpc>
@@ -14405,270 +9865,48 @@
               <a:spcBef>
                 <a:spcPts val="600"/>
               </a:spcBef>
-              <a:buClr>
-                <a:schemeClr val="tx2"/>
-              </a:buClr>
-              <a:buSzPct val="70000"/>
-              <a:buFont typeface="Wingdings" pitchFamily="2" charset="2"/>
-              <a:buChar char="¡"/>
             </a:pPr>
             <a:r>
-              <a:rPr lang="es-MX" sz="1800" dirty="0">
+              <a:rPr lang="es-MX" sz="2000" dirty="0">
                 <a:solidFill>
                   <a:schemeClr val="bg2">
                     <a:lumMod val="25000"/>
                   </a:schemeClr>
                 </a:solidFill>
-                <a:latin typeface="+mn-lt"/>
               </a:rPr>
-              <a:t>Su tamaño puede oscilar entre </a:t>
-            </a:r>
-            <a:r>
-              <a:rPr lang="es-MX" sz="1800" b="1" dirty="0">
-                <a:solidFill>
-                  <a:schemeClr val="accent6">
+              <a:t>Las redes se comunican gracias al </a:t>
+            </a:r>
+            <a:r>
+              <a:rPr lang="es-MX" sz="2000" b="1" dirty="0">
+                <a:solidFill>
+                  <a:schemeClr val="accent5">
                     <a:lumMod val="75000"/>
                   </a:schemeClr>
                 </a:solidFill>
-                <a:latin typeface="+mn-lt"/>
               </a:rPr>
-              <a:t>100 y 1000 kilómetros. </a:t>
-            </a:r>
-            <a:endParaRPr lang="es-ES_tradnl" sz="1800" b="1" dirty="0">
+              <a:t>hardware de comunicaciones:</a:t>
+            </a:r>
+            <a:endParaRPr lang="es-MX" sz="2000" dirty="0">
               <a:solidFill>
-                <a:schemeClr val="accent6">
+                <a:schemeClr val="accent5">
                   <a:lumMod val="75000"/>
                 </a:schemeClr>
               </a:solidFill>
-              <a:latin typeface="+mn-lt"/>
             </a:endParaRPr>
-          </a:p>
-          <a:p>
-            <a:pPr algn="just">
-              <a:lnSpc>
-                <a:spcPct val="150000"/>
-              </a:lnSpc>
-              <a:spcBef>
-                <a:spcPts val="600"/>
-              </a:spcBef>
-              <a:buClr>
-                <a:schemeClr val="tx2"/>
-              </a:buClr>
-              <a:buSzPct val="70000"/>
-              <a:buFont typeface="Wingdings" pitchFamily="2" charset="2"/>
-              <a:buChar char="¡"/>
-            </a:pPr>
-            <a:r>
-              <a:rPr lang="es-MX" sz="1800" dirty="0">
-                <a:solidFill>
-                  <a:schemeClr val="bg2">
-                    <a:lumMod val="25000"/>
-                  </a:schemeClr>
-                </a:solidFill>
-                <a:latin typeface="+mn-lt"/>
-              </a:rPr>
-              <a:t>Conecta diferentes redes más pequeñas, incluidas las redes de área local (LAN.</a:t>
-            </a:r>
-          </a:p>
-          <a:p>
-            <a:pPr algn="just">
-              <a:lnSpc>
-                <a:spcPct val="150000"/>
-              </a:lnSpc>
-              <a:spcBef>
-                <a:spcPts val="600"/>
-              </a:spcBef>
-              <a:buClr>
-                <a:schemeClr val="tx2"/>
-              </a:buClr>
-              <a:buSzPct val="70000"/>
-              <a:buFont typeface="Wingdings" pitchFamily="2" charset="2"/>
-              <a:buChar char="¡"/>
-            </a:pPr>
-            <a:r>
-              <a:rPr lang="es-MX" sz="1800" dirty="0">
-                <a:solidFill>
-                  <a:schemeClr val="bg2">
-                    <a:lumMod val="25000"/>
-                  </a:schemeClr>
-                </a:solidFill>
-                <a:latin typeface="+mn-lt"/>
-              </a:rPr>
-              <a:t>Por lo general, la administración está a cargo de </a:t>
-            </a:r>
-            <a:r>
-              <a:rPr lang="es-MX" sz="1800" b="1" dirty="0">
-                <a:solidFill>
-                  <a:schemeClr val="accent6">
-                    <a:lumMod val="75000"/>
-                  </a:schemeClr>
-                </a:solidFill>
-                <a:latin typeface="+mn-lt"/>
-              </a:rPr>
-              <a:t>varios proveedores de servicios</a:t>
-            </a:r>
-            <a:r>
-              <a:rPr lang="es-MX" sz="1800" dirty="0">
-                <a:solidFill>
-                  <a:schemeClr val="bg2">
-                    <a:lumMod val="25000"/>
-                  </a:schemeClr>
-                </a:solidFill>
-                <a:latin typeface="+mn-lt"/>
-              </a:rPr>
-              <a:t>.</a:t>
-            </a:r>
-          </a:p>
-          <a:p>
-            <a:pPr algn="just">
-              <a:lnSpc>
-                <a:spcPct val="150000"/>
-              </a:lnSpc>
-              <a:spcBef>
-                <a:spcPts val="600"/>
-              </a:spcBef>
-              <a:buClr>
-                <a:schemeClr val="tx2"/>
-              </a:buClr>
-              <a:buSzPct val="70000"/>
-              <a:buFont typeface="Wingdings" pitchFamily="2" charset="2"/>
-              <a:buChar char="¡"/>
-            </a:pPr>
-            <a:r>
-              <a:rPr lang="es-MX" sz="1800" dirty="0">
-                <a:solidFill>
-                  <a:schemeClr val="bg2">
-                    <a:lumMod val="25000"/>
-                  </a:schemeClr>
-                </a:solidFill>
-                <a:latin typeface="+mn-lt"/>
-              </a:rPr>
-              <a:t>Suelen pertenecer a una organización. Son similares a un sistema bancario, donde cientos de sucursales en diferentes ciudades están conectadas entre sí para compartir sus datos oficiales.</a:t>
-            </a:r>
-          </a:p>
-        </p:txBody>
-      </p:sp>
-      <p:sp>
-        <p:nvSpPr>
-          <p:cNvPr id="7" name="Rectangle 6"/>
-          <p:cNvSpPr>
-            <a:spLocks noChangeArrowheads="1"/>
-          </p:cNvSpPr>
-          <p:nvPr/>
-        </p:nvSpPr>
-        <p:spPr bwMode="auto">
-          <a:xfrm>
-            <a:off x="395536" y="4752511"/>
-            <a:ext cx="5056544" cy="1241412"/>
-          </a:xfrm>
-          <a:prstGeom prst="rect">
-            <a:avLst/>
-          </a:prstGeom>
-          <a:noFill/>
-          <a:ln>
-            <a:noFill/>
-          </a:ln>
-          <a:extLst>
-            <a:ext uri="{909E8E84-426E-40DD-AFC4-6F175D3DCCD1}">
-              <a14:hiddenFill xmlns:a14="http://schemas.microsoft.com/office/drawing/2010/main">
-                <a:solidFill>
-                  <a:srgbClr val="FFFFFF"/>
-                </a:solidFill>
-              </a14:hiddenFill>
-            </a:ext>
-            <a:ext uri="{91240B29-F687-4F45-9708-019B960494DF}">
-              <a14:hiddenLine xmlns:a14="http://schemas.microsoft.com/office/drawing/2010/main" w="9525">
-                <a:solidFill>
-                  <a:srgbClr val="000000"/>
-                </a:solidFill>
-                <a:miter lim="800000"/>
-                <a:headEnd/>
-                <a:tailEnd/>
-              </a14:hiddenLine>
-            </a:ext>
-          </a:extLst>
-        </p:spPr>
-        <p:txBody>
-          <a:bodyPr lIns="92075" tIns="46038" rIns="92075" bIns="46038"/>
-          <a:lstStyle/>
-          <a:p>
-            <a:pPr marL="342900" lvl="1" indent="-342900">
-              <a:lnSpc>
-                <a:spcPct val="150000"/>
-              </a:lnSpc>
-              <a:spcBef>
-                <a:spcPts val="1200"/>
-              </a:spcBef>
-              <a:buClr>
-                <a:schemeClr val="tx2"/>
-              </a:buClr>
-              <a:buSzPct val="70000"/>
-              <a:buFont typeface="Wingdings" pitchFamily="2" charset="2"/>
-              <a:buChar char="¡"/>
-            </a:pPr>
-            <a:r>
-              <a:rPr lang="es-ES" dirty="0">
-                <a:solidFill>
-                  <a:schemeClr val="bg2">
-                    <a:lumMod val="25000"/>
-                  </a:schemeClr>
-                </a:solidFill>
-              </a:rPr>
-              <a:t>Utilizan una </a:t>
-            </a:r>
-            <a:r>
-              <a:rPr lang="es-ES" b="1" dirty="0">
-                <a:solidFill>
-                  <a:schemeClr val="accent6">
-                    <a:lumMod val="75000"/>
-                  </a:schemeClr>
-                </a:solidFill>
-              </a:rPr>
-              <a:t>velocidad de transmisión más baja </a:t>
-            </a:r>
-            <a:r>
-              <a:rPr lang="es-ES" dirty="0">
-                <a:solidFill>
-                  <a:schemeClr val="bg2">
-                    <a:lumMod val="25000"/>
-                  </a:schemeClr>
-                </a:solidFill>
-              </a:rPr>
-              <a:t>que las redes de área</a:t>
-            </a:r>
-            <a:r>
-              <a:rPr lang="es-ES_tradnl" dirty="0">
-                <a:solidFill>
-                  <a:schemeClr val="bg2">
-                    <a:lumMod val="25000"/>
-                  </a:schemeClr>
-                </a:solidFill>
-              </a:rPr>
-              <a:t> </a:t>
-            </a:r>
-            <a:r>
-              <a:rPr lang="es-ES" dirty="0">
-                <a:solidFill>
-                  <a:schemeClr val="bg2">
-                    <a:lumMod val="25000"/>
-                  </a:schemeClr>
-                </a:solidFill>
-              </a:rPr>
-              <a:t>local.</a:t>
-            </a:r>
           </a:p>
         </p:txBody>
       </p:sp>
     </p:spTree>
     <p:extLst>
       <p:ext uri="{BB962C8B-B14F-4D97-AF65-F5344CB8AC3E}">
-        <p14:creationId xmlns:p14="http://schemas.microsoft.com/office/powerpoint/2010/main" val="1152344449"/>
+        <p14:creationId xmlns:p14="http://schemas.microsoft.com/office/powerpoint/2010/main" val="3208032150"/>
       </p:ext>
     </p:extLst>
   </p:cSld>
   <p:clrMapOvr>
     <a:masterClrMapping/>
   </p:clrMapOvr>
+  <p:transition/>
   <p:timing>
     <p:tnLst>
       <p:par>
@@ -14703,7 +9941,7 @@
                                           </p:stCondLst>
                                         </p:cTn>
                                         <p:tgtEl>
-                                          <p:spTgt spid="6"/>
+                                          <p:spTgt spid="8"/>
                                         </p:tgtEl>
                                         <p:attrNameLst>
                                           <p:attrName>style.visibility</p:attrName>
@@ -14789,8 +10027,382 @@
       </p:par>
     </p:tnLst>
     <p:bldLst>
-      <p:bldP spid="6" grpId="0"/>
       <p:bldP spid="7" grpId="0"/>
+      <p:bldP spid="8" grpId="0"/>
+    </p:bldLst>
+  </p:timing>
+</p:sld>
+</file>
+
+<file path=ppt/slides/slide6.xml><?xml version="1.0" encoding="utf-8"?>
+<p:sld xmlns:a="http://schemas.openxmlformats.org/drawingml/2006/main" xmlns:r="http://schemas.openxmlformats.org/officeDocument/2006/relationships" xmlns:p="http://schemas.openxmlformats.org/presentationml/2006/main">
+  <p:cSld>
+    <p:spTree>
+      <p:nvGrpSpPr>
+        <p:cNvPr id="1" name=""/>
+        <p:cNvGrpSpPr/>
+        <p:nvPr/>
+      </p:nvGrpSpPr>
+      <p:grpSpPr>
+        <a:xfrm>
+          <a:off x="0" y="0"/>
+          <a:ext cx="0" cy="0"/>
+          <a:chOff x="0" y="0"/>
+          <a:chExt cx="0" cy="0"/>
+        </a:xfrm>
+      </p:grpSpPr>
+      <p:sp>
+        <p:nvSpPr>
+          <p:cNvPr id="4099" name="Text Box 3"/>
+          <p:cNvSpPr txBox="1">
+            <a:spLocks noChangeArrowheads="1"/>
+          </p:cNvSpPr>
+          <p:nvPr/>
+        </p:nvSpPr>
+        <p:spPr bwMode="auto">
+          <a:xfrm>
+            <a:off x="686710" y="1412776"/>
+            <a:ext cx="7773721" cy="967957"/>
+          </a:xfrm>
+          <a:prstGeom prst="rect">
+            <a:avLst/>
+          </a:prstGeom>
+          <a:noFill/>
+          <a:ln>
+            <a:noFill/>
+          </a:ln>
+          <a:extLst>
+            <a:ext uri="{909E8E84-426E-40DD-AFC4-6F175D3DCCD1}">
+              <a14:hiddenFill xmlns:a14="http://schemas.microsoft.com/office/drawing/2010/main">
+                <a:solidFill>
+                  <a:srgbClr val="FFFFFF"/>
+                </a:solidFill>
+              </a14:hiddenFill>
+            </a:ext>
+            <a:ext uri="{91240B29-F687-4F45-9708-019B960494DF}">
+              <a14:hiddenLine xmlns:a14="http://schemas.microsoft.com/office/drawing/2010/main" w="9525">
+                <a:solidFill>
+                  <a:srgbClr val="000000"/>
+                </a:solidFill>
+                <a:miter lim="800000"/>
+                <a:headEnd/>
+                <a:tailEnd/>
+              </a14:hiddenLine>
+            </a:ext>
+          </a:extLst>
+        </p:spPr>
+        <p:txBody>
+          <a:bodyPr wrap="square">
+            <a:spAutoFit/>
+          </a:bodyPr>
+          <a:lstStyle>
+            <a:lvl1pPr eaLnBrk="0" hangingPunct="0">
+              <a:defRPr>
+                <a:solidFill>
+                  <a:schemeClr val="tx1"/>
+                </a:solidFill>
+                <a:latin typeface="Arial" pitchFamily="34" charset="0"/>
+              </a:defRPr>
+            </a:lvl1pPr>
+            <a:lvl2pPr marL="742950" indent="-285750" eaLnBrk="0" hangingPunct="0">
+              <a:defRPr>
+                <a:solidFill>
+                  <a:schemeClr val="tx1"/>
+                </a:solidFill>
+                <a:latin typeface="Arial" pitchFamily="34" charset="0"/>
+              </a:defRPr>
+            </a:lvl2pPr>
+            <a:lvl3pPr marL="1143000" indent="-228600" eaLnBrk="0" hangingPunct="0">
+              <a:defRPr>
+                <a:solidFill>
+                  <a:schemeClr val="tx1"/>
+                </a:solidFill>
+                <a:latin typeface="Arial" pitchFamily="34" charset="0"/>
+              </a:defRPr>
+            </a:lvl3pPr>
+            <a:lvl4pPr marL="1600200" indent="-228600" eaLnBrk="0" hangingPunct="0">
+              <a:defRPr>
+                <a:solidFill>
+                  <a:schemeClr val="tx1"/>
+                </a:solidFill>
+                <a:latin typeface="Arial" pitchFamily="34" charset="0"/>
+              </a:defRPr>
+            </a:lvl4pPr>
+            <a:lvl5pPr marL="2057400" indent="-228600" eaLnBrk="0" hangingPunct="0">
+              <a:defRPr>
+                <a:solidFill>
+                  <a:schemeClr val="tx1"/>
+                </a:solidFill>
+                <a:latin typeface="Arial" pitchFamily="34" charset="0"/>
+              </a:defRPr>
+            </a:lvl5pPr>
+            <a:lvl6pPr marL="2514600" indent="-228600" eaLnBrk="0" fontAlgn="base" hangingPunct="0">
+              <a:spcBef>
+                <a:spcPct val="0"/>
+              </a:spcBef>
+              <a:spcAft>
+                <a:spcPct val="0"/>
+              </a:spcAft>
+              <a:defRPr>
+                <a:solidFill>
+                  <a:schemeClr val="tx1"/>
+                </a:solidFill>
+                <a:latin typeface="Arial" pitchFamily="34" charset="0"/>
+              </a:defRPr>
+            </a:lvl6pPr>
+            <a:lvl7pPr marL="2971800" indent="-228600" eaLnBrk="0" fontAlgn="base" hangingPunct="0">
+              <a:spcBef>
+                <a:spcPct val="0"/>
+              </a:spcBef>
+              <a:spcAft>
+                <a:spcPct val="0"/>
+              </a:spcAft>
+              <a:defRPr>
+                <a:solidFill>
+                  <a:schemeClr val="tx1"/>
+                </a:solidFill>
+                <a:latin typeface="Arial" pitchFamily="34" charset="0"/>
+              </a:defRPr>
+            </a:lvl7pPr>
+            <a:lvl8pPr marL="3429000" indent="-228600" eaLnBrk="0" fontAlgn="base" hangingPunct="0">
+              <a:spcBef>
+                <a:spcPct val="0"/>
+              </a:spcBef>
+              <a:spcAft>
+                <a:spcPct val="0"/>
+              </a:spcAft>
+              <a:defRPr>
+                <a:solidFill>
+                  <a:schemeClr val="tx1"/>
+                </a:solidFill>
+                <a:latin typeface="Arial" pitchFamily="34" charset="0"/>
+              </a:defRPr>
+            </a:lvl8pPr>
+            <a:lvl9pPr marL="3886200" indent="-228600" eaLnBrk="0" fontAlgn="base" hangingPunct="0">
+              <a:spcBef>
+                <a:spcPct val="0"/>
+              </a:spcBef>
+              <a:spcAft>
+                <a:spcPct val="0"/>
+              </a:spcAft>
+              <a:defRPr>
+                <a:solidFill>
+                  <a:schemeClr val="tx1"/>
+                </a:solidFill>
+                <a:latin typeface="Arial" pitchFamily="34" charset="0"/>
+              </a:defRPr>
+            </a:lvl9pPr>
+          </a:lstStyle>
+          <a:p>
+            <a:pPr marL="449263" lvl="1" indent="7938" algn="just">
+              <a:lnSpc>
+                <a:spcPct val="150000"/>
+              </a:lnSpc>
+              <a:spcBef>
+                <a:spcPts val="600"/>
+              </a:spcBef>
+              <a:spcAft>
+                <a:spcPts val="1200"/>
+              </a:spcAft>
+            </a:pPr>
+            <a:r>
+              <a:rPr lang="es-MX" sz="2000" b="1" dirty="0">
+                <a:solidFill>
+                  <a:schemeClr val="accent6">
+                    <a:lumMod val="75000"/>
+                  </a:schemeClr>
+                </a:solidFill>
+                <a:latin typeface="+mn-lt"/>
+              </a:rPr>
+              <a:t>Conectan componentes de red, para lo cual envían un paquete de datos a todos los dispositivos conectados.</a:t>
+            </a:r>
+          </a:p>
+        </p:txBody>
+      </p:sp>
+      <p:sp>
+        <p:nvSpPr>
+          <p:cNvPr id="5" name="Rectangle 2"/>
+          <p:cNvSpPr txBox="1">
+            <a:spLocks noChangeArrowheads="1"/>
+          </p:cNvSpPr>
+          <p:nvPr/>
+        </p:nvSpPr>
+        <p:spPr>
+          <a:xfrm>
+            <a:off x="144016" y="197768"/>
+            <a:ext cx="8964488" cy="1143000"/>
+          </a:xfrm>
+          <a:prstGeom prst="rect">
+            <a:avLst/>
+          </a:prstGeom>
+        </p:spPr>
+        <p:txBody>
+          <a:bodyPr vert="horz" lIns="92075" tIns="46038" rIns="92075" bIns="46038" rtlCol="0" anchor="ctr">
+            <a:noAutofit/>
+          </a:bodyPr>
+          <a:lstStyle>
+            <a:lvl1pPr algn="ctr" defTabSz="914400" rtl="0" eaLnBrk="1" latinLnBrk="0" hangingPunct="1">
+              <a:spcBef>
+                <a:spcPct val="0"/>
+              </a:spcBef>
+              <a:buNone/>
+              <a:defRPr sz="4400" kern="1200">
+                <a:solidFill>
+                  <a:schemeClr val="tx1"/>
+                </a:solidFill>
+                <a:latin typeface="+mj-lt"/>
+                <a:ea typeface="+mj-ea"/>
+                <a:cs typeface="+mj-cs"/>
+              </a:defRPr>
+            </a:lvl1pPr>
+          </a:lstStyle>
+          <a:p>
+            <a:pPr>
+              <a:defRPr/>
+            </a:pPr>
+            <a:r>
+              <a:rPr lang="es-ES_tradnl" sz="3200" dirty="0">
+                <a:solidFill>
+                  <a:srgbClr val="3333CC"/>
+                </a:solidFill>
+                <a:effectLst>
+                  <a:outerShdw blurRad="38100" dist="38100" dir="2700000" algn="tl">
+                    <a:srgbClr val="C0C0C0"/>
+                  </a:outerShdw>
+                </a:effectLst>
+                <a:latin typeface="Dom Casual" charset="0"/>
+              </a:rPr>
+              <a:t> </a:t>
+            </a:r>
+            <a:r>
+              <a:rPr lang="es-ES_tradnl" sz="3200" b="1" dirty="0">
+                <a:solidFill>
+                  <a:schemeClr val="accent4">
+                    <a:lumMod val="50000"/>
+                  </a:schemeClr>
+                </a:solidFill>
+                <a:effectLst>
+                  <a:outerShdw blurRad="38100" dist="38100" dir="2700000" algn="tl">
+                    <a:srgbClr val="C0C0C0"/>
+                  </a:outerShdw>
+                </a:effectLst>
+                <a:latin typeface="Dom Casual" charset="0"/>
+              </a:rPr>
+              <a:t>Hub</a:t>
+            </a:r>
+          </a:p>
+        </p:txBody>
+      </p:sp>
+      <p:pic>
+        <p:nvPicPr>
+          <p:cNvPr id="4" name="Imagen 3"/>
+          <p:cNvPicPr>
+            <a:picLocks noChangeAspect="1"/>
+          </p:cNvPicPr>
+          <p:nvPr/>
+        </p:nvPicPr>
+        <p:blipFill>
+          <a:blip r:embed="rId3"/>
+          <a:stretch>
+            <a:fillRect/>
+          </a:stretch>
+        </p:blipFill>
+        <p:spPr>
+          <a:xfrm>
+            <a:off x="2627784" y="3128375"/>
+            <a:ext cx="4227566" cy="1872208"/>
+          </a:xfrm>
+          <a:prstGeom prst="rect">
+            <a:avLst/>
+          </a:prstGeom>
+        </p:spPr>
+      </p:pic>
+    </p:spTree>
+    <p:extLst>
+      <p:ext uri="{BB962C8B-B14F-4D97-AF65-F5344CB8AC3E}">
+        <p14:creationId xmlns:p14="http://schemas.microsoft.com/office/powerpoint/2010/main" val="1985822571"/>
+      </p:ext>
+    </p:extLst>
+  </p:cSld>
+  <p:clrMapOvr>
+    <a:masterClrMapping/>
+  </p:clrMapOvr>
+  <p:timing>
+    <p:tnLst>
+      <p:par>
+        <p:cTn id="1" dur="indefinite" restart="never" nodeType="tmRoot">
+          <p:childTnLst>
+            <p:seq concurrent="1" nextAc="seek">
+              <p:cTn id="2" dur="indefinite" nodeType="mainSeq">
+                <p:childTnLst>
+                  <p:par>
+                    <p:cTn id="3" fill="hold">
+                      <p:stCondLst>
+                        <p:cond delay="indefinite"/>
+                      </p:stCondLst>
+                      <p:childTnLst>
+                        <p:par>
+                          <p:cTn id="4" fill="hold">
+                            <p:stCondLst>
+                              <p:cond delay="0"/>
+                            </p:stCondLst>
+                            <p:childTnLst>
+                              <p:par>
+                                <p:cTn id="5" presetID="1" presetClass="entr" presetSubtype="0" fill="hold" grpId="0" nodeType="clickEffect">
+                                  <p:stCondLst>
+                                    <p:cond delay="0"/>
+                                  </p:stCondLst>
+                                  <p:childTnLst>
+                                    <p:set>
+                                      <p:cBhvr>
+                                        <p:cTn id="6" dur="1" fill="hold">
+                                          <p:stCondLst>
+                                            <p:cond delay="0"/>
+                                          </p:stCondLst>
+                                        </p:cTn>
+                                        <p:tgtEl>
+                                          <p:spTgt spid="4099"/>
+                                        </p:tgtEl>
+                                        <p:attrNameLst>
+                                          <p:attrName>style.visibility</p:attrName>
+                                        </p:attrNameLst>
+                                      </p:cBhvr>
+                                      <p:to>
+                                        <p:strVal val="visible"/>
+                                      </p:to>
+                                    </p:set>
+                                  </p:childTnLst>
+                                </p:cTn>
+                              </p:par>
+                            </p:childTnLst>
+                          </p:cTn>
+                        </p:par>
+                      </p:childTnLst>
+                    </p:cTn>
+                  </p:par>
+                </p:childTnLst>
+              </p:cTn>
+              <p:prevCondLst>
+                <p:cond evt="onPrev" delay="0">
+                  <p:tgtEl>
+                    <p:sldTgt/>
+                  </p:tgtEl>
+                </p:cond>
+              </p:prevCondLst>
+              <p:nextCondLst>
+                <p:cond evt="onNext" delay="0">
+                  <p:tgtEl>
+                    <p:sldTgt/>
+                  </p:tgtEl>
+                </p:cond>
+              </p:nextCondLst>
+            </p:seq>
+          </p:childTnLst>
+        </p:cTn>
+      </p:par>
+    </p:tnLst>
+    <p:bldLst>
+      <p:bldP spid="4099" grpId="0"/>
     </p:bldLst>
   </p:timing>
 </p:sld>
@@ -14815,88 +10427,7 @@
       </p:grpSpPr>
       <p:sp>
         <p:nvSpPr>
-          <p:cNvPr id="3" name="object 3"/>
-          <p:cNvSpPr txBox="1"/>
-          <p:nvPr/>
-        </p:nvSpPr>
-        <p:spPr>
-          <a:xfrm>
-            <a:off x="1070266" y="1101564"/>
-            <a:ext cx="7272808" cy="323165"/>
-          </a:xfrm>
-          <a:prstGeom prst="rect">
-            <a:avLst/>
-          </a:prstGeom>
-        </p:spPr>
-        <p:txBody>
-          <a:bodyPr vert="horz" wrap="square" lIns="0" tIns="0" rIns="0" bIns="0" rtlCol="0">
-            <a:spAutoFit/>
-          </a:bodyPr>
-          <a:lstStyle/>
-          <a:p>
-            <a:pPr marL="9525" algn="ctr"/>
-            <a:r>
-              <a:rPr lang="es-ES" sz="2100" b="1" spc="-8" dirty="0">
-                <a:solidFill>
-                  <a:schemeClr val="accent6">
-                    <a:lumMod val="75000"/>
-                  </a:schemeClr>
-                </a:solidFill>
-                <a:latin typeface="Calibri"/>
-                <a:cs typeface="Calibri"/>
-              </a:rPr>
-              <a:t>Terminales, intermediarios y medios de transmisión</a:t>
-            </a:r>
-            <a:endParaRPr sz="2100" dirty="0">
-              <a:solidFill>
-                <a:schemeClr val="accent6">
-                  <a:lumMod val="75000"/>
-                </a:schemeClr>
-              </a:solidFill>
-              <a:latin typeface="Calibri"/>
-              <a:cs typeface="Calibri"/>
-            </a:endParaRPr>
-          </a:p>
-        </p:txBody>
-      </p:sp>
-      <p:sp>
-        <p:nvSpPr>
-          <p:cNvPr id="4" name="object 4"/>
-          <p:cNvSpPr/>
-          <p:nvPr/>
-        </p:nvSpPr>
-        <p:spPr>
-          <a:xfrm>
-            <a:off x="1070266" y="2060848"/>
-            <a:ext cx="7126605" cy="2852928"/>
-          </a:xfrm>
-          <a:prstGeom prst="rect">
-            <a:avLst/>
-          </a:prstGeom>
-          <a:blipFill>
-            <a:blip r:embed="rId3" cstate="print"/>
-            <a:stretch>
-              <a:fillRect/>
-            </a:stretch>
-          </a:blipFill>
-        </p:spPr>
-        <p:txBody>
-          <a:bodyPr wrap="square" lIns="0" tIns="0" rIns="0" bIns="0" rtlCol="0"/>
-          <a:lstStyle/>
-          <a:p>
-            <a:endParaRPr sz="1350" dirty="0"/>
-          </a:p>
-        </p:txBody>
-      </p:sp>
-      <p:sp>
-        <p:nvSpPr>
-          <p:cNvPr id="6" name="Rectangle 2">
-            <a:extLst>
-              <a:ext uri="{FF2B5EF4-FFF2-40B4-BE49-F238E27FC236}">
-                <a16:creationId xmlns:a16="http://schemas.microsoft.com/office/drawing/2014/main" id="{A7C1FB87-3324-41B6-B2C2-1CEDEA7F7814}"/>
-              </a:ext>
-            </a:extLst>
-          </p:cNvPr>
+          <p:cNvPr id="5" name="Rectangle 2"/>
           <p:cNvSpPr txBox="1">
             <a:spLocks noChangeArrowheads="1"/>
           </p:cNvSpPr>
@@ -14904,7 +10435,7 @@
         </p:nvSpPr>
         <p:spPr>
           <a:xfrm>
-            <a:off x="177225" y="120147"/>
+            <a:off x="144016" y="197768"/>
             <a:ext cx="8964488" cy="1143000"/>
           </a:xfrm>
           <a:prstGeom prst="rect">
@@ -14963,22 +10494,551 @@
                 </a:effectLst>
                 <a:latin typeface="Dom Casual" charset="0"/>
               </a:rPr>
-              <a:t>Tipos de dispositivos</a:t>
-            </a:r>
+              <a:t>Switch</a:t>
+            </a:r>
+          </a:p>
+        </p:txBody>
+      </p:sp>
+      <p:pic>
+        <p:nvPicPr>
+          <p:cNvPr id="3" name="Imagen 2"/>
+          <p:cNvPicPr>
+            <a:picLocks noChangeAspect="1"/>
+          </p:cNvPicPr>
+          <p:nvPr/>
+        </p:nvPicPr>
+        <p:blipFill>
+          <a:blip r:embed="rId2"/>
+          <a:stretch>
+            <a:fillRect/>
+          </a:stretch>
+        </p:blipFill>
+        <p:spPr>
+          <a:xfrm>
+            <a:off x="5216930" y="2828118"/>
+            <a:ext cx="3312368" cy="2586801"/>
+          </a:xfrm>
+          <a:prstGeom prst="rect">
+            <a:avLst/>
+          </a:prstGeom>
+        </p:spPr>
+      </p:pic>
+      <p:sp>
+        <p:nvSpPr>
+          <p:cNvPr id="8" name="Text Box 3"/>
+          <p:cNvSpPr txBox="1">
+            <a:spLocks noChangeArrowheads="1"/>
+          </p:cNvSpPr>
+          <p:nvPr/>
+        </p:nvSpPr>
+        <p:spPr bwMode="auto">
+          <a:xfrm>
+            <a:off x="755576" y="1443081"/>
+            <a:ext cx="7773722" cy="1015663"/>
+          </a:xfrm>
+          <a:prstGeom prst="rect">
+            <a:avLst/>
+          </a:prstGeom>
+          <a:noFill/>
+          <a:ln>
+            <a:noFill/>
+          </a:ln>
+          <a:extLst>
+            <a:ext uri="{909E8E84-426E-40DD-AFC4-6F175D3DCCD1}">
+              <a14:hiddenFill xmlns:a14="http://schemas.microsoft.com/office/drawing/2010/main">
+                <a:solidFill>
+                  <a:srgbClr val="FFFFFF"/>
+                </a:solidFill>
+              </a14:hiddenFill>
+            </a:ext>
+            <a:ext uri="{91240B29-F687-4F45-9708-019B960494DF}">
+              <a14:hiddenLine xmlns:a14="http://schemas.microsoft.com/office/drawing/2010/main" w="9525">
+                <a:solidFill>
+                  <a:srgbClr val="000000"/>
+                </a:solidFill>
+                <a:miter lim="800000"/>
+                <a:headEnd/>
+                <a:tailEnd/>
+              </a14:hiddenLine>
+            </a:ext>
+          </a:extLst>
+        </p:spPr>
+        <p:txBody>
+          <a:bodyPr wrap="square">
+            <a:spAutoFit/>
+          </a:bodyPr>
+          <a:lstStyle>
+            <a:lvl1pPr eaLnBrk="0" hangingPunct="0">
+              <a:defRPr>
+                <a:solidFill>
+                  <a:schemeClr val="tx1"/>
+                </a:solidFill>
+                <a:latin typeface="Arial" pitchFamily="34" charset="0"/>
+              </a:defRPr>
+            </a:lvl1pPr>
+            <a:lvl2pPr marL="742950" indent="-285750" eaLnBrk="0" hangingPunct="0">
+              <a:defRPr>
+                <a:solidFill>
+                  <a:schemeClr val="tx1"/>
+                </a:solidFill>
+                <a:latin typeface="Arial" pitchFamily="34" charset="0"/>
+              </a:defRPr>
+            </a:lvl2pPr>
+            <a:lvl3pPr marL="1143000" indent="-228600" eaLnBrk="0" hangingPunct="0">
+              <a:defRPr>
+                <a:solidFill>
+                  <a:schemeClr val="tx1"/>
+                </a:solidFill>
+                <a:latin typeface="Arial" pitchFamily="34" charset="0"/>
+              </a:defRPr>
+            </a:lvl3pPr>
+            <a:lvl4pPr marL="1600200" indent="-228600" eaLnBrk="0" hangingPunct="0">
+              <a:defRPr>
+                <a:solidFill>
+                  <a:schemeClr val="tx1"/>
+                </a:solidFill>
+                <a:latin typeface="Arial" pitchFamily="34" charset="0"/>
+              </a:defRPr>
+            </a:lvl4pPr>
+            <a:lvl5pPr marL="2057400" indent="-228600" eaLnBrk="0" hangingPunct="0">
+              <a:defRPr>
+                <a:solidFill>
+                  <a:schemeClr val="tx1"/>
+                </a:solidFill>
+                <a:latin typeface="Arial" pitchFamily="34" charset="0"/>
+              </a:defRPr>
+            </a:lvl5pPr>
+            <a:lvl6pPr marL="2514600" indent="-228600" eaLnBrk="0" fontAlgn="base" hangingPunct="0">
+              <a:spcBef>
+                <a:spcPct val="0"/>
+              </a:spcBef>
+              <a:spcAft>
+                <a:spcPct val="0"/>
+              </a:spcAft>
+              <a:defRPr>
+                <a:solidFill>
+                  <a:schemeClr val="tx1"/>
+                </a:solidFill>
+                <a:latin typeface="Arial" pitchFamily="34" charset="0"/>
+              </a:defRPr>
+            </a:lvl6pPr>
+            <a:lvl7pPr marL="2971800" indent="-228600" eaLnBrk="0" fontAlgn="base" hangingPunct="0">
+              <a:spcBef>
+                <a:spcPct val="0"/>
+              </a:spcBef>
+              <a:spcAft>
+                <a:spcPct val="0"/>
+              </a:spcAft>
+              <a:defRPr>
+                <a:solidFill>
+                  <a:schemeClr val="tx1"/>
+                </a:solidFill>
+                <a:latin typeface="Arial" pitchFamily="34" charset="0"/>
+              </a:defRPr>
+            </a:lvl7pPr>
+            <a:lvl8pPr marL="3429000" indent="-228600" eaLnBrk="0" fontAlgn="base" hangingPunct="0">
+              <a:spcBef>
+                <a:spcPct val="0"/>
+              </a:spcBef>
+              <a:spcAft>
+                <a:spcPct val="0"/>
+              </a:spcAft>
+              <a:defRPr>
+                <a:solidFill>
+                  <a:schemeClr val="tx1"/>
+                </a:solidFill>
+                <a:latin typeface="Arial" pitchFamily="34" charset="0"/>
+              </a:defRPr>
+            </a:lvl8pPr>
+            <a:lvl9pPr marL="3886200" indent="-228600" eaLnBrk="0" fontAlgn="base" hangingPunct="0">
+              <a:spcBef>
+                <a:spcPct val="0"/>
+              </a:spcBef>
+              <a:spcAft>
+                <a:spcPct val="0"/>
+              </a:spcAft>
+              <a:defRPr>
+                <a:solidFill>
+                  <a:schemeClr val="tx1"/>
+                </a:solidFill>
+                <a:latin typeface="Arial" pitchFamily="34" charset="0"/>
+              </a:defRPr>
+            </a:lvl9pPr>
+          </a:lstStyle>
+          <a:p>
+            <a:pPr marL="342900" indent="-342900" algn="just">
+              <a:lnSpc>
+                <a:spcPct val="150000"/>
+              </a:lnSpc>
+              <a:spcBef>
+                <a:spcPts val="600"/>
+              </a:spcBef>
+              <a:buFont typeface="Arial" panose="020B0604020202020204" pitchFamily="34" charset="0"/>
+              <a:buChar char="•"/>
+            </a:pPr>
+            <a:r>
+              <a:rPr lang="es-MX" sz="2000" dirty="0">
+                <a:solidFill>
+                  <a:schemeClr val="bg2">
+                    <a:lumMod val="25000"/>
+                  </a:schemeClr>
+                </a:solidFill>
+                <a:latin typeface="+mn-lt"/>
+              </a:rPr>
+              <a:t>Es un aparato muy semejante al hub, pero tiene una gran diferencia: Este sí </a:t>
+            </a:r>
+            <a:r>
+              <a:rPr lang="es-MX" sz="2000" b="1" dirty="0">
+                <a:solidFill>
+                  <a:schemeClr val="accent6">
+                    <a:lumMod val="75000"/>
+                  </a:schemeClr>
+                </a:solidFill>
+                <a:latin typeface="+mn-lt"/>
+              </a:rPr>
+              <a:t>diferencia los equipos conectados a el por su “MAC address”</a:t>
+            </a:r>
+            <a:r>
+              <a:rPr lang="es-MX" sz="2000" dirty="0">
+                <a:solidFill>
+                  <a:schemeClr val="bg2">
+                    <a:lumMod val="25000"/>
+                  </a:schemeClr>
+                </a:solidFill>
+                <a:latin typeface="+mn-lt"/>
+              </a:rPr>
+              <a:t>. </a:t>
+            </a:r>
+          </a:p>
+        </p:txBody>
+      </p:sp>
+      <p:sp>
+        <p:nvSpPr>
+          <p:cNvPr id="6" name="Text Box 3"/>
+          <p:cNvSpPr txBox="1">
+            <a:spLocks noChangeArrowheads="1"/>
+          </p:cNvSpPr>
+          <p:nvPr/>
+        </p:nvSpPr>
+        <p:spPr bwMode="auto">
+          <a:xfrm>
+            <a:off x="763584" y="2441902"/>
+            <a:ext cx="4154760" cy="3323987"/>
+          </a:xfrm>
+          <a:prstGeom prst="rect">
+            <a:avLst/>
+          </a:prstGeom>
+          <a:noFill/>
+          <a:ln>
+            <a:noFill/>
+          </a:ln>
+          <a:extLst>
+            <a:ext uri="{909E8E84-426E-40DD-AFC4-6F175D3DCCD1}">
+              <a14:hiddenFill xmlns:a14="http://schemas.microsoft.com/office/drawing/2010/main">
+                <a:solidFill>
+                  <a:srgbClr val="FFFFFF"/>
+                </a:solidFill>
+              </a14:hiddenFill>
+            </a:ext>
+            <a:ext uri="{91240B29-F687-4F45-9708-019B960494DF}">
+              <a14:hiddenLine xmlns:a14="http://schemas.microsoft.com/office/drawing/2010/main" w="9525">
+                <a:solidFill>
+                  <a:srgbClr val="000000"/>
+                </a:solidFill>
+                <a:miter lim="800000"/>
+                <a:headEnd/>
+                <a:tailEnd/>
+              </a14:hiddenLine>
+            </a:ext>
+          </a:extLst>
+        </p:spPr>
+        <p:txBody>
+          <a:bodyPr wrap="square">
+            <a:spAutoFit/>
+          </a:bodyPr>
+          <a:lstStyle>
+            <a:lvl1pPr eaLnBrk="0" hangingPunct="0">
+              <a:defRPr>
+                <a:solidFill>
+                  <a:schemeClr val="tx1"/>
+                </a:solidFill>
+                <a:latin typeface="Arial" pitchFamily="34" charset="0"/>
+              </a:defRPr>
+            </a:lvl1pPr>
+            <a:lvl2pPr marL="742950" indent="-285750" eaLnBrk="0" hangingPunct="0">
+              <a:defRPr>
+                <a:solidFill>
+                  <a:schemeClr val="tx1"/>
+                </a:solidFill>
+                <a:latin typeface="Arial" pitchFamily="34" charset="0"/>
+              </a:defRPr>
+            </a:lvl2pPr>
+            <a:lvl3pPr marL="1143000" indent="-228600" eaLnBrk="0" hangingPunct="0">
+              <a:defRPr>
+                <a:solidFill>
+                  <a:schemeClr val="tx1"/>
+                </a:solidFill>
+                <a:latin typeface="Arial" pitchFamily="34" charset="0"/>
+              </a:defRPr>
+            </a:lvl3pPr>
+            <a:lvl4pPr marL="1600200" indent="-228600" eaLnBrk="0" hangingPunct="0">
+              <a:defRPr>
+                <a:solidFill>
+                  <a:schemeClr val="tx1"/>
+                </a:solidFill>
+                <a:latin typeface="Arial" pitchFamily="34" charset="0"/>
+              </a:defRPr>
+            </a:lvl4pPr>
+            <a:lvl5pPr marL="2057400" indent="-228600" eaLnBrk="0" hangingPunct="0">
+              <a:defRPr>
+                <a:solidFill>
+                  <a:schemeClr val="tx1"/>
+                </a:solidFill>
+                <a:latin typeface="Arial" pitchFamily="34" charset="0"/>
+              </a:defRPr>
+            </a:lvl5pPr>
+            <a:lvl6pPr marL="2514600" indent="-228600" eaLnBrk="0" fontAlgn="base" hangingPunct="0">
+              <a:spcBef>
+                <a:spcPct val="0"/>
+              </a:spcBef>
+              <a:spcAft>
+                <a:spcPct val="0"/>
+              </a:spcAft>
+              <a:defRPr>
+                <a:solidFill>
+                  <a:schemeClr val="tx1"/>
+                </a:solidFill>
+                <a:latin typeface="Arial" pitchFamily="34" charset="0"/>
+              </a:defRPr>
+            </a:lvl6pPr>
+            <a:lvl7pPr marL="2971800" indent="-228600" eaLnBrk="0" fontAlgn="base" hangingPunct="0">
+              <a:spcBef>
+                <a:spcPct val="0"/>
+              </a:spcBef>
+              <a:spcAft>
+                <a:spcPct val="0"/>
+              </a:spcAft>
+              <a:defRPr>
+                <a:solidFill>
+                  <a:schemeClr val="tx1"/>
+                </a:solidFill>
+                <a:latin typeface="Arial" pitchFamily="34" charset="0"/>
+              </a:defRPr>
+            </a:lvl7pPr>
+            <a:lvl8pPr marL="3429000" indent="-228600" eaLnBrk="0" fontAlgn="base" hangingPunct="0">
+              <a:spcBef>
+                <a:spcPct val="0"/>
+              </a:spcBef>
+              <a:spcAft>
+                <a:spcPct val="0"/>
+              </a:spcAft>
+              <a:defRPr>
+                <a:solidFill>
+                  <a:schemeClr val="tx1"/>
+                </a:solidFill>
+                <a:latin typeface="Arial" pitchFamily="34" charset="0"/>
+              </a:defRPr>
+            </a:lvl8pPr>
+            <a:lvl9pPr marL="3886200" indent="-228600" eaLnBrk="0" fontAlgn="base" hangingPunct="0">
+              <a:spcBef>
+                <a:spcPct val="0"/>
+              </a:spcBef>
+              <a:spcAft>
+                <a:spcPct val="0"/>
+              </a:spcAft>
+              <a:defRPr>
+                <a:solidFill>
+                  <a:schemeClr val="tx1"/>
+                </a:solidFill>
+                <a:latin typeface="Arial" pitchFamily="34" charset="0"/>
+              </a:defRPr>
+            </a:lvl9pPr>
+          </a:lstStyle>
+          <a:p>
+            <a:pPr marL="342900" indent="-342900" algn="just">
+              <a:lnSpc>
+                <a:spcPct val="150000"/>
+              </a:lnSpc>
+              <a:spcBef>
+                <a:spcPts val="600"/>
+              </a:spcBef>
+              <a:buFont typeface="Arial" panose="020B0604020202020204" pitchFamily="34" charset="0"/>
+              <a:buChar char="•"/>
+            </a:pPr>
+            <a:r>
+              <a:rPr lang="es-MX" sz="2000" b="1" dirty="0">
+                <a:solidFill>
+                  <a:schemeClr val="accent6">
+                    <a:lumMod val="75000"/>
+                  </a:schemeClr>
+                </a:solidFill>
+                <a:latin typeface="+mn-lt"/>
+              </a:rPr>
+              <a:t>Los datos enviados por una computadora llegan solamente a la computadora a la que se ha enviado</a:t>
+            </a:r>
+            <a:r>
+              <a:rPr lang="es-MX" sz="2000" dirty="0">
+                <a:solidFill>
+                  <a:schemeClr val="bg2">
+                    <a:lumMod val="25000"/>
+                  </a:schemeClr>
+                </a:solidFill>
+                <a:latin typeface="+mn-lt"/>
+              </a:rPr>
+              <a:t>, creando una especie de canal de comunicación exclusiva entre el origen y el destino.</a:t>
+            </a:r>
+          </a:p>
+          <a:p>
+            <a:pPr algn="just">
+              <a:lnSpc>
+                <a:spcPct val="150000"/>
+              </a:lnSpc>
+            </a:pPr>
+            <a:endParaRPr lang="es-MX" sz="2000" dirty="0">
+              <a:solidFill>
+                <a:schemeClr val="bg2">
+                  <a:lumMod val="25000"/>
+                </a:schemeClr>
+              </a:solidFill>
+              <a:latin typeface="+mn-lt"/>
+            </a:endParaRPr>
           </a:p>
         </p:txBody>
       </p:sp>
     </p:spTree>
     <p:extLst>
       <p:ext uri="{BB962C8B-B14F-4D97-AF65-F5344CB8AC3E}">
-        <p14:creationId xmlns:p14="http://schemas.microsoft.com/office/powerpoint/2010/main" val="1110819246"/>
+        <p14:creationId xmlns:p14="http://schemas.microsoft.com/office/powerpoint/2010/main" val="992241139"/>
       </p:ext>
     </p:extLst>
   </p:cSld>
   <p:clrMapOvr>
     <a:masterClrMapping/>
   </p:clrMapOvr>
-  <p:transition/>
+  <p:timing>
+    <p:tnLst>
+      <p:par>
+        <p:cTn id="1" dur="indefinite" restart="never" nodeType="tmRoot">
+          <p:childTnLst>
+            <p:seq concurrent="1" nextAc="seek">
+              <p:cTn id="2" dur="indefinite" nodeType="mainSeq">
+                <p:childTnLst>
+                  <p:par>
+                    <p:cTn id="3" fill="hold">
+                      <p:stCondLst>
+                        <p:cond delay="indefinite"/>
+                      </p:stCondLst>
+                      <p:childTnLst>
+                        <p:par>
+                          <p:cTn id="4" fill="hold">
+                            <p:stCondLst>
+                              <p:cond delay="0"/>
+                            </p:stCondLst>
+                            <p:childTnLst>
+                              <p:par>
+                                <p:cTn id="5" presetID="1" presetClass="entr" presetSubtype="0" fill="hold" grpId="0" nodeType="clickEffect">
+                                  <p:stCondLst>
+                                    <p:cond delay="0"/>
+                                  </p:stCondLst>
+                                  <p:childTnLst>
+                                    <p:set>
+                                      <p:cBhvr>
+                                        <p:cTn id="6" dur="1" fill="hold">
+                                          <p:stCondLst>
+                                            <p:cond delay="0"/>
+                                          </p:stCondLst>
+                                        </p:cTn>
+                                        <p:tgtEl>
+                                          <p:spTgt spid="8"/>
+                                        </p:tgtEl>
+                                        <p:attrNameLst>
+                                          <p:attrName>style.visibility</p:attrName>
+                                        </p:attrNameLst>
+                                      </p:cBhvr>
+                                      <p:to>
+                                        <p:strVal val="visible"/>
+                                      </p:to>
+                                    </p:set>
+                                  </p:childTnLst>
+                                </p:cTn>
+                              </p:par>
+                            </p:childTnLst>
+                          </p:cTn>
+                        </p:par>
+                      </p:childTnLst>
+                    </p:cTn>
+                  </p:par>
+                  <p:par>
+                    <p:cTn id="7" fill="hold">
+                      <p:stCondLst>
+                        <p:cond delay="indefinite"/>
+                      </p:stCondLst>
+                      <p:childTnLst>
+                        <p:par>
+                          <p:cTn id="8" fill="hold">
+                            <p:stCondLst>
+                              <p:cond delay="0"/>
+                            </p:stCondLst>
+                            <p:childTnLst>
+                              <p:par>
+                                <p:cTn id="9" presetID="1" presetClass="entr" presetSubtype="0" fill="hold" grpId="0" nodeType="clickEffect">
+                                  <p:stCondLst>
+                                    <p:cond delay="0"/>
+                                  </p:stCondLst>
+                                  <p:childTnLst>
+                                    <p:set>
+                                      <p:cBhvr>
+                                        <p:cTn id="10" dur="1" fill="hold">
+                                          <p:stCondLst>
+                                            <p:cond delay="0"/>
+                                          </p:stCondLst>
+                                        </p:cTn>
+                                        <p:tgtEl>
+                                          <p:spTgt spid="6"/>
+                                        </p:tgtEl>
+                                        <p:attrNameLst>
+                                          <p:attrName>style.visibility</p:attrName>
+                                        </p:attrNameLst>
+                                      </p:cBhvr>
+                                      <p:to>
+                                        <p:strVal val="visible"/>
+                                      </p:to>
+                                    </p:set>
+                                  </p:childTnLst>
+                                </p:cTn>
+                              </p:par>
+                            </p:childTnLst>
+                          </p:cTn>
+                        </p:par>
+                      </p:childTnLst>
+                    </p:cTn>
+                  </p:par>
+                </p:childTnLst>
+              </p:cTn>
+              <p:prevCondLst>
+                <p:cond evt="onPrev" delay="0">
+                  <p:tgtEl>
+                    <p:sldTgt/>
+                  </p:tgtEl>
+                </p:cond>
+              </p:prevCondLst>
+              <p:nextCondLst>
+                <p:cond evt="onNext" delay="0">
+                  <p:tgtEl>
+                    <p:sldTgt/>
+                  </p:tgtEl>
+                </p:cond>
+              </p:nextCondLst>
+            </p:seq>
+          </p:childTnLst>
+        </p:cTn>
+      </p:par>
+    </p:tnLst>
+    <p:bldLst>
+      <p:bldP spid="8" grpId="0"/>
+      <p:bldP spid="6" grpId="0"/>
+    </p:bldLst>
+  </p:timing>
 </p:sld>
 </file>
 
@@ -15001,646 +11061,7 @@
       </p:grpSpPr>
       <p:sp>
         <p:nvSpPr>
-          <p:cNvPr id="3" name="object 3"/>
-          <p:cNvSpPr txBox="1"/>
-          <p:nvPr/>
-        </p:nvSpPr>
-        <p:spPr>
-          <a:xfrm>
-            <a:off x="503483" y="2165435"/>
-            <a:ext cx="1761173" cy="784830"/>
-          </a:xfrm>
-          <a:prstGeom prst="rect">
-            <a:avLst/>
-          </a:prstGeom>
-        </p:spPr>
-        <p:txBody>
-          <a:bodyPr vert="horz" wrap="square" lIns="0" tIns="0" rIns="0" bIns="0" rtlCol="0">
-            <a:spAutoFit/>
-          </a:bodyPr>
-          <a:lstStyle/>
-          <a:p>
-            <a:pPr algn="ctr">
-              <a:lnSpc>
-                <a:spcPct val="100000"/>
-              </a:lnSpc>
-            </a:pPr>
-            <a:r>
-              <a:rPr sz="2100" b="1" spc="-19" dirty="0">
-                <a:solidFill>
-                  <a:srgbClr val="44536A"/>
-                </a:solidFill>
-                <a:latin typeface="Calibri"/>
-                <a:cs typeface="Calibri"/>
-              </a:rPr>
-              <a:t>TERMIN</a:t>
-            </a:r>
-            <a:r>
-              <a:rPr sz="2100" b="1" spc="-23" dirty="0">
-                <a:solidFill>
-                  <a:srgbClr val="44536A"/>
-                </a:solidFill>
-                <a:latin typeface="Calibri"/>
-                <a:cs typeface="Calibri"/>
-              </a:rPr>
-              <a:t>A</a:t>
-            </a:r>
-            <a:r>
-              <a:rPr sz="2100" b="1" spc="-11" dirty="0">
-                <a:solidFill>
-                  <a:srgbClr val="44536A"/>
-                </a:solidFill>
-                <a:latin typeface="Calibri"/>
-                <a:cs typeface="Calibri"/>
-              </a:rPr>
-              <a:t>L</a:t>
-            </a:r>
-            <a:r>
-              <a:rPr sz="2100" b="1" spc="-23" dirty="0">
-                <a:solidFill>
-                  <a:srgbClr val="44536A"/>
-                </a:solidFill>
-                <a:latin typeface="Calibri"/>
-                <a:cs typeface="Calibri"/>
-              </a:rPr>
-              <a:t>E</a:t>
-            </a:r>
-            <a:r>
-              <a:rPr sz="2100" b="1" spc="-11" dirty="0">
-                <a:solidFill>
-                  <a:srgbClr val="44536A"/>
-                </a:solidFill>
-                <a:latin typeface="Calibri"/>
-                <a:cs typeface="Calibri"/>
-              </a:rPr>
-              <a:t>S</a:t>
-            </a:r>
-            <a:endParaRPr sz="2100" dirty="0">
-              <a:latin typeface="Calibri"/>
-              <a:cs typeface="Calibri"/>
-            </a:endParaRPr>
-          </a:p>
-          <a:p>
-            <a:pPr marL="39529" algn="ctr">
-              <a:spcBef>
-                <a:spcPts val="41"/>
-              </a:spcBef>
-            </a:pPr>
-            <a:r>
-              <a:rPr sz="1500" b="1" spc="-4" dirty="0">
-                <a:solidFill>
-                  <a:srgbClr val="44536A"/>
-                </a:solidFill>
-                <a:latin typeface="Calibri"/>
-                <a:cs typeface="Calibri"/>
-              </a:rPr>
-              <a:t>Ori</a:t>
-            </a:r>
-            <a:r>
-              <a:rPr sz="1500" b="1" spc="-23" dirty="0">
-                <a:solidFill>
-                  <a:srgbClr val="44536A"/>
-                </a:solidFill>
-                <a:latin typeface="Calibri"/>
-                <a:cs typeface="Calibri"/>
-              </a:rPr>
-              <a:t>g</a:t>
-            </a:r>
-            <a:r>
-              <a:rPr sz="1500" b="1" spc="-4" dirty="0">
-                <a:solidFill>
-                  <a:srgbClr val="44536A"/>
-                </a:solidFill>
-                <a:latin typeface="Calibri"/>
-                <a:cs typeface="Calibri"/>
-              </a:rPr>
-              <a:t>en</a:t>
-            </a:r>
-            <a:r>
-              <a:rPr sz="1500" b="1" spc="4" dirty="0">
-                <a:solidFill>
-                  <a:srgbClr val="44536A"/>
-                </a:solidFill>
-                <a:latin typeface="Calibri"/>
-                <a:cs typeface="Calibri"/>
-              </a:rPr>
-              <a:t>/</a:t>
-            </a:r>
-            <a:r>
-              <a:rPr sz="1500" b="1" spc="-4" dirty="0">
-                <a:solidFill>
-                  <a:srgbClr val="44536A"/>
-                </a:solidFill>
-                <a:latin typeface="Calibri"/>
-                <a:cs typeface="Calibri"/>
-              </a:rPr>
-              <a:t>De</a:t>
-            </a:r>
-            <a:r>
-              <a:rPr sz="1500" b="1" spc="-19" dirty="0">
-                <a:solidFill>
-                  <a:srgbClr val="44536A"/>
-                </a:solidFill>
-                <a:latin typeface="Calibri"/>
-                <a:cs typeface="Calibri"/>
-              </a:rPr>
-              <a:t>s</a:t>
-            </a:r>
-            <a:r>
-              <a:rPr sz="1500" b="1" dirty="0">
-                <a:solidFill>
-                  <a:srgbClr val="44536A"/>
-                </a:solidFill>
-                <a:latin typeface="Calibri"/>
-                <a:cs typeface="Calibri"/>
-              </a:rPr>
-              <a:t>tino</a:t>
-            </a:r>
-            <a:endParaRPr sz="1500" dirty="0">
-              <a:latin typeface="Calibri"/>
-              <a:cs typeface="Calibri"/>
-            </a:endParaRPr>
-          </a:p>
-          <a:p>
-            <a:pPr algn="ctr">
-              <a:lnSpc>
-                <a:spcPct val="100000"/>
-              </a:lnSpc>
-            </a:pPr>
-            <a:r>
-              <a:rPr sz="1500" b="1" spc="-4" dirty="0">
-                <a:solidFill>
-                  <a:srgbClr val="44536A"/>
-                </a:solidFill>
-                <a:latin typeface="Calibri"/>
-                <a:cs typeface="Calibri"/>
-              </a:rPr>
-              <a:t>Clie</a:t>
-            </a:r>
-            <a:r>
-              <a:rPr sz="1500" b="1" spc="-15" dirty="0">
-                <a:solidFill>
-                  <a:srgbClr val="44536A"/>
-                </a:solidFill>
-                <a:latin typeface="Calibri"/>
-                <a:cs typeface="Calibri"/>
-              </a:rPr>
-              <a:t>n</a:t>
-            </a:r>
-            <a:r>
-              <a:rPr sz="1500" b="1" spc="-19" dirty="0">
-                <a:solidFill>
-                  <a:srgbClr val="44536A"/>
-                </a:solidFill>
-                <a:latin typeface="Calibri"/>
-                <a:cs typeface="Calibri"/>
-              </a:rPr>
-              <a:t>t</a:t>
-            </a:r>
-            <a:r>
-              <a:rPr sz="1500" b="1" spc="-4" dirty="0">
-                <a:solidFill>
-                  <a:srgbClr val="44536A"/>
-                </a:solidFill>
-                <a:latin typeface="Calibri"/>
-                <a:cs typeface="Calibri"/>
-              </a:rPr>
-              <a:t>e/</a:t>
-            </a:r>
-            <a:r>
-              <a:rPr sz="1500" b="1" spc="4" dirty="0">
-                <a:solidFill>
-                  <a:srgbClr val="44536A"/>
-                </a:solidFill>
-                <a:latin typeface="Calibri"/>
-                <a:cs typeface="Calibri"/>
-              </a:rPr>
-              <a:t>S</a:t>
-            </a:r>
-            <a:r>
-              <a:rPr sz="1500" b="1" spc="-4" dirty="0">
-                <a:solidFill>
-                  <a:srgbClr val="44536A"/>
-                </a:solidFill>
-                <a:latin typeface="Calibri"/>
-                <a:cs typeface="Calibri"/>
-              </a:rPr>
-              <a:t>e</a:t>
-            </a:r>
-            <a:r>
-              <a:rPr sz="1500" b="1" spc="4" dirty="0">
-                <a:solidFill>
-                  <a:srgbClr val="44536A"/>
-                </a:solidFill>
-                <a:latin typeface="Calibri"/>
-                <a:cs typeface="Calibri"/>
-              </a:rPr>
-              <a:t>r</a:t>
-            </a:r>
-            <a:r>
-              <a:rPr sz="1500" b="1" spc="-4" dirty="0">
-                <a:solidFill>
-                  <a:srgbClr val="44536A"/>
-                </a:solidFill>
-                <a:latin typeface="Calibri"/>
-                <a:cs typeface="Calibri"/>
-              </a:rPr>
-              <a:t>vid</a:t>
-            </a:r>
-            <a:r>
-              <a:rPr sz="1500" b="1" spc="4" dirty="0">
-                <a:solidFill>
-                  <a:srgbClr val="44536A"/>
-                </a:solidFill>
-                <a:latin typeface="Calibri"/>
-                <a:cs typeface="Calibri"/>
-              </a:rPr>
-              <a:t>o</a:t>
-            </a:r>
-            <a:r>
-              <a:rPr sz="1500" b="1" spc="-4" dirty="0">
-                <a:solidFill>
-                  <a:srgbClr val="44536A"/>
-                </a:solidFill>
-                <a:latin typeface="Calibri"/>
-                <a:cs typeface="Calibri"/>
-              </a:rPr>
-              <a:t>r/</a:t>
-            </a:r>
-            <a:r>
-              <a:rPr sz="1500" b="1" spc="-26" dirty="0">
-                <a:solidFill>
-                  <a:srgbClr val="44536A"/>
-                </a:solidFill>
-                <a:latin typeface="Calibri"/>
-                <a:cs typeface="Calibri"/>
-              </a:rPr>
-              <a:t>P</a:t>
-            </a:r>
-            <a:r>
-              <a:rPr sz="1500" b="1" spc="-4" dirty="0">
-                <a:solidFill>
-                  <a:srgbClr val="44536A"/>
-                </a:solidFill>
-                <a:latin typeface="Calibri"/>
-                <a:cs typeface="Calibri"/>
-              </a:rPr>
-              <a:t>eer</a:t>
-            </a:r>
-            <a:endParaRPr sz="1500" dirty="0">
-              <a:latin typeface="Calibri"/>
-              <a:cs typeface="Calibri"/>
-            </a:endParaRPr>
-          </a:p>
-        </p:txBody>
-      </p:sp>
-      <p:sp>
-        <p:nvSpPr>
-          <p:cNvPr id="4" name="object 4"/>
-          <p:cNvSpPr txBox="1"/>
-          <p:nvPr/>
-        </p:nvSpPr>
-        <p:spPr>
-          <a:xfrm>
-            <a:off x="399471" y="3648383"/>
-            <a:ext cx="1966436" cy="1661993"/>
-          </a:xfrm>
-          <a:prstGeom prst="rect">
-            <a:avLst/>
-          </a:prstGeom>
-        </p:spPr>
-        <p:txBody>
-          <a:bodyPr vert="horz" wrap="square" lIns="0" tIns="0" rIns="0" bIns="0" rtlCol="0">
-            <a:spAutoFit/>
-          </a:bodyPr>
-          <a:lstStyle/>
-          <a:p>
-            <a:pPr algn="ctr">
-              <a:lnSpc>
-                <a:spcPct val="100000"/>
-              </a:lnSpc>
-            </a:pPr>
-            <a:r>
-              <a:rPr sz="2100" b="1" spc="-8" dirty="0">
-                <a:solidFill>
-                  <a:srgbClr val="44536A"/>
-                </a:solidFill>
-                <a:latin typeface="Calibri"/>
-                <a:cs typeface="Calibri"/>
-              </a:rPr>
-              <a:t>I</a:t>
-            </a:r>
-            <a:r>
-              <a:rPr sz="2100" b="1" spc="-23" dirty="0">
-                <a:solidFill>
-                  <a:srgbClr val="44536A"/>
-                </a:solidFill>
-                <a:latin typeface="Calibri"/>
-                <a:cs typeface="Calibri"/>
-              </a:rPr>
-              <a:t>N</a:t>
-            </a:r>
-            <a:r>
-              <a:rPr sz="2100" b="1" spc="-15" dirty="0">
-                <a:solidFill>
-                  <a:srgbClr val="44536A"/>
-                </a:solidFill>
-                <a:latin typeface="Calibri"/>
-                <a:cs typeface="Calibri"/>
-              </a:rPr>
-              <a:t>TERMEDIARIOS</a:t>
-            </a:r>
-            <a:endParaRPr sz="2100" dirty="0">
-              <a:latin typeface="Calibri"/>
-              <a:cs typeface="Calibri"/>
-            </a:endParaRPr>
-          </a:p>
-          <a:p>
-            <a:pPr algn="ctr">
-              <a:spcBef>
-                <a:spcPts val="41"/>
-              </a:spcBef>
-            </a:pPr>
-            <a:r>
-              <a:rPr sz="1500" b="1" spc="-4" dirty="0">
-                <a:solidFill>
-                  <a:srgbClr val="44536A"/>
-                </a:solidFill>
-                <a:latin typeface="Calibri"/>
-                <a:cs typeface="Calibri"/>
-              </a:rPr>
-              <a:t>Comu</a:t>
-            </a:r>
-            <a:r>
-              <a:rPr sz="1500" b="1" spc="4" dirty="0">
-                <a:solidFill>
-                  <a:srgbClr val="44536A"/>
-                </a:solidFill>
-                <a:latin typeface="Calibri"/>
-                <a:cs typeface="Calibri"/>
-              </a:rPr>
-              <a:t>n</a:t>
-            </a:r>
-            <a:r>
-              <a:rPr sz="1500" b="1" dirty="0">
-                <a:solidFill>
-                  <a:srgbClr val="44536A"/>
-                </a:solidFill>
-                <a:latin typeface="Calibri"/>
-                <a:cs typeface="Calibri"/>
-              </a:rPr>
-              <a:t>i</a:t>
-            </a:r>
-            <a:r>
-              <a:rPr sz="1500" b="1" spc="-11" dirty="0">
-                <a:solidFill>
-                  <a:srgbClr val="44536A"/>
-                </a:solidFill>
-                <a:latin typeface="Calibri"/>
-                <a:cs typeface="Calibri"/>
-              </a:rPr>
-              <a:t>c</a:t>
-            </a:r>
-            <a:r>
-              <a:rPr sz="1500" b="1" dirty="0">
-                <a:solidFill>
-                  <a:srgbClr val="44536A"/>
-                </a:solidFill>
-                <a:latin typeface="Calibri"/>
-                <a:cs typeface="Calibri"/>
-              </a:rPr>
-              <a:t>aciones/</a:t>
-            </a:r>
-            <a:r>
-              <a:rPr sz="1500" b="1" spc="-30" dirty="0">
-                <a:solidFill>
-                  <a:srgbClr val="44536A"/>
-                </a:solidFill>
-                <a:latin typeface="Calibri"/>
-                <a:cs typeface="Calibri"/>
-              </a:rPr>
-              <a:t>R</a:t>
-            </a:r>
-            <a:r>
-              <a:rPr sz="1500" b="1" spc="-4" dirty="0">
-                <a:solidFill>
-                  <a:srgbClr val="44536A"/>
-                </a:solidFill>
-                <a:latin typeface="Calibri"/>
-                <a:cs typeface="Calibri"/>
-              </a:rPr>
-              <a:t>ed</a:t>
-            </a:r>
-            <a:endParaRPr sz="1500" dirty="0">
-              <a:latin typeface="Calibri"/>
-              <a:cs typeface="Calibri"/>
-            </a:endParaRPr>
-          </a:p>
-          <a:p>
-            <a:pPr>
-              <a:lnSpc>
-                <a:spcPct val="100000"/>
-              </a:lnSpc>
-            </a:pPr>
-            <a:endParaRPr sz="1500" dirty="0">
-              <a:latin typeface="Times New Roman"/>
-              <a:cs typeface="Times New Roman"/>
-            </a:endParaRPr>
-          </a:p>
-          <a:p>
-            <a:pPr>
-              <a:spcBef>
-                <a:spcPts val="38"/>
-              </a:spcBef>
-            </a:pPr>
-            <a:endParaRPr sz="1500" dirty="0">
-              <a:latin typeface="Times New Roman"/>
-              <a:cs typeface="Times New Roman"/>
-            </a:endParaRPr>
-          </a:p>
-          <a:p>
-            <a:pPr marR="54293" algn="ctr"/>
-            <a:r>
-              <a:rPr sz="2100" b="1" spc="-19" dirty="0" err="1">
-                <a:solidFill>
-                  <a:srgbClr val="44536A"/>
-                </a:solidFill>
-                <a:latin typeface="Calibri"/>
-                <a:cs typeface="Calibri"/>
-              </a:rPr>
-              <a:t>Medio</a:t>
-            </a:r>
-            <a:r>
-              <a:rPr sz="2100" b="1" spc="-11" dirty="0" err="1">
-                <a:solidFill>
-                  <a:srgbClr val="44536A"/>
-                </a:solidFill>
-                <a:latin typeface="Calibri"/>
-                <a:cs typeface="Calibri"/>
-              </a:rPr>
-              <a:t>s</a:t>
-            </a:r>
-            <a:r>
-              <a:rPr sz="2100" b="1" spc="11" dirty="0">
-                <a:solidFill>
-                  <a:srgbClr val="44536A"/>
-                </a:solidFill>
-                <a:latin typeface="Calibri"/>
-                <a:cs typeface="Calibri"/>
-              </a:rPr>
-              <a:t> </a:t>
-            </a:r>
-            <a:r>
-              <a:rPr sz="2100" b="1" spc="-11" dirty="0">
-                <a:solidFill>
-                  <a:srgbClr val="44536A"/>
-                </a:solidFill>
-                <a:latin typeface="Calibri"/>
-                <a:cs typeface="Calibri"/>
-              </a:rPr>
-              <a:t>de</a:t>
-            </a:r>
-            <a:r>
-              <a:rPr lang="es-ES" sz="2100" b="1" spc="-11" dirty="0">
-                <a:solidFill>
-                  <a:srgbClr val="44536A"/>
-                </a:solidFill>
-                <a:latin typeface="Calibri"/>
-                <a:cs typeface="Calibri"/>
-              </a:rPr>
-              <a:t> transmisión</a:t>
-            </a:r>
-            <a:endParaRPr lang="es-MX" sz="2100" dirty="0">
-              <a:latin typeface="Calibri"/>
-              <a:cs typeface="Calibri"/>
-            </a:endParaRPr>
-          </a:p>
-        </p:txBody>
-      </p:sp>
-      <p:sp>
-        <p:nvSpPr>
-          <p:cNvPr id="5" name="object 5"/>
-          <p:cNvSpPr/>
-          <p:nvPr/>
-        </p:nvSpPr>
-        <p:spPr>
-          <a:xfrm>
-            <a:off x="297211" y="3318151"/>
-            <a:ext cx="8519636" cy="17621"/>
-          </a:xfrm>
-          <a:custGeom>
-            <a:avLst/>
-            <a:gdLst/>
-            <a:ahLst/>
-            <a:cxnLst/>
-            <a:rect l="l" t="t" r="r" b="b"/>
-            <a:pathLst>
-              <a:path w="11359515" h="23495">
-                <a:moveTo>
-                  <a:pt x="0" y="0"/>
-                </a:moveTo>
-                <a:lnTo>
-                  <a:pt x="11359007" y="22987"/>
-                </a:lnTo>
-              </a:path>
-            </a:pathLst>
-          </a:custGeom>
-          <a:ln w="6096">
-            <a:solidFill>
-              <a:srgbClr val="E22C91"/>
-            </a:solidFill>
-            <a:prstDash val="dash"/>
-          </a:ln>
-        </p:spPr>
-        <p:txBody>
-          <a:bodyPr wrap="square" lIns="0" tIns="0" rIns="0" bIns="0" rtlCol="0"/>
-          <a:lstStyle/>
-          <a:p>
-            <a:endParaRPr sz="1350" dirty="0"/>
-          </a:p>
-        </p:txBody>
-      </p:sp>
-      <p:sp>
-        <p:nvSpPr>
-          <p:cNvPr id="6" name="object 6"/>
-          <p:cNvSpPr/>
-          <p:nvPr/>
-        </p:nvSpPr>
-        <p:spPr>
-          <a:xfrm>
-            <a:off x="297211" y="4514873"/>
-            <a:ext cx="8519636" cy="17621"/>
-          </a:xfrm>
-          <a:custGeom>
-            <a:avLst/>
-            <a:gdLst/>
-            <a:ahLst/>
-            <a:cxnLst/>
-            <a:rect l="l" t="t" r="r" b="b"/>
-            <a:pathLst>
-              <a:path w="11359515" h="23495">
-                <a:moveTo>
-                  <a:pt x="0" y="0"/>
-                </a:moveTo>
-                <a:lnTo>
-                  <a:pt x="11359007" y="22986"/>
-                </a:lnTo>
-              </a:path>
-            </a:pathLst>
-          </a:custGeom>
-          <a:ln w="6096">
-            <a:solidFill>
-              <a:srgbClr val="E22C91"/>
-            </a:solidFill>
-            <a:prstDash val="dash"/>
-          </a:ln>
-        </p:spPr>
-        <p:txBody>
-          <a:bodyPr wrap="square" lIns="0" tIns="0" rIns="0" bIns="0" rtlCol="0"/>
-          <a:lstStyle/>
-          <a:p>
-            <a:endParaRPr sz="1350" dirty="0"/>
-          </a:p>
-        </p:txBody>
-      </p:sp>
-      <p:sp>
-        <p:nvSpPr>
-          <p:cNvPr id="7" name="object 7"/>
-          <p:cNvSpPr/>
-          <p:nvPr/>
-        </p:nvSpPr>
-        <p:spPr>
-          <a:xfrm>
-            <a:off x="2483768" y="1844824"/>
-            <a:ext cx="6333363" cy="3456432"/>
-          </a:xfrm>
-          <a:prstGeom prst="rect">
-            <a:avLst/>
-          </a:prstGeom>
-          <a:blipFill>
-            <a:blip r:embed="rId3" cstate="print"/>
-            <a:stretch>
-              <a:fillRect/>
-            </a:stretch>
-          </a:blipFill>
-        </p:spPr>
-        <p:txBody>
-          <a:bodyPr wrap="square" lIns="0" tIns="0" rIns="0" bIns="0" rtlCol="0"/>
-          <a:lstStyle/>
-          <a:p>
-            <a:endParaRPr sz="1350" dirty="0"/>
-          </a:p>
-        </p:txBody>
-      </p:sp>
-      <p:sp>
-        <p:nvSpPr>
-          <p:cNvPr id="9" name="Rectangle 2">
-            <a:extLst>
-              <a:ext uri="{FF2B5EF4-FFF2-40B4-BE49-F238E27FC236}">
-                <a16:creationId xmlns:a16="http://schemas.microsoft.com/office/drawing/2014/main" id="{06A72229-3705-4BE7-BFEF-3A88D510A161}"/>
-              </a:ext>
-            </a:extLst>
-          </p:cNvPr>
+          <p:cNvPr id="5" name="Rectangle 2"/>
           <p:cNvSpPr txBox="1">
             <a:spLocks noChangeArrowheads="1"/>
           </p:cNvSpPr>
@@ -15648,8 +11069,8 @@
         </p:nvSpPr>
         <p:spPr>
           <a:xfrm>
-            <a:off x="177225" y="120147"/>
-            <a:ext cx="8964488" cy="1143000"/>
+            <a:off x="144016" y="197768"/>
+            <a:ext cx="8892480" cy="1143000"/>
           </a:xfrm>
           <a:prstGeom prst="rect">
             <a:avLst/>
@@ -15707,69 +11128,126 @@
                 </a:effectLst>
                 <a:latin typeface="Dom Casual" charset="0"/>
               </a:rPr>
-              <a:t>Tipos de dispositivos</a:t>
+              <a:t>Hub vs Switch</a:t>
             </a:r>
           </a:p>
         </p:txBody>
       </p:sp>
-      <p:sp>
-        <p:nvSpPr>
-          <p:cNvPr id="2" name="object 3">
+      <p:pic>
+        <p:nvPicPr>
+          <p:cNvPr id="2" name="Imagen 1"/>
+          <p:cNvPicPr>
+            <a:picLocks noChangeAspect="1"/>
+          </p:cNvPicPr>
+          <p:nvPr/>
+        </p:nvPicPr>
+        <p:blipFill>
+          <a:blip r:embed="rId2">
             <a:extLst>
-              <a:ext uri="{FF2B5EF4-FFF2-40B4-BE49-F238E27FC236}">
-                <a16:creationId xmlns:a16="http://schemas.microsoft.com/office/drawing/2014/main" id="{E8672F19-460C-53BA-A283-AF70904B56C0}"/>
+              <a:ext uri="{28A0092B-C50C-407E-A947-70E740481C1C}">
+                <a14:useLocalDpi xmlns:a14="http://schemas.microsoft.com/office/drawing/2010/main" val="0"/>
               </a:ext>
             </a:extLst>
-          </p:cNvPr>
-          <p:cNvSpPr txBox="1"/>
-          <p:nvPr/>
-        </p:nvSpPr>
+          </a:blip>
+          <a:stretch>
+            <a:fillRect/>
+          </a:stretch>
+        </p:blipFill>
         <p:spPr>
           <a:xfrm>
-            <a:off x="1115616" y="986334"/>
-            <a:ext cx="7272808" cy="323165"/>
+            <a:off x="2051720" y="1772816"/>
+            <a:ext cx="5812694" cy="4824536"/>
           </a:xfrm>
           <a:prstGeom prst="rect">
             <a:avLst/>
           </a:prstGeom>
         </p:spPr>
-        <p:txBody>
-          <a:bodyPr vert="horz" wrap="square" lIns="0" tIns="0" rIns="0" bIns="0" rtlCol="0">
-            <a:spAutoFit/>
-          </a:bodyPr>
-          <a:lstStyle/>
-          <a:p>
-            <a:pPr marL="9525" algn="ctr"/>
-            <a:r>
-              <a:rPr lang="es-ES" sz="2100" b="1" spc="-8" dirty="0">
-                <a:solidFill>
-                  <a:schemeClr val="accent6">
-                    <a:lumMod val="75000"/>
-                  </a:schemeClr>
-                </a:solidFill>
-                <a:latin typeface="Calibri"/>
-                <a:cs typeface="Calibri"/>
-              </a:rPr>
-              <a:t>Terminales, intermediarios y medios de transmisión</a:t>
-            </a:r>
-            <a:endParaRPr sz="2100" dirty="0">
-              <a:solidFill>
-                <a:schemeClr val="accent6">
-                  <a:lumMod val="75000"/>
-                </a:schemeClr>
-              </a:solidFill>
-              <a:latin typeface="Calibri"/>
-              <a:cs typeface="Calibri"/>
-            </a:endParaRPr>
-          </a:p>
-        </p:txBody>
-      </p:sp>
+      </p:pic>
     </p:spTree>
+    <p:extLst>
+      <p:ext uri="{BB962C8B-B14F-4D97-AF65-F5344CB8AC3E}">
+        <p14:creationId xmlns:p14="http://schemas.microsoft.com/office/powerpoint/2010/main" val="1248953378"/>
+      </p:ext>
+    </p:extLst>
   </p:cSld>
   <p:clrMapOvr>
     <a:masterClrMapping/>
   </p:clrMapOvr>
-  <p:transition/>
+  <p:timing>
+    <p:tnLst>
+      <p:par>
+        <p:cTn id="1" dur="indefinite" restart="never" nodeType="tmRoot">
+          <p:childTnLst>
+            <p:seq concurrent="1" nextAc="seek">
+              <p:cTn id="2" dur="indefinite" nodeType="mainSeq">
+                <p:childTnLst>
+                  <p:par>
+                    <p:cTn id="3" fill="hold">
+                      <p:stCondLst>
+                        <p:cond delay="indefinite"/>
+                      </p:stCondLst>
+                      <p:childTnLst>
+                        <p:par>
+                          <p:cTn id="4" fill="hold">
+                            <p:stCondLst>
+                              <p:cond delay="0"/>
+                            </p:stCondLst>
+                            <p:childTnLst>
+                              <p:par>
+                                <p:cTn id="5" presetID="1" presetClass="entr" presetSubtype="0" fill="hold" nodeType="clickEffect">
+                                  <p:stCondLst>
+                                    <p:cond delay="0"/>
+                                  </p:stCondLst>
+                                  <p:childTnLst>
+                                    <p:set>
+                                      <p:cBhvr>
+                                        <p:cTn id="6" dur="1" fill="hold">
+                                          <p:stCondLst>
+                                            <p:cond delay="0"/>
+                                          </p:stCondLst>
+                                        </p:cTn>
+                                        <p:tgtEl>
+                                          <p:spTgt spid="2"/>
+                                        </p:tgtEl>
+                                        <p:attrNameLst>
+                                          <p:attrName>style.visibility</p:attrName>
+                                        </p:attrNameLst>
+                                      </p:cBhvr>
+                                      <p:to>
+                                        <p:strVal val="visible"/>
+                                      </p:to>
+                                    </p:set>
+                                  </p:childTnLst>
+                                </p:cTn>
+                              </p:par>
+                            </p:childTnLst>
+                          </p:cTn>
+                        </p:par>
+                      </p:childTnLst>
+                    </p:cTn>
+                  </p:par>
+                </p:childTnLst>
+              </p:cTn>
+              <p:prevCondLst>
+                <p:cond evt="onPrev" delay="0">
+                  <p:tgtEl>
+                    <p:sldTgt/>
+                  </p:tgtEl>
+                </p:cond>
+              </p:prevCondLst>
+              <p:nextCondLst>
+                <p:cond evt="onNext" delay="0">
+                  <p:tgtEl>
+                    <p:sldTgt/>
+                  </p:tgtEl>
+                </p:cond>
+              </p:nextCondLst>
+            </p:seq>
+          </p:childTnLst>
+        </p:cTn>
+      </p:par>
+    </p:tnLst>
+  </p:timing>
 </p:sld>
 </file>
 
@@ -15792,59 +11270,7 @@
       </p:grpSpPr>
       <p:sp>
         <p:nvSpPr>
-          <p:cNvPr id="3" name="object 3"/>
-          <p:cNvSpPr txBox="1"/>
-          <p:nvPr/>
-        </p:nvSpPr>
-        <p:spPr>
-          <a:xfrm>
-            <a:off x="3347864" y="809809"/>
-            <a:ext cx="3648551" cy="323165"/>
-          </a:xfrm>
-          <a:prstGeom prst="rect">
-            <a:avLst/>
-          </a:prstGeom>
-        </p:spPr>
-        <p:txBody>
-          <a:bodyPr vert="horz" wrap="square" lIns="0" tIns="0" rIns="0" bIns="0" rtlCol="0">
-            <a:spAutoFit/>
-          </a:bodyPr>
-          <a:lstStyle/>
-          <a:p>
-            <a:pPr marL="9525"/>
-            <a:r>
-              <a:rPr lang="es-ES" sz="2100" b="1" spc="-8" dirty="0">
-                <a:solidFill>
-                  <a:schemeClr val="accent6">
-                    <a:lumMod val="75000"/>
-                  </a:schemeClr>
-                </a:solidFill>
-                <a:latin typeface="Calibri"/>
-                <a:cs typeface="Calibri"/>
-              </a:rPr>
-              <a:t>Dispositivos terminales</a:t>
-            </a:r>
-            <a:endParaRPr sz="2100" dirty="0">
-              <a:solidFill>
-                <a:schemeClr val="accent6">
-                  <a:lumMod val="75000"/>
-                </a:schemeClr>
-              </a:solidFill>
-              <a:latin typeface="Calibri"/>
-              <a:cs typeface="Calibri"/>
-            </a:endParaRPr>
-          </a:p>
-        </p:txBody>
-      </p:sp>
-      <p:sp>
-        <p:nvSpPr>
-          <p:cNvPr id="6" name="Rectangle 2">
-            <a:extLst>
-              <a:ext uri="{FF2B5EF4-FFF2-40B4-BE49-F238E27FC236}">
-                <a16:creationId xmlns:a16="http://schemas.microsoft.com/office/drawing/2014/main" id="{A7C1FB87-3324-41B6-B2C2-1CEDEA7F7814}"/>
-              </a:ext>
-            </a:extLst>
-          </p:cNvPr>
+          <p:cNvPr id="5" name="Rectangle 2"/>
           <p:cNvSpPr txBox="1">
             <a:spLocks noChangeArrowheads="1"/>
           </p:cNvSpPr>
@@ -15852,7 +11278,7 @@
         </p:nvSpPr>
         <p:spPr>
           <a:xfrm>
-            <a:off x="177225" y="-27384"/>
+            <a:off x="144016" y="197768"/>
             <a:ext cx="8964488" cy="1143000"/>
           </a:xfrm>
           <a:prstGeom prst="rect">
@@ -15911,283 +11337,464 @@
                 </a:effectLst>
                 <a:latin typeface="Dom Casual" charset="0"/>
               </a:rPr>
-              <a:t>Tipos de dispositivos</a:t>
-            </a:r>
-          </a:p>
-        </p:txBody>
-      </p:sp>
-      <p:sp>
-        <p:nvSpPr>
-          <p:cNvPr id="9" name="CuadroTexto 8">
-            <a:extLst>
-              <a:ext uri="{FF2B5EF4-FFF2-40B4-BE49-F238E27FC236}">
-                <a16:creationId xmlns:a16="http://schemas.microsoft.com/office/drawing/2014/main" id="{68C25195-34C0-4A5C-B890-6EFAF430DA0F}"/>
-              </a:ext>
-            </a:extLst>
-          </p:cNvPr>
-          <p:cNvSpPr txBox="1"/>
-          <p:nvPr/>
-        </p:nvSpPr>
-        <p:spPr>
-          <a:xfrm>
-            <a:off x="638976" y="1375184"/>
-            <a:ext cx="8064190" cy="819712"/>
-          </a:xfrm>
-          <a:prstGeom prst="rect">
-            <a:avLst/>
-          </a:prstGeom>
-          <a:noFill/>
-        </p:spPr>
-        <p:txBody>
-          <a:bodyPr wrap="square">
-            <a:spAutoFit/>
-          </a:bodyPr>
-          <a:lstStyle/>
-          <a:p>
-            <a:pPr algn="just">
-              <a:lnSpc>
-                <a:spcPts val="3000"/>
-              </a:lnSpc>
-            </a:pPr>
-            <a:r>
-              <a:rPr lang="es-ES" sz="1400" b="1" i="0" dirty="0">
-                <a:solidFill>
-                  <a:schemeClr val="accent5">
-                    <a:lumMod val="75000"/>
-                  </a:schemeClr>
-                </a:solidFill>
-                <a:effectLst/>
-                <a:latin typeface="Calibri" panose="020F0502020204030204" pitchFamily="34" charset="0"/>
-                <a:cs typeface="Calibri" panose="020F0502020204030204" pitchFamily="34" charset="0"/>
-              </a:rPr>
-              <a:t>Los “dispositivos terminales” o “hosts” </a:t>
-            </a:r>
-            <a:r>
-              <a:rPr lang="es-ES" sz="1400" dirty="0">
-                <a:solidFill>
-                  <a:srgbClr val="0A0A0A"/>
-                </a:solidFill>
-                <a:latin typeface="Calibri" panose="020F0502020204030204" pitchFamily="34" charset="0"/>
-                <a:cs typeface="Calibri" panose="020F0502020204030204" pitchFamily="34" charset="0"/>
-              </a:rPr>
-              <a:t>son aquellos con los que el usuario final interactúa, una terminal es el origen y el destino de un mensaje transmitido a través de la red.</a:t>
-            </a:r>
-            <a:endParaRPr lang="es-ES" sz="1400" b="0" i="0" dirty="0">
-              <a:solidFill>
-                <a:srgbClr val="0A0A0A"/>
-              </a:solidFill>
-              <a:effectLst/>
-              <a:latin typeface="Calibri" panose="020F0502020204030204" pitchFamily="34" charset="0"/>
-              <a:cs typeface="Calibri" panose="020F0502020204030204" pitchFamily="34" charset="0"/>
-            </a:endParaRPr>
-          </a:p>
-        </p:txBody>
-      </p:sp>
-      <p:sp>
-        <p:nvSpPr>
-          <p:cNvPr id="5" name="CuadroTexto 4">
-            <a:extLst>
-              <a:ext uri="{FF2B5EF4-FFF2-40B4-BE49-F238E27FC236}">
-                <a16:creationId xmlns:a16="http://schemas.microsoft.com/office/drawing/2014/main" id="{FB830CAC-4AB7-485D-994D-DCF342C9FF7C}"/>
-              </a:ext>
-            </a:extLst>
-          </p:cNvPr>
-          <p:cNvSpPr txBox="1"/>
-          <p:nvPr/>
-        </p:nvSpPr>
-        <p:spPr>
-          <a:xfrm>
-            <a:off x="670619" y="2202923"/>
-            <a:ext cx="7996408" cy="2303772"/>
-          </a:xfrm>
-          <a:prstGeom prst="rect">
-            <a:avLst/>
-          </a:prstGeom>
-          <a:noFill/>
-        </p:spPr>
-        <p:txBody>
-          <a:bodyPr wrap="square">
-            <a:spAutoFit/>
-          </a:bodyPr>
-          <a:lstStyle/>
-          <a:p>
-            <a:pPr algn="just">
-              <a:lnSpc>
-                <a:spcPts val="2500"/>
-              </a:lnSpc>
-            </a:pPr>
-            <a:r>
-              <a:rPr lang="es-ES" sz="1400" b="0" i="0" dirty="0">
-                <a:solidFill>
-                  <a:srgbClr val="0A0A0A"/>
-                </a:solidFill>
-                <a:effectLst/>
-                <a:latin typeface="Calibri" panose="020F0502020204030204" pitchFamily="34" charset="0"/>
-                <a:cs typeface="Calibri" panose="020F0502020204030204" pitchFamily="34" charset="0"/>
-              </a:rPr>
-              <a:t>Algunos ejemplos de dispositivos finales son:</a:t>
-            </a:r>
-          </a:p>
-          <a:p>
-            <a:pPr marL="285750" indent="-285750" algn="just">
-              <a:lnSpc>
-                <a:spcPts val="2500"/>
-              </a:lnSpc>
-              <a:buFont typeface="Arial" panose="020B0604020202020204" pitchFamily="34" charset="0"/>
-              <a:buChar char="•"/>
-            </a:pPr>
-            <a:r>
-              <a:rPr lang="es-ES" sz="1400" b="1" i="0" dirty="0">
-                <a:solidFill>
-                  <a:srgbClr val="FF0000"/>
-                </a:solidFill>
-                <a:effectLst/>
-                <a:latin typeface="Calibri" panose="020F0502020204030204" pitchFamily="34" charset="0"/>
-                <a:cs typeface="Calibri" panose="020F0502020204030204" pitchFamily="34" charset="0"/>
-              </a:rPr>
-              <a:t>Computadoras</a:t>
-            </a:r>
-            <a:r>
-              <a:rPr lang="es-ES" sz="1400" b="0" i="0" dirty="0">
-                <a:solidFill>
-                  <a:srgbClr val="0A0A0A"/>
-                </a:solidFill>
-                <a:effectLst/>
-                <a:latin typeface="Calibri" panose="020F0502020204030204" pitchFamily="34" charset="0"/>
-                <a:cs typeface="Calibri" panose="020F0502020204030204" pitchFamily="34" charset="0"/>
-              </a:rPr>
-              <a:t> (estaciones de trabajo, laptops, servidores)</a:t>
-            </a:r>
-          </a:p>
-          <a:p>
-            <a:pPr marL="285750" indent="-285750" algn="just">
-              <a:lnSpc>
-                <a:spcPts val="2500"/>
-              </a:lnSpc>
-              <a:buFont typeface="Arial" panose="020B0604020202020204" pitchFamily="34" charset="0"/>
-              <a:buChar char="•"/>
-            </a:pPr>
-            <a:r>
-              <a:rPr lang="es-ES" sz="1400" b="1" i="0" dirty="0">
-                <a:solidFill>
-                  <a:srgbClr val="FF0000"/>
-                </a:solidFill>
-                <a:effectLst/>
-                <a:latin typeface="Calibri" panose="020F0502020204030204" pitchFamily="34" charset="0"/>
-                <a:cs typeface="Calibri" panose="020F0502020204030204" pitchFamily="34" charset="0"/>
-              </a:rPr>
-              <a:t>Impresoras de red</a:t>
-            </a:r>
-          </a:p>
-          <a:p>
-            <a:pPr marL="285750" indent="-285750" algn="just">
-              <a:lnSpc>
-                <a:spcPts val="2500"/>
-              </a:lnSpc>
-              <a:buFont typeface="Arial" panose="020B0604020202020204" pitchFamily="34" charset="0"/>
-              <a:buChar char="•"/>
-            </a:pPr>
-            <a:r>
-              <a:rPr lang="es-ES" sz="1400" b="1" i="0" dirty="0">
-                <a:solidFill>
-                  <a:srgbClr val="FF0000"/>
-                </a:solidFill>
-                <a:effectLst/>
-                <a:latin typeface="Calibri" panose="020F0502020204030204" pitchFamily="34" charset="0"/>
-                <a:cs typeface="Calibri" panose="020F0502020204030204" pitchFamily="34" charset="0"/>
-              </a:rPr>
-              <a:t>Teléfonos VoIP</a:t>
-            </a:r>
-          </a:p>
-          <a:p>
-            <a:pPr marL="285750" indent="-285750" algn="just">
-              <a:lnSpc>
-                <a:spcPts val="2500"/>
-              </a:lnSpc>
-              <a:buFont typeface="Arial" panose="020B0604020202020204" pitchFamily="34" charset="0"/>
-              <a:buChar char="•"/>
-            </a:pPr>
-            <a:r>
-              <a:rPr lang="es-ES" sz="1400" b="1" i="0" dirty="0">
-                <a:solidFill>
-                  <a:srgbClr val="FF0000"/>
-                </a:solidFill>
-                <a:effectLst/>
-                <a:latin typeface="Calibri" panose="020F0502020204030204" pitchFamily="34" charset="0"/>
-                <a:cs typeface="Calibri" panose="020F0502020204030204" pitchFamily="34" charset="0"/>
-              </a:rPr>
-              <a:t>Cámaras de seguridad</a:t>
-            </a:r>
-          </a:p>
-          <a:p>
-            <a:pPr marL="285750" indent="-285750" algn="just">
-              <a:lnSpc>
-                <a:spcPts val="2500"/>
-              </a:lnSpc>
-              <a:buFont typeface="Arial" panose="020B0604020202020204" pitchFamily="34" charset="0"/>
-              <a:buChar char="•"/>
-            </a:pPr>
-            <a:r>
-              <a:rPr lang="es-ES" sz="1400" b="1" i="0" dirty="0">
-                <a:solidFill>
-                  <a:srgbClr val="FF0000"/>
-                </a:solidFill>
-                <a:effectLst/>
-                <a:latin typeface="Calibri" panose="020F0502020204030204" pitchFamily="34" charset="0"/>
-                <a:cs typeface="Calibri" panose="020F0502020204030204" pitchFamily="34" charset="0"/>
-              </a:rPr>
-              <a:t>Dispositivos portátiles móviles </a:t>
-            </a:r>
-            <a:r>
-              <a:rPr lang="es-ES" sz="1400" b="0" i="0" dirty="0">
-                <a:solidFill>
-                  <a:srgbClr val="0A0A0A"/>
-                </a:solidFill>
-                <a:effectLst/>
-                <a:latin typeface="Calibri" panose="020F0502020204030204" pitchFamily="34" charset="0"/>
-                <a:cs typeface="Calibri" panose="020F0502020204030204" pitchFamily="34" charset="0"/>
-              </a:rPr>
-              <a:t>(smartphones, tablets, lectores inalámbricos de tarjetas de crédito, escáneres de códigos de barras)</a:t>
+              <a:t>Ruteador</a:t>
             </a:r>
           </a:p>
         </p:txBody>
       </p:sp>
       <p:pic>
         <p:nvPicPr>
-          <p:cNvPr id="4" name="Imagen 3">
-            <a:extLst>
-              <a:ext uri="{FF2B5EF4-FFF2-40B4-BE49-F238E27FC236}">
-                <a16:creationId xmlns:a16="http://schemas.microsoft.com/office/drawing/2014/main" id="{45B7283D-C1AC-4E21-852E-4A351D670442}"/>
-              </a:ext>
-            </a:extLst>
-          </p:cNvPr>
+          <p:cNvPr id="7" name="Imagen 6"/>
           <p:cNvPicPr>
             <a:picLocks noChangeAspect="1"/>
           </p:cNvPicPr>
           <p:nvPr/>
         </p:nvPicPr>
         <p:blipFill>
-          <a:blip r:embed="rId3"/>
+          <a:blip r:embed="rId2"/>
           <a:stretch>
             <a:fillRect/>
           </a:stretch>
         </p:blipFill>
         <p:spPr>
           <a:xfrm>
-            <a:off x="711691" y="4663104"/>
-            <a:ext cx="7991475" cy="1943100"/>
+            <a:off x="5031816" y="1916832"/>
+            <a:ext cx="3528392" cy="3443516"/>
           </a:xfrm>
           <a:prstGeom prst="rect">
             <a:avLst/>
           </a:prstGeom>
         </p:spPr>
       </p:pic>
+      <p:sp>
+        <p:nvSpPr>
+          <p:cNvPr id="8" name="Text Box 3"/>
+          <p:cNvSpPr txBox="1">
+            <a:spLocks noChangeArrowheads="1"/>
+          </p:cNvSpPr>
+          <p:nvPr/>
+        </p:nvSpPr>
+        <p:spPr bwMode="auto">
+          <a:xfrm>
+            <a:off x="467545" y="3590097"/>
+            <a:ext cx="4322649" cy="1600759"/>
+          </a:xfrm>
+          <a:prstGeom prst="rect">
+            <a:avLst/>
+          </a:prstGeom>
+          <a:noFill/>
+          <a:ln>
+            <a:noFill/>
+          </a:ln>
+          <a:extLst>
+            <a:ext uri="{909E8E84-426E-40DD-AFC4-6F175D3DCCD1}">
+              <a14:hiddenFill xmlns:a14="http://schemas.microsoft.com/office/drawing/2010/main">
+                <a:solidFill>
+                  <a:srgbClr val="FFFFFF"/>
+                </a:solidFill>
+              </a14:hiddenFill>
+            </a:ext>
+            <a:ext uri="{91240B29-F687-4F45-9708-019B960494DF}">
+              <a14:hiddenLine xmlns:a14="http://schemas.microsoft.com/office/drawing/2010/main" w="9525">
+                <a:solidFill>
+                  <a:srgbClr val="000000"/>
+                </a:solidFill>
+                <a:miter lim="800000"/>
+                <a:headEnd/>
+                <a:tailEnd/>
+              </a14:hiddenLine>
+            </a:ext>
+          </a:extLst>
+        </p:spPr>
+        <p:txBody>
+          <a:bodyPr wrap="square">
+            <a:spAutoFit/>
+          </a:bodyPr>
+          <a:lstStyle>
+            <a:lvl1pPr eaLnBrk="0" hangingPunct="0">
+              <a:defRPr>
+                <a:solidFill>
+                  <a:schemeClr val="tx1"/>
+                </a:solidFill>
+                <a:latin typeface="Arial" pitchFamily="34" charset="0"/>
+              </a:defRPr>
+            </a:lvl1pPr>
+            <a:lvl2pPr marL="742950" indent="-285750" eaLnBrk="0" hangingPunct="0">
+              <a:defRPr>
+                <a:solidFill>
+                  <a:schemeClr val="tx1"/>
+                </a:solidFill>
+                <a:latin typeface="Arial" pitchFamily="34" charset="0"/>
+              </a:defRPr>
+            </a:lvl2pPr>
+            <a:lvl3pPr marL="1143000" indent="-228600" eaLnBrk="0" hangingPunct="0">
+              <a:defRPr>
+                <a:solidFill>
+                  <a:schemeClr val="tx1"/>
+                </a:solidFill>
+                <a:latin typeface="Arial" pitchFamily="34" charset="0"/>
+              </a:defRPr>
+            </a:lvl3pPr>
+            <a:lvl4pPr marL="1600200" indent="-228600" eaLnBrk="0" hangingPunct="0">
+              <a:defRPr>
+                <a:solidFill>
+                  <a:schemeClr val="tx1"/>
+                </a:solidFill>
+                <a:latin typeface="Arial" pitchFamily="34" charset="0"/>
+              </a:defRPr>
+            </a:lvl4pPr>
+            <a:lvl5pPr marL="2057400" indent="-228600" eaLnBrk="0" hangingPunct="0">
+              <a:defRPr>
+                <a:solidFill>
+                  <a:schemeClr val="tx1"/>
+                </a:solidFill>
+                <a:latin typeface="Arial" pitchFamily="34" charset="0"/>
+              </a:defRPr>
+            </a:lvl5pPr>
+            <a:lvl6pPr marL="2514600" indent="-228600" eaLnBrk="0" fontAlgn="base" hangingPunct="0">
+              <a:spcBef>
+                <a:spcPct val="0"/>
+              </a:spcBef>
+              <a:spcAft>
+                <a:spcPct val="0"/>
+              </a:spcAft>
+              <a:defRPr>
+                <a:solidFill>
+                  <a:schemeClr val="tx1"/>
+                </a:solidFill>
+                <a:latin typeface="Arial" pitchFamily="34" charset="0"/>
+              </a:defRPr>
+            </a:lvl6pPr>
+            <a:lvl7pPr marL="2971800" indent="-228600" eaLnBrk="0" fontAlgn="base" hangingPunct="0">
+              <a:spcBef>
+                <a:spcPct val="0"/>
+              </a:spcBef>
+              <a:spcAft>
+                <a:spcPct val="0"/>
+              </a:spcAft>
+              <a:defRPr>
+                <a:solidFill>
+                  <a:schemeClr val="tx1"/>
+                </a:solidFill>
+                <a:latin typeface="Arial" pitchFamily="34" charset="0"/>
+              </a:defRPr>
+            </a:lvl7pPr>
+            <a:lvl8pPr marL="3429000" indent="-228600" eaLnBrk="0" fontAlgn="base" hangingPunct="0">
+              <a:spcBef>
+                <a:spcPct val="0"/>
+              </a:spcBef>
+              <a:spcAft>
+                <a:spcPct val="0"/>
+              </a:spcAft>
+              <a:defRPr>
+                <a:solidFill>
+                  <a:schemeClr val="tx1"/>
+                </a:solidFill>
+                <a:latin typeface="Arial" pitchFamily="34" charset="0"/>
+              </a:defRPr>
+            </a:lvl8pPr>
+            <a:lvl9pPr marL="3886200" indent="-228600" eaLnBrk="0" fontAlgn="base" hangingPunct="0">
+              <a:spcBef>
+                <a:spcPct val="0"/>
+              </a:spcBef>
+              <a:spcAft>
+                <a:spcPct val="0"/>
+              </a:spcAft>
+              <a:defRPr>
+                <a:solidFill>
+                  <a:schemeClr val="tx1"/>
+                </a:solidFill>
+                <a:latin typeface="Arial" pitchFamily="34" charset="0"/>
+              </a:defRPr>
+            </a:lvl9pPr>
+          </a:lstStyle>
+          <a:p>
+            <a:pPr marL="792163" lvl="1" indent="-342900">
+              <a:lnSpc>
+                <a:spcPts val="3000"/>
+              </a:lnSpc>
+              <a:buFont typeface="Arial" panose="020B0604020202020204" pitchFamily="34" charset="0"/>
+              <a:buChar char="•"/>
+            </a:pPr>
+            <a:r>
+              <a:rPr lang="es-MX" sz="2000" dirty="0">
+                <a:solidFill>
+                  <a:schemeClr val="bg2">
+                    <a:lumMod val="25000"/>
+                  </a:schemeClr>
+                </a:solidFill>
+                <a:latin typeface="+mn-lt"/>
+              </a:rPr>
+              <a:t>Su función principal consiste en </a:t>
+            </a:r>
+            <a:r>
+              <a:rPr lang="es-MX" sz="2000" b="1" dirty="0">
+                <a:solidFill>
+                  <a:schemeClr val="accent6">
+                    <a:lumMod val="75000"/>
+                  </a:schemeClr>
+                </a:solidFill>
+                <a:latin typeface="+mn-lt"/>
+              </a:rPr>
+              <a:t>enviar paquetes de datos de una red a otra</a:t>
+            </a:r>
+            <a:r>
+              <a:rPr lang="es-MX" sz="2000" dirty="0">
+                <a:solidFill>
+                  <a:schemeClr val="bg2">
+                    <a:lumMod val="25000"/>
+                  </a:schemeClr>
+                </a:solidFill>
+                <a:latin typeface="+mn-lt"/>
+              </a:rPr>
+              <a:t>, es decir, interconectar subredes.</a:t>
+            </a:r>
+            <a:r>
+              <a:rPr lang="es-ES" altLang="es-MX" sz="2000" dirty="0">
+                <a:solidFill>
+                  <a:srgbClr val="212121"/>
+                </a:solidFill>
+                <a:latin typeface="inherit"/>
+              </a:rPr>
+              <a:t> </a:t>
+            </a:r>
+            <a:endParaRPr lang="es-MX" sz="2000" dirty="0">
+              <a:solidFill>
+                <a:schemeClr val="bg2">
+                  <a:lumMod val="25000"/>
+                </a:schemeClr>
+              </a:solidFill>
+              <a:latin typeface="+mn-lt"/>
+            </a:endParaRPr>
+          </a:p>
+        </p:txBody>
+      </p:sp>
+      <p:sp>
+        <p:nvSpPr>
+          <p:cNvPr id="9" name="Text Box 3"/>
+          <p:cNvSpPr txBox="1">
+            <a:spLocks noChangeArrowheads="1"/>
+          </p:cNvSpPr>
+          <p:nvPr/>
+        </p:nvSpPr>
+        <p:spPr bwMode="auto">
+          <a:xfrm>
+            <a:off x="467544" y="1916832"/>
+            <a:ext cx="4538673" cy="1631216"/>
+          </a:xfrm>
+          <a:prstGeom prst="rect">
+            <a:avLst/>
+          </a:prstGeom>
+          <a:noFill/>
+          <a:ln>
+            <a:noFill/>
+          </a:ln>
+          <a:extLst>
+            <a:ext uri="{909E8E84-426E-40DD-AFC4-6F175D3DCCD1}">
+              <a14:hiddenFill xmlns:a14="http://schemas.microsoft.com/office/drawing/2010/main">
+                <a:solidFill>
+                  <a:srgbClr val="FFFFFF"/>
+                </a:solidFill>
+              </a14:hiddenFill>
+            </a:ext>
+            <a:ext uri="{91240B29-F687-4F45-9708-019B960494DF}">
+              <a14:hiddenLine xmlns:a14="http://schemas.microsoft.com/office/drawing/2010/main" w="9525">
+                <a:solidFill>
+                  <a:srgbClr val="000000"/>
+                </a:solidFill>
+                <a:miter lim="800000"/>
+                <a:headEnd/>
+                <a:tailEnd/>
+              </a14:hiddenLine>
+            </a:ext>
+          </a:extLst>
+        </p:spPr>
+        <p:txBody>
+          <a:bodyPr wrap="square">
+            <a:spAutoFit/>
+          </a:bodyPr>
+          <a:lstStyle>
+            <a:lvl1pPr eaLnBrk="0" hangingPunct="0">
+              <a:defRPr>
+                <a:solidFill>
+                  <a:schemeClr val="tx1"/>
+                </a:solidFill>
+                <a:latin typeface="Arial" pitchFamily="34" charset="0"/>
+              </a:defRPr>
+            </a:lvl1pPr>
+            <a:lvl2pPr marL="742950" indent="-285750" eaLnBrk="0" hangingPunct="0">
+              <a:defRPr>
+                <a:solidFill>
+                  <a:schemeClr val="tx1"/>
+                </a:solidFill>
+                <a:latin typeface="Arial" pitchFamily="34" charset="0"/>
+              </a:defRPr>
+            </a:lvl2pPr>
+            <a:lvl3pPr marL="1143000" indent="-228600" eaLnBrk="0" hangingPunct="0">
+              <a:defRPr>
+                <a:solidFill>
+                  <a:schemeClr val="tx1"/>
+                </a:solidFill>
+                <a:latin typeface="Arial" pitchFamily="34" charset="0"/>
+              </a:defRPr>
+            </a:lvl3pPr>
+            <a:lvl4pPr marL="1600200" indent="-228600" eaLnBrk="0" hangingPunct="0">
+              <a:defRPr>
+                <a:solidFill>
+                  <a:schemeClr val="tx1"/>
+                </a:solidFill>
+                <a:latin typeface="Arial" pitchFamily="34" charset="0"/>
+              </a:defRPr>
+            </a:lvl4pPr>
+            <a:lvl5pPr marL="2057400" indent="-228600" eaLnBrk="0" hangingPunct="0">
+              <a:defRPr>
+                <a:solidFill>
+                  <a:schemeClr val="tx1"/>
+                </a:solidFill>
+                <a:latin typeface="Arial" pitchFamily="34" charset="0"/>
+              </a:defRPr>
+            </a:lvl5pPr>
+            <a:lvl6pPr marL="2514600" indent="-228600" eaLnBrk="0" fontAlgn="base" hangingPunct="0">
+              <a:spcBef>
+                <a:spcPct val="0"/>
+              </a:spcBef>
+              <a:spcAft>
+                <a:spcPct val="0"/>
+              </a:spcAft>
+              <a:defRPr>
+                <a:solidFill>
+                  <a:schemeClr val="tx1"/>
+                </a:solidFill>
+                <a:latin typeface="Arial" pitchFamily="34" charset="0"/>
+              </a:defRPr>
+            </a:lvl6pPr>
+            <a:lvl7pPr marL="2971800" indent="-228600" eaLnBrk="0" fontAlgn="base" hangingPunct="0">
+              <a:spcBef>
+                <a:spcPct val="0"/>
+              </a:spcBef>
+              <a:spcAft>
+                <a:spcPct val="0"/>
+              </a:spcAft>
+              <a:defRPr>
+                <a:solidFill>
+                  <a:schemeClr val="tx1"/>
+                </a:solidFill>
+                <a:latin typeface="Arial" pitchFamily="34" charset="0"/>
+              </a:defRPr>
+            </a:lvl7pPr>
+            <a:lvl8pPr marL="3429000" indent="-228600" eaLnBrk="0" fontAlgn="base" hangingPunct="0">
+              <a:spcBef>
+                <a:spcPct val="0"/>
+              </a:spcBef>
+              <a:spcAft>
+                <a:spcPct val="0"/>
+              </a:spcAft>
+              <a:defRPr>
+                <a:solidFill>
+                  <a:schemeClr val="tx1"/>
+                </a:solidFill>
+                <a:latin typeface="Arial" pitchFamily="34" charset="0"/>
+              </a:defRPr>
+            </a:lvl8pPr>
+            <a:lvl9pPr marL="3886200" indent="-228600" eaLnBrk="0" fontAlgn="base" hangingPunct="0">
+              <a:spcBef>
+                <a:spcPct val="0"/>
+              </a:spcBef>
+              <a:spcAft>
+                <a:spcPct val="0"/>
+              </a:spcAft>
+              <a:defRPr>
+                <a:solidFill>
+                  <a:schemeClr val="tx1"/>
+                </a:solidFill>
+                <a:latin typeface="Arial" pitchFamily="34" charset="0"/>
+              </a:defRPr>
+            </a:lvl9pPr>
+          </a:lstStyle>
+          <a:p>
+            <a:pPr marL="792163" lvl="1" indent="-342900">
+              <a:lnSpc>
+                <a:spcPts val="3000"/>
+              </a:lnSpc>
+              <a:buFont typeface="Arial" panose="020B0604020202020204" pitchFamily="34" charset="0"/>
+              <a:buChar char="•"/>
+            </a:pPr>
+            <a:r>
+              <a:rPr lang="es-ES" altLang="es-MX" sz="2000" dirty="0">
+                <a:solidFill>
+                  <a:schemeClr val="bg2">
+                    <a:lumMod val="25000"/>
+                  </a:schemeClr>
+                </a:solidFill>
+                <a:latin typeface="+mn-lt"/>
+              </a:rPr>
+              <a:t>Un router es un </a:t>
+            </a:r>
+            <a:r>
+              <a:rPr lang="es-ES" altLang="es-MX" sz="2000" b="1" dirty="0">
+                <a:solidFill>
+                  <a:schemeClr val="accent6">
+                    <a:lumMod val="75000"/>
+                  </a:schemeClr>
+                </a:solidFill>
+                <a:latin typeface="+mn-lt"/>
+              </a:rPr>
+              <a:t>tipo especializado de computadora </a:t>
+            </a:r>
+            <a:r>
+              <a:rPr lang="es-ES" altLang="es-MX" sz="2000" dirty="0">
+                <a:solidFill>
+                  <a:schemeClr val="bg2">
+                    <a:lumMod val="25000"/>
+                  </a:schemeClr>
+                </a:solidFill>
+                <a:latin typeface="+mn-lt"/>
+              </a:rPr>
+              <a:t>utilizado para </a:t>
+            </a:r>
+            <a:r>
+              <a:rPr lang="es-ES" altLang="es-MX" sz="2000" b="1" dirty="0">
+                <a:solidFill>
+                  <a:schemeClr val="accent6">
+                    <a:lumMod val="75000"/>
+                  </a:schemeClr>
+                </a:solidFill>
+                <a:latin typeface="+mn-lt"/>
+              </a:rPr>
+              <a:t>dirigir el tráfico a través de Internet</a:t>
+            </a:r>
+            <a:r>
+              <a:rPr lang="es-ES" altLang="es-MX" sz="2000" dirty="0">
+                <a:solidFill>
+                  <a:schemeClr val="bg2">
+                    <a:lumMod val="25000"/>
+                  </a:schemeClr>
+                </a:solidFill>
+                <a:latin typeface="+mn-lt"/>
+              </a:rPr>
+              <a:t>.</a:t>
+            </a:r>
+            <a:endParaRPr lang="es-MX" sz="2000" dirty="0">
+              <a:solidFill>
+                <a:schemeClr val="bg2">
+                  <a:lumMod val="25000"/>
+                </a:schemeClr>
+              </a:solidFill>
+              <a:latin typeface="+mn-lt"/>
+            </a:endParaRPr>
+          </a:p>
+        </p:txBody>
+      </p:sp>
     </p:spTree>
+    <p:extLst>
+      <p:ext uri="{BB962C8B-B14F-4D97-AF65-F5344CB8AC3E}">
+        <p14:creationId xmlns:p14="http://schemas.microsoft.com/office/powerpoint/2010/main" val="2234554226"/>
+      </p:ext>
+    </p:extLst>
   </p:cSld>
   <p:clrMapOvr>
     <a:masterClrMapping/>
   </p:clrMapOvr>
-  <p:transition/>
   <p:timing>
     <p:tnLst>
       <p:par>
@@ -16267,7 +11874,7 @@
                                           </p:stCondLst>
                                         </p:cTn>
                                         <p:tgtEl>
-                                          <p:spTgt spid="5"/>
+                                          <p:spTgt spid="8"/>
                                         </p:tgtEl>
                                         <p:attrNameLst>
                                           <p:attrName>style.visibility</p:attrName>
@@ -16308,8 +11915,8 @@
       </p:par>
     </p:tnLst>
     <p:bldLst>
+      <p:bldP spid="8" grpId="0"/>
       <p:bldP spid="9" grpId="0"/>
-      <p:bldP spid="5" grpId="0"/>
     </p:bldLst>
   </p:timing>
 </p:sld>
